--- a/Module-federation.pptx
+++ b/Module-federation.pptx
@@ -11,7 +11,6 @@
     <p:sldId id="259" r:id="rId5"/>
     <p:sldId id="260" r:id="rId6"/>
     <p:sldId id="261" r:id="rId7"/>
-    <p:sldId id="262" r:id="rId8"/>
   </p:sldIdLst>
   <p:sldSz cx="9144000" cy="6858000" type="screen4x3"/>
   <p:notesSz cx="6858000" cy="9144000"/>
@@ -295,7 +294,7 @@
             <a:fld id="{1D8BD707-D9CF-40AE-B4C6-C98DA3205C09}" type="datetimeFigureOut">
               <a:rPr lang="en-US" smtClean="0"/>
               <a:pPr/>
-              <a:t>2/27/2022</a:t>
+              <a:t>2/28/2022</a:t>
             </a:fld>
             <a:endParaRPr lang="en-US"/>
           </a:p>
@@ -462,7 +461,7 @@
             <a:fld id="{1D8BD707-D9CF-40AE-B4C6-C98DA3205C09}" type="datetimeFigureOut">
               <a:rPr lang="en-US" smtClean="0"/>
               <a:pPr/>
-              <a:t>2/27/2022</a:t>
+              <a:t>2/28/2022</a:t>
             </a:fld>
             <a:endParaRPr lang="en-US"/>
           </a:p>
@@ -639,7 +638,7 @@
             <a:fld id="{1D8BD707-D9CF-40AE-B4C6-C98DA3205C09}" type="datetimeFigureOut">
               <a:rPr lang="en-US" smtClean="0"/>
               <a:pPr/>
-              <a:t>2/27/2022</a:t>
+              <a:t>2/28/2022</a:t>
             </a:fld>
             <a:endParaRPr lang="en-US"/>
           </a:p>
@@ -806,7 +805,7 @@
             <a:fld id="{1D8BD707-D9CF-40AE-B4C6-C98DA3205C09}" type="datetimeFigureOut">
               <a:rPr lang="en-US" smtClean="0"/>
               <a:pPr/>
-              <a:t>2/27/2022</a:t>
+              <a:t>2/28/2022</a:t>
             </a:fld>
             <a:endParaRPr lang="en-US"/>
           </a:p>
@@ -1049,7 +1048,7 @@
             <a:fld id="{1D8BD707-D9CF-40AE-B4C6-C98DA3205C09}" type="datetimeFigureOut">
               <a:rPr lang="en-US" smtClean="0"/>
               <a:pPr/>
-              <a:t>2/27/2022</a:t>
+              <a:t>2/28/2022</a:t>
             </a:fld>
             <a:endParaRPr lang="en-US"/>
           </a:p>
@@ -1334,7 +1333,7 @@
             <a:fld id="{1D8BD707-D9CF-40AE-B4C6-C98DA3205C09}" type="datetimeFigureOut">
               <a:rPr lang="en-US" smtClean="0"/>
               <a:pPr/>
-              <a:t>2/27/2022</a:t>
+              <a:t>2/28/2022</a:t>
             </a:fld>
             <a:endParaRPr lang="en-US"/>
           </a:p>
@@ -1753,7 +1752,7 @@
             <a:fld id="{1D8BD707-D9CF-40AE-B4C6-C98DA3205C09}" type="datetimeFigureOut">
               <a:rPr lang="en-US" smtClean="0"/>
               <a:pPr/>
-              <a:t>2/27/2022</a:t>
+              <a:t>2/28/2022</a:t>
             </a:fld>
             <a:endParaRPr lang="en-US"/>
           </a:p>
@@ -1868,7 +1867,7 @@
             <a:fld id="{1D8BD707-D9CF-40AE-B4C6-C98DA3205C09}" type="datetimeFigureOut">
               <a:rPr lang="en-US" smtClean="0"/>
               <a:pPr/>
-              <a:t>2/27/2022</a:t>
+              <a:t>2/28/2022</a:t>
             </a:fld>
             <a:endParaRPr lang="en-US"/>
           </a:p>
@@ -1960,7 +1959,7 @@
             <a:fld id="{1D8BD707-D9CF-40AE-B4C6-C98DA3205C09}" type="datetimeFigureOut">
               <a:rPr lang="en-US" smtClean="0"/>
               <a:pPr/>
-              <a:t>2/27/2022</a:t>
+              <a:t>2/28/2022</a:t>
             </a:fld>
             <a:endParaRPr lang="en-US"/>
           </a:p>
@@ -2234,7 +2233,7 @@
             <a:fld id="{1D8BD707-D9CF-40AE-B4C6-C98DA3205C09}" type="datetimeFigureOut">
               <a:rPr lang="en-US" smtClean="0"/>
               <a:pPr/>
-              <a:t>2/27/2022</a:t>
+              <a:t>2/28/2022</a:t>
             </a:fld>
             <a:endParaRPr lang="en-US"/>
           </a:p>
@@ -2484,7 +2483,7 @@
             <a:fld id="{1D8BD707-D9CF-40AE-B4C6-C98DA3205C09}" type="datetimeFigureOut">
               <a:rPr lang="en-US" smtClean="0"/>
               <a:pPr/>
-              <a:t>2/27/2022</a:t>
+              <a:t>2/28/2022</a:t>
             </a:fld>
             <a:endParaRPr lang="en-US"/>
           </a:p>
@@ -2694,7 +2693,7 @@
             <a:fld id="{1D8BD707-D9CF-40AE-B4C6-C98DA3205C09}" type="datetimeFigureOut">
               <a:rPr lang="en-US" smtClean="0"/>
               <a:pPr/>
-              <a:t>2/27/2022</a:t>
+              <a:t>2/28/2022</a:t>
             </a:fld>
             <a:endParaRPr lang="en-US"/>
           </a:p>
@@ -3135,8 +3134,8 @@
         </p:nvSpPr>
         <p:spPr>
           <a:xfrm>
-            <a:off x="5791200" y="3352800"/>
-            <a:ext cx="3048000" cy="2514600"/>
+            <a:off x="5410200" y="3505200"/>
+            <a:ext cx="3429000" cy="2514600"/>
           </a:xfrm>
           <a:prstGeom prst="rect">
             <a:avLst/>
@@ -3166,7 +3165,7 @@
               <a:defRPr/>
             </a:pPr>
             <a:r>
-              <a:rPr kumimoji="0" lang="en-US" sz="2000" b="0" i="0" u="none" strike="noStrike" kern="1200" cap="none" spc="0" normalizeH="0" baseline="0" noProof="0" dirty="0" smtClean="0">
+              <a:rPr kumimoji="0" lang="en-US" b="0" i="0" u="none" strike="noStrike" kern="1200" cap="none" spc="0" normalizeH="0" baseline="0" noProof="0" dirty="0" smtClean="0">
                 <a:ln>
                   <a:noFill/>
                 </a:ln>
@@ -3199,7 +3198,7 @@
               <a:defRPr/>
             </a:pPr>
             <a:r>
-              <a:rPr kumimoji="0" lang="en-US" sz="2000" b="0" i="0" u="none" strike="noStrike" kern="1200" cap="none" spc="0" normalizeH="0" baseline="0" noProof="0" dirty="0" err="1" smtClean="0">
+              <a:rPr kumimoji="0" lang="en-US" b="0" i="0" u="none" strike="noStrike" kern="1200" cap="none" spc="0" normalizeH="0" baseline="0" noProof="0" dirty="0" err="1" smtClean="0">
                 <a:ln>
                   <a:noFill/>
                 </a:ln>
@@ -3213,7 +3212,7 @@
               <a:t>Arun</a:t>
             </a:r>
             <a:r>
-              <a:rPr kumimoji="0" lang="en-US" sz="2000" b="0" i="0" u="none" strike="noStrike" kern="1200" cap="none" spc="0" normalizeH="0" baseline="0" noProof="0" dirty="0" smtClean="0">
+              <a:rPr kumimoji="0" lang="en-US" b="0" i="0" u="none" strike="noStrike" kern="1200" cap="none" spc="0" normalizeH="0" baseline="0" noProof="0" dirty="0" smtClean="0">
                 <a:ln>
                   <a:noFill/>
                 </a:ln>
@@ -3227,7 +3226,7 @@
               <a:t> </a:t>
             </a:r>
             <a:r>
-              <a:rPr kumimoji="0" lang="en-US" sz="2000" b="0" i="0" u="none" strike="noStrike" kern="1200" cap="none" spc="0" normalizeH="0" baseline="0" noProof="0" dirty="0" err="1" smtClean="0">
+              <a:rPr kumimoji="0" lang="en-US" b="0" i="0" u="none" strike="noStrike" kern="1200" cap="none" spc="0" normalizeH="0" baseline="0" noProof="0" dirty="0" err="1" smtClean="0">
                 <a:ln>
                   <a:noFill/>
                 </a:ln>
@@ -3241,7 +3240,7 @@
               <a:t>Bikash</a:t>
             </a:r>
             <a:r>
-              <a:rPr kumimoji="0" lang="en-US" sz="2000" b="0" i="0" u="none" strike="noStrike" kern="1200" cap="none" spc="0" normalizeH="0" baseline="0" noProof="0" dirty="0" smtClean="0">
+              <a:rPr kumimoji="0" lang="en-US" b="0" i="0" u="none" strike="noStrike" kern="1200" cap="none" spc="0" normalizeH="0" baseline="0" noProof="0" dirty="0" smtClean="0">
                 <a:ln>
                   <a:noFill/>
                 </a:ln>
@@ -3255,7 +3254,7 @@
               <a:t> </a:t>
             </a:r>
             <a:r>
-              <a:rPr kumimoji="0" lang="en-US" sz="2000" b="0" i="0" u="none" strike="noStrike" kern="1200" cap="none" spc="0" normalizeH="0" baseline="0" noProof="0" dirty="0" err="1" smtClean="0">
+              <a:rPr kumimoji="0" lang="en-US" b="0" i="0" u="none" strike="noStrike" kern="1200" cap="none" spc="0" normalizeH="0" baseline="0" noProof="0" dirty="0" err="1" smtClean="0">
                 <a:ln>
                   <a:noFill/>
                 </a:ln>
@@ -3269,7 +3268,7 @@
               <a:t>Mohanty</a:t>
             </a:r>
             <a:r>
-              <a:rPr kumimoji="0" lang="en-US" sz="2000" b="0" i="0" u="none" strike="noStrike" kern="1200" cap="none" spc="0" normalizeH="0" baseline="0" noProof="0" dirty="0" smtClean="0">
+              <a:rPr kumimoji="0" lang="en-US" b="0" i="0" u="none" strike="noStrike" kern="1200" cap="none" spc="0" normalizeH="0" baseline="0" noProof="0" dirty="0" smtClean="0">
                 <a:ln>
                   <a:noFill/>
                 </a:ln>
@@ -3280,8 +3279,33 @@
                 <a:ea typeface="+mn-ea"/>
                 <a:cs typeface="+mn-cs"/>
               </a:rPr>
-              <a:t> ()</a:t>
-            </a:r>
+              <a:t> </a:t>
+            </a:r>
+            <a:r>
+              <a:rPr kumimoji="0" lang="en-US" b="0" i="0" u="none" strike="noStrike" kern="1200" cap="none" spc="0" normalizeH="0" baseline="0" noProof="0" dirty="0" smtClean="0">
+                <a:ln>
+                  <a:noFill/>
+                </a:ln>
+                <a:effectLst/>
+                <a:uLnTx/>
+                <a:uFillTx/>
+                <a:latin typeface="+mn-lt"/>
+                <a:ea typeface="+mn-ea"/>
+                <a:cs typeface="+mn-cs"/>
+              </a:rPr>
+              <a:t>(154865)</a:t>
+            </a:r>
+            <a:endParaRPr kumimoji="0" lang="en-US" b="0" i="0" u="none" strike="noStrike" kern="1200" cap="none" spc="0" normalizeH="0" baseline="0" noProof="0" dirty="0" smtClean="0">
+              <a:ln>
+                <a:noFill/>
+              </a:ln>
+              <a:effectLst/>
+              <a:uLnTx/>
+              <a:uFillTx/>
+              <a:latin typeface="+mn-lt"/>
+              <a:ea typeface="+mn-ea"/>
+              <a:cs typeface="+mn-cs"/>
+            </a:endParaRPr>
           </a:p>
           <a:p>
             <a:pPr marL="0" marR="0" lvl="0" indent="0" defTabSz="914400" rtl="0" eaLnBrk="1" fontAlgn="auto" latinLnBrk="0" hangingPunct="1">
@@ -3302,7 +3326,7 @@
               <a:defRPr/>
             </a:pPr>
             <a:r>
-              <a:rPr kumimoji="0" lang="en-US" sz="2000" b="0" i="0" u="none" strike="noStrike" kern="1200" cap="none" spc="0" normalizeH="0" baseline="0" noProof="0" dirty="0" err="1" smtClean="0">
+              <a:rPr kumimoji="0" lang="en-US" b="0" i="0" u="none" strike="noStrike" kern="1200" cap="none" spc="0" normalizeH="0" baseline="0" noProof="0" dirty="0" err="1" smtClean="0">
                 <a:ln>
                   <a:noFill/>
                 </a:ln>
@@ -3316,7 +3340,7 @@
               <a:t>Sourav</a:t>
             </a:r>
             <a:r>
-              <a:rPr kumimoji="0" lang="en-US" sz="2000" b="0" i="0" u="none" strike="noStrike" kern="1200" cap="none" spc="0" normalizeH="0" baseline="0" noProof="0" dirty="0" smtClean="0">
+              <a:rPr kumimoji="0" lang="en-US" b="0" i="0" u="none" strike="noStrike" kern="1200" cap="none" spc="0" normalizeH="0" baseline="0" noProof="0" dirty="0" smtClean="0">
                 <a:ln>
                   <a:noFill/>
                 </a:ln>
@@ -3327,7 +3351,35 @@
                 <a:ea typeface="+mn-ea"/>
                 <a:cs typeface="+mn-cs"/>
               </a:rPr>
-              <a:t> Kumar Paul(399270)</a:t>
+              <a:t> Kumar </a:t>
+            </a:r>
+            <a:r>
+              <a:rPr kumimoji="0" lang="en-US" b="0" i="0" u="none" strike="noStrike" kern="1200" cap="none" spc="0" normalizeH="0" baseline="0" noProof="0" dirty="0" smtClean="0">
+                <a:ln>
+                  <a:noFill/>
+                </a:ln>
+                <a:effectLst/>
+                <a:uLnTx/>
+                <a:uFillTx/>
+                <a:latin typeface="+mn-lt"/>
+                <a:ea typeface="+mn-ea"/>
+                <a:cs typeface="+mn-cs"/>
+              </a:rPr>
+              <a:t>Paul (399270</a:t>
+            </a:r>
+            <a:r>
+              <a:rPr kumimoji="0" lang="en-US" b="0" i="0" u="none" strike="noStrike" kern="1200" cap="none" spc="0" normalizeH="0" baseline="0" noProof="0" dirty="0" smtClean="0">
+                <a:ln>
+                  <a:noFill/>
+                </a:ln>
+                <a:effectLst/>
+                <a:uLnTx/>
+                <a:uFillTx/>
+                <a:latin typeface="+mn-lt"/>
+                <a:ea typeface="+mn-ea"/>
+                <a:cs typeface="+mn-cs"/>
+              </a:rPr>
+              <a:t>)</a:t>
             </a:r>
           </a:p>
           <a:p>
@@ -3349,7 +3401,7 @@
               <a:defRPr/>
             </a:pPr>
             <a:r>
-              <a:rPr kumimoji="0" lang="en-US" sz="2000" b="0" i="0" u="none" strike="noStrike" kern="1200" cap="none" spc="0" normalizeH="0" baseline="0" noProof="0" dirty="0" err="1" smtClean="0">
+              <a:rPr kumimoji="0" lang="en-US" b="0" i="0" u="none" strike="noStrike" kern="1200" cap="none" spc="0" normalizeH="0" baseline="0" noProof="0" dirty="0" err="1" smtClean="0">
                 <a:ln>
                   <a:noFill/>
                 </a:ln>
@@ -3363,7 +3415,7 @@
               <a:t>Prasanta</a:t>
             </a:r>
             <a:r>
-              <a:rPr kumimoji="0" lang="en-US" sz="2000" b="0" i="0" u="none" strike="noStrike" kern="1200" cap="none" spc="0" normalizeH="0" baseline="0" noProof="0" dirty="0" smtClean="0">
+              <a:rPr kumimoji="0" lang="en-US" b="0" i="0" u="none" strike="noStrike" kern="1200" cap="none" spc="0" normalizeH="0" baseline="0" noProof="0" dirty="0" smtClean="0">
                 <a:ln>
                   <a:noFill/>
                 </a:ln>
@@ -3377,7 +3429,7 @@
               <a:t> </a:t>
             </a:r>
             <a:r>
-              <a:rPr kumimoji="0" lang="en-US" sz="2000" b="0" i="0" u="none" strike="noStrike" kern="1200" cap="none" spc="0" normalizeH="0" baseline="0" noProof="0" dirty="0" err="1" smtClean="0">
+              <a:rPr kumimoji="0" lang="en-US" b="0" i="0" u="none" strike="noStrike" kern="1200" cap="none" spc="0" normalizeH="0" baseline="0" noProof="0" dirty="0" err="1" smtClean="0">
                 <a:ln>
                   <a:noFill/>
                 </a:ln>
@@ -3391,7 +3443,7 @@
               <a:t>Bhuin</a:t>
             </a:r>
             <a:r>
-              <a:rPr kumimoji="0" lang="en-US" sz="2000" b="0" i="0" u="none" strike="noStrike" kern="1200" cap="none" spc="0" normalizeH="0" baseline="0" noProof="0" dirty="0" smtClean="0">
+              <a:rPr kumimoji="0" lang="en-US" b="0" i="0" u="none" strike="noStrike" kern="1200" cap="none" spc="0" normalizeH="0" baseline="0" noProof="0" dirty="0" smtClean="0">
                 <a:ln>
                   <a:noFill/>
                 </a:ln>
@@ -3402,8 +3454,19 @@
                 <a:ea typeface="+mn-ea"/>
                 <a:cs typeface="+mn-cs"/>
               </a:rPr>
-              <a:t>()</a:t>
-            </a:r>
+              <a:t> (797256)</a:t>
+            </a:r>
+            <a:endParaRPr kumimoji="0" lang="en-US" b="0" i="0" u="none" strike="noStrike" kern="1200" cap="none" spc="0" normalizeH="0" baseline="0" noProof="0" dirty="0" smtClean="0">
+              <a:ln>
+                <a:noFill/>
+              </a:ln>
+              <a:effectLst/>
+              <a:uLnTx/>
+              <a:uFillTx/>
+              <a:latin typeface="+mn-lt"/>
+              <a:ea typeface="+mn-ea"/>
+              <a:cs typeface="+mn-cs"/>
+            </a:endParaRPr>
           </a:p>
           <a:p>
             <a:pPr marL="0" marR="0" lvl="0" indent="0" defTabSz="914400" rtl="0" eaLnBrk="1" fontAlgn="auto" latinLnBrk="0" hangingPunct="1">
@@ -3424,7 +3487,7 @@
               <a:defRPr/>
             </a:pPr>
             <a:r>
-              <a:rPr kumimoji="0" lang="en-US" sz="2000" b="0" i="0" u="none" strike="noStrike" kern="1200" cap="none" spc="0" normalizeH="0" baseline="0" noProof="0" dirty="0" err="1" smtClean="0">
+              <a:rPr kumimoji="0" lang="en-US" b="0" i="0" u="none" strike="noStrike" kern="1200" cap="none" spc="0" normalizeH="0" baseline="0" noProof="0" dirty="0" err="1" smtClean="0">
                 <a:ln>
                   <a:noFill/>
                 </a:ln>
@@ -3438,7 +3501,7 @@
               <a:t>Tanmoy</a:t>
             </a:r>
             <a:r>
-              <a:rPr kumimoji="0" lang="en-US" sz="2000" b="0" i="0" u="none" strike="noStrike" kern="1200" cap="none" spc="0" normalizeH="0" baseline="0" noProof="0" dirty="0" smtClean="0">
+              <a:rPr kumimoji="0" lang="en-US" b="0" i="0" u="none" strike="noStrike" kern="1200" cap="none" spc="0" normalizeH="0" baseline="0" noProof="0" dirty="0" smtClean="0">
                 <a:ln>
                   <a:noFill/>
                 </a:ln>
@@ -3452,7 +3515,7 @@
               <a:t> </a:t>
             </a:r>
             <a:r>
-              <a:rPr kumimoji="0" lang="en-US" sz="2000" b="0" i="0" u="none" strike="noStrike" kern="1200" cap="none" spc="0" normalizeH="0" baseline="0" noProof="0" dirty="0" err="1" smtClean="0">
+              <a:rPr kumimoji="0" lang="en-US" b="0" i="0" u="none" strike="noStrike" kern="1200" cap="none" spc="0" normalizeH="0" baseline="0" noProof="0" dirty="0" err="1" smtClean="0">
                 <a:ln>
                   <a:noFill/>
                 </a:ln>
@@ -3466,7 +3529,7 @@
               <a:t>Chowdhury</a:t>
             </a:r>
             <a:r>
-              <a:rPr kumimoji="0" lang="en-US" sz="2000" b="0" i="0" u="none" strike="noStrike" kern="1200" cap="none" spc="0" normalizeH="0" baseline="0" noProof="0" dirty="0" smtClean="0">
+              <a:rPr kumimoji="0" lang="en-US" b="0" i="0" u="none" strike="noStrike" kern="1200" cap="none" spc="0" normalizeH="0" baseline="0" noProof="0" dirty="0" smtClean="0">
                 <a:ln>
                   <a:noFill/>
                 </a:ln>
@@ -3477,8 +3540,19 @@
                 <a:ea typeface="+mn-ea"/>
                 <a:cs typeface="+mn-cs"/>
               </a:rPr>
-              <a:t>()</a:t>
-            </a:r>
+              <a:t> (797429)</a:t>
+            </a:r>
+            <a:endParaRPr kumimoji="0" lang="en-US" b="0" i="0" u="none" strike="noStrike" kern="1200" cap="none" spc="0" normalizeH="0" baseline="0" noProof="0" dirty="0" smtClean="0">
+              <a:ln>
+                <a:noFill/>
+              </a:ln>
+              <a:effectLst/>
+              <a:uLnTx/>
+              <a:uFillTx/>
+              <a:latin typeface="+mn-lt"/>
+              <a:ea typeface="+mn-ea"/>
+              <a:cs typeface="+mn-cs"/>
+            </a:endParaRPr>
           </a:p>
           <a:p>
             <a:pPr marL="0" marR="0" lvl="0" indent="0" defTabSz="914400" rtl="0" eaLnBrk="1" fontAlgn="auto" latinLnBrk="0" hangingPunct="1">
@@ -3499,7 +3573,7 @@
               <a:defRPr/>
             </a:pPr>
             <a:r>
-              <a:rPr kumimoji="0" lang="en-US" sz="2000" b="0" i="0" u="none" strike="noStrike" kern="1200" cap="none" spc="0" normalizeH="0" baseline="0" noProof="0" dirty="0" err="1" smtClean="0">
+              <a:rPr kumimoji="0" lang="en-US" b="0" i="0" u="none" strike="noStrike" kern="1200" cap="none" spc="0" normalizeH="0" baseline="0" noProof="0" dirty="0" err="1" smtClean="0">
                 <a:ln>
                   <a:noFill/>
                 </a:ln>
@@ -3513,7 +3587,7 @@
               <a:t>Suman</a:t>
             </a:r>
             <a:r>
-              <a:rPr kumimoji="0" lang="en-US" sz="2000" b="0" i="0" u="none" strike="noStrike" kern="1200" cap="none" spc="0" normalizeH="0" baseline="0" noProof="0" dirty="0" smtClean="0">
+              <a:rPr kumimoji="0" lang="en-US" b="0" i="0" u="none" strike="noStrike" kern="1200" cap="none" spc="0" normalizeH="0" baseline="0" noProof="0" dirty="0" smtClean="0">
                 <a:ln>
                   <a:noFill/>
                 </a:ln>
@@ -3527,7 +3601,7 @@
               <a:t> </a:t>
             </a:r>
             <a:r>
-              <a:rPr kumimoji="0" lang="en-US" sz="2000" b="0" i="0" u="none" strike="noStrike" kern="1200" cap="none" spc="0" normalizeH="0" baseline="0" noProof="0" dirty="0" err="1" smtClean="0">
+              <a:rPr kumimoji="0" lang="en-US" b="0" i="0" u="none" strike="noStrike" kern="1200" cap="none" spc="0" normalizeH="0" baseline="0" noProof="0" dirty="0" err="1" smtClean="0">
                 <a:ln>
                   <a:noFill/>
                 </a:ln>
@@ -3541,7 +3615,7 @@
               <a:t>Mondal</a:t>
             </a:r>
             <a:r>
-              <a:rPr kumimoji="0" lang="en-US" sz="2000" b="0" i="0" u="none" strike="noStrike" kern="1200" cap="none" spc="0" normalizeH="0" baseline="0" noProof="0" dirty="0" smtClean="0">
+              <a:rPr kumimoji="0" lang="en-US" b="0" i="0" u="none" strike="noStrike" kern="1200" cap="none" spc="0" normalizeH="0" baseline="0" noProof="0" dirty="0" smtClean="0">
                 <a:ln>
                   <a:noFill/>
                 </a:ln>
@@ -3552,9 +3626,9 @@
                 <a:ea typeface="+mn-ea"/>
                 <a:cs typeface="+mn-cs"/>
               </a:rPr>
-              <a:t>(420)</a:t>
-            </a:r>
-            <a:endParaRPr kumimoji="0" lang="en-US" sz="2000" b="0" i="0" u="none" strike="noStrike" kern="1200" cap="none" spc="0" normalizeH="0" baseline="0" noProof="0" dirty="0">
+              <a:t> (420186)</a:t>
+            </a:r>
+            <a:endParaRPr kumimoji="0" lang="en-US" b="0" i="0" u="none" strike="noStrike" kern="1200" cap="none" spc="0" normalizeH="0" baseline="0" noProof="0" dirty="0">
               <a:ln>
                 <a:noFill/>
               </a:ln>
@@ -3652,10 +3726,15 @@
             <p:ph idx="1"/>
           </p:nvPr>
         </p:nvSpPr>
-        <p:spPr/>
+        <p:spPr>
+          <a:xfrm>
+            <a:off x="457200" y="1600200"/>
+            <a:ext cx="8229600" cy="4724400"/>
+          </a:xfrm>
+        </p:spPr>
         <p:txBody>
           <a:bodyPr>
-            <a:normAutofit fontScale="85000" lnSpcReduction="10000"/>
+            <a:normAutofit fontScale="85000" lnSpcReduction="20000"/>
           </a:bodyPr>
           <a:lstStyle/>
           <a:p>
@@ -3667,13 +3746,64 @@
             </a:pPr>
             <a:r>
               <a:rPr lang="en-US" sz="2400" dirty="0" smtClean="0"/>
-              <a:t>	While building web application for an enterprise with time the application become bigger with lots of features and lots of dependent packages.  While using of existing packages make life easier at the same time it increases the build time. This is unavoidable for a big application. </a:t>
+              <a:t>	While </a:t>
+            </a:r>
+            <a:r>
+              <a:rPr lang="en-US" sz="2400" dirty="0" smtClean="0"/>
+              <a:t>building web application for </a:t>
+            </a:r>
+            <a:r>
+              <a:rPr lang="en-US" sz="2400" dirty="0" smtClean="0"/>
+              <a:t>enterprise, </a:t>
+            </a:r>
+            <a:r>
+              <a:rPr lang="en-US" sz="2400" dirty="0" smtClean="0"/>
+              <a:t>with time the application </a:t>
+            </a:r>
+            <a:r>
+              <a:rPr lang="en-US" sz="2400" dirty="0" smtClean="0"/>
+              <a:t>gets bigger </a:t>
+            </a:r>
+            <a:r>
+              <a:rPr lang="en-US" sz="2400" dirty="0" smtClean="0"/>
+              <a:t>with lots of features and lots of dependent packages.  While using of existing packages make life easier at the same time it increases the build </a:t>
+            </a:r>
+            <a:r>
+              <a:rPr lang="en-US" sz="2400" dirty="0" smtClean="0"/>
+              <a:t>time and test time. </a:t>
+            </a:r>
+            <a:r>
+              <a:rPr lang="en-US" sz="2400" dirty="0" smtClean="0"/>
+              <a:t>This is unavoidable for a big application</a:t>
+            </a:r>
+            <a:r>
+              <a:rPr lang="en-US" sz="2400" dirty="0" smtClean="0"/>
+              <a:t>.</a:t>
             </a:r>
           </a:p>
           <a:p>
             <a:pPr>
+              <a:lnSpc>
+                <a:spcPct val="120000"/>
+              </a:lnSpc>
               <a:buNone/>
             </a:pPr>
+            <a:r>
+              <a:rPr lang="en-US" sz="2400" dirty="0" smtClean="0"/>
+              <a:t> </a:t>
+            </a:r>
+          </a:p>
+          <a:p>
+            <a:pPr>
+              <a:lnSpc>
+                <a:spcPct val="120000"/>
+              </a:lnSpc>
+              <a:buNone/>
+            </a:pPr>
+            <a:r>
+              <a:rPr lang="en-US" sz="2400" dirty="0" smtClean="0"/>
+              <a:t>	Following are some problems that we find very common:</a:t>
+            </a:r>
             <a:endParaRPr lang="en-US" sz="2400" dirty="0" smtClean="0"/>
           </a:p>
           <a:p>
@@ -3703,7 +3833,11 @@
           <a:p>
             <a:r>
               <a:rPr lang="en-US" sz="2400" dirty="0" smtClean="0"/>
-              <a:t>Multiple teams working in a same codebase.</a:t>
+              <a:t>Problem when multiple </a:t>
+            </a:r>
+            <a:r>
+              <a:rPr lang="en-US" sz="2400" dirty="0" smtClean="0"/>
+              <a:t>teams working in a same codebase.</a:t>
             </a:r>
           </a:p>
           <a:p>
@@ -3715,7 +3849,23 @@
           <a:p>
             <a:r>
               <a:rPr lang="en-US" sz="2400" dirty="0" smtClean="0"/>
-              <a:t>A big codebase is difficult for a new team member.</a:t>
+              <a:t>A big codebase is difficult </a:t>
+            </a:r>
+            <a:r>
+              <a:rPr lang="en-US" sz="2400" dirty="0" smtClean="0"/>
+              <a:t>understand and </a:t>
+            </a:r>
+            <a:r>
+              <a:rPr lang="en-US" sz="2400" dirty="0" smtClean="0"/>
+              <a:t>debug </a:t>
+            </a:r>
+            <a:r>
+              <a:rPr lang="en-US" sz="2400" dirty="0" smtClean="0"/>
+              <a:t>for </a:t>
+            </a:r>
+            <a:r>
+              <a:rPr lang="en-US" sz="2400" dirty="0" smtClean="0"/>
+              <a:t>a new team member.</a:t>
             </a:r>
           </a:p>
           <a:p>
@@ -3799,12 +3949,12 @@
         <p:spPr>
           <a:xfrm>
             <a:off x="457200" y="1371600"/>
-            <a:ext cx="8229600" cy="4754563"/>
+            <a:ext cx="8229600" cy="5029200"/>
           </a:xfrm>
         </p:spPr>
         <p:txBody>
           <a:bodyPr>
-            <a:normAutofit fontScale="55000" lnSpcReduction="20000"/>
+            <a:normAutofit fontScale="62500" lnSpcReduction="20000"/>
           </a:bodyPr>
           <a:lstStyle/>
           <a:p>
@@ -3816,7 +3966,23 @@
             </a:pPr>
             <a:r>
               <a:rPr lang="en-US" dirty="0" smtClean="0"/>
-              <a:t>	The solution for this problem would be solved if we can somehow split the codebase and make them independent. So that each codebase/project will be managed, developed and build by separate team. Each project developed and run in there complete isolation.  Expose the module/component for others to use. So that the main project can use this project but cannot modify. </a:t>
+              <a:t>	</a:t>
+            </a:r>
+            <a:r>
+              <a:rPr lang="en-US" dirty="0" smtClean="0"/>
+              <a:t>This </a:t>
+            </a:r>
+            <a:r>
+              <a:rPr lang="en-US" dirty="0" smtClean="0"/>
+              <a:t>problem would be solved if we can somehow split the codebase and make them independent. So that each codebase/project will be managed, developed and build by separate team. Each project developed and run in </a:t>
+            </a:r>
+            <a:r>
+              <a:rPr lang="en-US" dirty="0" smtClean="0"/>
+              <a:t>their complete </a:t>
+            </a:r>
+            <a:r>
+              <a:rPr lang="en-US" dirty="0" smtClean="0"/>
+              <a:t>isolation.  Expose the module/component for others to use. So that the main project can use this project but cannot modify. </a:t>
             </a:r>
           </a:p>
           <a:p>
@@ -3847,7 +4013,18 @@
               </a:lnSpc>
               <a:buNone/>
             </a:pPr>
-            <a:endParaRPr lang="en-US" dirty="0" smtClean="0"/>
+            <a:r>
+              <a:rPr lang="en-US" dirty="0" smtClean="0"/>
+              <a:t>	We should also eliminate the need of downloading the child package/ project on every update from child project. Unlike </a:t>
+            </a:r>
+            <a:r>
+              <a:rPr lang="en-US" dirty="0" err="1" smtClean="0"/>
+              <a:t>npm</a:t>
+            </a:r>
+            <a:r>
+              <a:rPr lang="en-US" dirty="0" smtClean="0"/>
+              <a:t> packages.</a:t>
+            </a:r>
           </a:p>
           <a:p>
             <a:pPr>
@@ -3856,10 +4033,7 @@
               </a:lnSpc>
               <a:buNone/>
             </a:pPr>
-            <a:r>
-              <a:rPr lang="en-US" dirty="0" smtClean="0"/>
-              <a:t>	In other scenario is when we have one page with lots of dependencies and for this page only our build time has increased. Here we can split out that particular page as a separate module for independent build.</a:t>
-            </a:r>
+            <a:endParaRPr lang="en-US" dirty="0" smtClean="0"/>
           </a:p>
           <a:p>
             <a:pPr>
@@ -3870,7 +4044,15 @@
             </a:pPr>
             <a:r>
               <a:rPr lang="en-US" dirty="0" smtClean="0"/>
-              <a:t>	But… the problem is how to achieve this kind of flexible implementation and how can we avoid lots of configuration changes in both the projects to make shareable?</a:t>
+              <a:t>	But… the problem is how to achieve this kind of flexible implementation and how can we avoid lots of configuration changes in both the projects to make </a:t>
+            </a:r>
+            <a:r>
+              <a:rPr lang="en-US" dirty="0" smtClean="0"/>
+              <a:t>modules shareable</a:t>
+            </a:r>
+            <a:r>
+              <a:rPr lang="en-US" dirty="0" smtClean="0"/>
+              <a:t>?</a:t>
             </a:r>
             <a:endParaRPr lang="en-US" dirty="0"/>
           </a:p>
@@ -3964,7 +4146,15 @@
           <a:p>
             <a:r>
               <a:rPr lang="en-US" dirty="0" smtClean="0"/>
-              <a:t>Surprisingly it requires very minimum changes in fact few lines of changes in one file.</a:t>
+              <a:t>Surprisingly it requires very minimum changes in fact few lines of changes </a:t>
+            </a:r>
+            <a:r>
+              <a:rPr lang="en-US" dirty="0" smtClean="0"/>
+              <a:t>and only in </a:t>
+            </a:r>
+            <a:r>
+              <a:rPr lang="en-US" dirty="0" smtClean="0"/>
+              <a:t>one file.</a:t>
             </a:r>
           </a:p>
           <a:p>
@@ -6239,77 +6429,6 @@
               <a:rPr lang="en-US" dirty="0" smtClean="0"/>
               <a:t>Architectural Diagram</a:t>
             </a:r>
-            <a:endParaRPr lang="en-US" dirty="0"/>
-          </a:p>
-        </p:txBody>
-      </p:sp>
-    </p:spTree>
-  </p:cSld>
-  <p:clrMapOvr>
-    <a:masterClrMapping/>
-  </p:clrMapOvr>
-</p:sld>
-</file>
-
-<file path=ppt/slides/slide7.xml><?xml version="1.0" encoding="utf-8"?>
-<p:sld xmlns:a="http://schemas.openxmlformats.org/drawingml/2006/main" xmlns:r="http://schemas.openxmlformats.org/officeDocument/2006/relationships" xmlns:p="http://schemas.openxmlformats.org/presentationml/2006/main">
-  <p:cSld>
-    <p:spTree>
-      <p:nvGrpSpPr>
-        <p:cNvPr id="1" name=""/>
-        <p:cNvGrpSpPr/>
-        <p:nvPr/>
-      </p:nvGrpSpPr>
-      <p:grpSpPr>
-        <a:xfrm>
-          <a:off x="0" y="0"/>
-          <a:ext cx="0" cy="0"/>
-          <a:chOff x="0" y="0"/>
-          <a:chExt cx="0" cy="0"/>
-        </a:xfrm>
-      </p:grpSpPr>
-      <p:sp>
-        <p:nvSpPr>
-          <p:cNvPr id="2" name="Title 1"/>
-          <p:cNvSpPr>
-            <a:spLocks noGrp="1"/>
-          </p:cNvSpPr>
-          <p:nvPr>
-            <p:ph type="title"/>
-          </p:nvPr>
-        </p:nvSpPr>
-        <p:spPr/>
-        <p:txBody>
-          <a:bodyPr/>
-          <a:lstStyle/>
-          <a:p>
-            <a:r>
-              <a:rPr lang="en-US" dirty="0" smtClean="0"/>
-              <a:t>W</a:t>
-            </a:r>
-            <a:r>
-              <a:rPr lang="en-US" dirty="0" smtClean="0"/>
-              <a:t>ith Web component</a:t>
-            </a:r>
-            <a:endParaRPr lang="en-US" dirty="0"/>
-          </a:p>
-        </p:txBody>
-      </p:sp>
-      <p:sp>
-        <p:nvSpPr>
-          <p:cNvPr id="3" name="Content Placeholder 2"/>
-          <p:cNvSpPr>
-            <a:spLocks noGrp="1"/>
-          </p:cNvSpPr>
-          <p:nvPr>
-            <p:ph idx="1"/>
-          </p:nvPr>
-        </p:nvSpPr>
-        <p:spPr/>
-        <p:txBody>
-          <a:bodyPr/>
-          <a:lstStyle/>
-          <a:p>
             <a:endParaRPr lang="en-US" dirty="0"/>
           </a:p>
         </p:txBody>

--- a/Module-federation.pptx
+++ b/Module-federation.pptx
@@ -2,7 +2,7 @@
 <file path=ppt/presentation.xml><?xml version="1.0" encoding="utf-8"?>
 <p:presentation xmlns:a="http://schemas.openxmlformats.org/drawingml/2006/main" xmlns:r="http://schemas.openxmlformats.org/officeDocument/2006/relationships" xmlns:p="http://schemas.openxmlformats.org/presentationml/2006/main" saveSubsetFonts="1">
   <p:sldMasterIdLst>
-    <p:sldMasterId id="2147483648" r:id="rId1"/>
+    <p:sldMasterId id="2147483744" r:id="rId1"/>
   </p:sldMasterIdLst>
   <p:sldIdLst>
     <p:sldId id="256" r:id="rId2"/>
@@ -131,7 +131,78 @@
       </p:grpSpPr>
       <p:sp>
         <p:nvSpPr>
-          <p:cNvPr id="2" name="Title 1"/>
+          <p:cNvPr id="7" name="Isosceles Triangle 6"/>
+          <p:cNvSpPr/>
+          <p:nvPr/>
+        </p:nvSpPr>
+        <p:spPr>
+          <a:xfrm rot="16200000">
+            <a:off x="7554353" y="5254283"/>
+            <a:ext cx="1892949" cy="1294228"/>
+          </a:xfrm>
+          <a:prstGeom prst="triangle">
+            <a:avLst>
+              <a:gd name="adj" fmla="val 51323"/>
+            </a:avLst>
+          </a:prstGeom>
+          <a:gradFill flip="none" rotWithShape="1">
+            <a:gsLst>
+              <a:gs pos="0">
+                <a:schemeClr val="accent1">
+                  <a:shade val="30000"/>
+                  <a:satMod val="155000"/>
+                  <a:alpha val="100000"/>
+                </a:schemeClr>
+              </a:gs>
+              <a:gs pos="60000">
+                <a:schemeClr val="accent1">
+                  <a:satMod val="160000"/>
+                  <a:alpha val="100000"/>
+                </a:schemeClr>
+              </a:gs>
+              <a:gs pos="100000">
+                <a:schemeClr val="accent1">
+                  <a:tint val="70000"/>
+                  <a:satMod val="200000"/>
+                  <a:alpha val="100000"/>
+                </a:schemeClr>
+              </a:gs>
+            </a:gsLst>
+            <a:lin ang="15500000" scaled="1"/>
+            <a:tileRect/>
+          </a:gradFill>
+          <a:ln w="38100" cap="rnd" cmpd="sng" algn="ctr">
+            <a:noFill/>
+            <a:prstDash val="solid"/>
+          </a:ln>
+          <a:effectLst/>
+        </p:spPr>
+        <p:style>
+          <a:lnRef idx="3">
+            <a:schemeClr val="lt1"/>
+          </a:lnRef>
+          <a:fillRef idx="1">
+            <a:schemeClr val="accent1"/>
+          </a:fillRef>
+          <a:effectRef idx="1">
+            <a:schemeClr val="accent1"/>
+          </a:effectRef>
+          <a:fontRef idx="minor">
+            <a:schemeClr val="lt1"/>
+          </a:fontRef>
+        </p:style>
+        <p:txBody>
+          <a:bodyPr anchor="ctr"/>
+          <a:lstStyle/>
+          <a:p>
+            <a:pPr algn="ctr" eaLnBrk="1" latinLnBrk="0" hangingPunct="1"/>
+            <a:endParaRPr kumimoji="0" lang="en-US"/>
+          </a:p>
+        </p:txBody>
+      </p:sp>
+      <p:sp>
+        <p:nvSpPr>
+          <p:cNvPr id="8" name="Title 7"/>
           <p:cNvSpPr>
             <a:spLocks noGrp="1"/>
           </p:cNvSpPr>
@@ -141,25 +212,31 @@
         </p:nvSpPr>
         <p:spPr>
           <a:xfrm>
-            <a:off x="685800" y="2130425"/>
-            <a:ext cx="7772400" cy="1470025"/>
-          </a:xfrm>
-        </p:spPr>
-        <p:txBody>
-          <a:bodyPr/>
-          <a:lstStyle/>
-          <a:p>
-            <a:r>
-              <a:rPr lang="en-US" smtClean="0"/>
+            <a:off x="540544" y="776288"/>
+            <a:ext cx="8062912" cy="1470025"/>
+          </a:xfrm>
+        </p:spPr>
+        <p:txBody>
+          <a:bodyPr anchor="b">
+            <a:normAutofit/>
+          </a:bodyPr>
+          <a:lstStyle>
+            <a:lvl1pPr algn="r">
+              <a:defRPr sz="4400"/>
+            </a:lvl1pPr>
+          </a:lstStyle>
+          <a:p>
+            <a:r>
+              <a:rPr kumimoji="0" lang="en-US" smtClean="0"/>
               <a:t>Click to edit Master title style</a:t>
             </a:r>
-            <a:endParaRPr lang="en-US"/>
-          </a:p>
-        </p:txBody>
-      </p:sp>
-      <p:sp>
-        <p:nvSpPr>
-          <p:cNvPr id="3" name="Subtitle 2"/>
+            <a:endParaRPr kumimoji="0" lang="en-US"/>
+          </a:p>
+        </p:txBody>
+      </p:sp>
+      <p:sp>
+        <p:nvSpPr>
+          <p:cNvPr id="9" name="Subtitle 8"/>
           <p:cNvSpPr>
             <a:spLocks noGrp="1"/>
           </p:cNvSpPr>
@@ -169,16 +246,24 @@
         </p:nvSpPr>
         <p:spPr>
           <a:xfrm>
-            <a:off x="1371600" y="3886200"/>
-            <a:ext cx="6400800" cy="1752600"/>
+            <a:off x="540544" y="2250280"/>
+            <a:ext cx="8062912" cy="1752600"/>
           </a:xfrm>
         </p:spPr>
         <p:txBody>
           <a:bodyPr/>
           <a:lstStyle>
-            <a:lvl1pPr marL="0" indent="0" algn="ctr">
+            <a:lvl1pPr marL="0" marR="36576" indent="0" algn="r">
+              <a:spcBef>
+                <a:spcPts val="0"/>
+              </a:spcBef>
               <a:buNone/>
               <a:defRPr>
+                <a:ln>
+                  <a:solidFill>
+                    <a:schemeClr val="bg2"/>
+                  </a:solidFill>
+                </a:ln>
                 <a:solidFill>
                   <a:schemeClr val="tx1">
                     <a:tint val="75000"/>
@@ -188,97 +273,41 @@
             </a:lvl1pPr>
             <a:lvl2pPr marL="457200" indent="0" algn="ctr">
               <a:buNone/>
-              <a:defRPr>
-                <a:solidFill>
-                  <a:schemeClr val="tx1">
-                    <a:tint val="75000"/>
-                  </a:schemeClr>
-                </a:solidFill>
-              </a:defRPr>
             </a:lvl2pPr>
             <a:lvl3pPr marL="914400" indent="0" algn="ctr">
               <a:buNone/>
-              <a:defRPr>
-                <a:solidFill>
-                  <a:schemeClr val="tx1">
-                    <a:tint val="75000"/>
-                  </a:schemeClr>
-                </a:solidFill>
-              </a:defRPr>
             </a:lvl3pPr>
             <a:lvl4pPr marL="1371600" indent="0" algn="ctr">
               <a:buNone/>
-              <a:defRPr>
-                <a:solidFill>
-                  <a:schemeClr val="tx1">
-                    <a:tint val="75000"/>
-                  </a:schemeClr>
-                </a:solidFill>
-              </a:defRPr>
             </a:lvl4pPr>
             <a:lvl5pPr marL="1828800" indent="0" algn="ctr">
               <a:buNone/>
-              <a:defRPr>
-                <a:solidFill>
-                  <a:schemeClr val="tx1">
-                    <a:tint val="75000"/>
-                  </a:schemeClr>
-                </a:solidFill>
-              </a:defRPr>
             </a:lvl5pPr>
             <a:lvl6pPr marL="2286000" indent="0" algn="ctr">
               <a:buNone/>
-              <a:defRPr>
-                <a:solidFill>
-                  <a:schemeClr val="tx1">
-                    <a:tint val="75000"/>
-                  </a:schemeClr>
-                </a:solidFill>
-              </a:defRPr>
             </a:lvl6pPr>
             <a:lvl7pPr marL="2743200" indent="0" algn="ctr">
               <a:buNone/>
-              <a:defRPr>
-                <a:solidFill>
-                  <a:schemeClr val="tx1">
-                    <a:tint val="75000"/>
-                  </a:schemeClr>
-                </a:solidFill>
-              </a:defRPr>
             </a:lvl7pPr>
             <a:lvl8pPr marL="3200400" indent="0" algn="ctr">
               <a:buNone/>
-              <a:defRPr>
-                <a:solidFill>
-                  <a:schemeClr val="tx1">
-                    <a:tint val="75000"/>
-                  </a:schemeClr>
-                </a:solidFill>
-              </a:defRPr>
             </a:lvl8pPr>
             <a:lvl9pPr marL="3657600" indent="0" algn="ctr">
               <a:buNone/>
-              <a:defRPr>
-                <a:solidFill>
-                  <a:schemeClr val="tx1">
-                    <a:tint val="75000"/>
-                  </a:schemeClr>
-                </a:solidFill>
-              </a:defRPr>
             </a:lvl9pPr>
           </a:lstStyle>
           <a:p>
             <a:r>
-              <a:rPr lang="en-US" smtClean="0"/>
+              <a:rPr kumimoji="0" lang="en-US" smtClean="0"/>
               <a:t>Click to edit Master subtitle style</a:t>
             </a:r>
-            <a:endParaRPr lang="en-US"/>
-          </a:p>
-        </p:txBody>
-      </p:sp>
-      <p:sp>
-        <p:nvSpPr>
-          <p:cNvPr id="4" name="Date Placeholder 3"/>
+            <a:endParaRPr kumimoji="0" lang="en-US"/>
+          </a:p>
+        </p:txBody>
+      </p:sp>
+      <p:sp>
+        <p:nvSpPr>
+          <p:cNvPr id="28" name="Date Placeholder 27"/>
           <p:cNvSpPr>
             <a:spLocks noGrp="1"/>
           </p:cNvSpPr>
@@ -286,10 +315,19 @@
             <p:ph type="dt" sz="half" idx="10"/>
           </p:nvPr>
         </p:nvSpPr>
-        <p:spPr/>
-        <p:txBody>
-          <a:bodyPr/>
-          <a:lstStyle/>
+        <p:spPr>
+          <a:xfrm>
+            <a:off x="1371600" y="6012656"/>
+            <a:ext cx="5791200" cy="365125"/>
+          </a:xfrm>
+        </p:spPr>
+        <p:txBody>
+          <a:bodyPr tIns="0" bIns="0" anchor="t"/>
+          <a:lstStyle>
+            <a:lvl1pPr algn="r">
+              <a:defRPr sz="1000"/>
+            </a:lvl1pPr>
+          </a:lstStyle>
           <a:p>
             <a:fld id="{1D8BD707-D9CF-40AE-B4C6-C98DA3205C09}" type="datetimeFigureOut">
               <a:rPr lang="en-US" smtClean="0"/>
@@ -302,7 +340,7 @@
       </p:sp>
       <p:sp>
         <p:nvSpPr>
-          <p:cNvPr id="5" name="Footer Placeholder 4"/>
+          <p:cNvPr id="17" name="Footer Placeholder 16"/>
           <p:cNvSpPr>
             <a:spLocks noGrp="1"/>
           </p:cNvSpPr>
@@ -310,10 +348,19 @@
             <p:ph type="ftr" sz="quarter" idx="11"/>
           </p:nvPr>
         </p:nvSpPr>
-        <p:spPr/>
-        <p:txBody>
-          <a:bodyPr/>
-          <a:lstStyle/>
+        <p:spPr>
+          <a:xfrm>
+            <a:off x="1371600" y="5650704"/>
+            <a:ext cx="5791200" cy="365125"/>
+          </a:xfrm>
+        </p:spPr>
+        <p:txBody>
+          <a:bodyPr tIns="0" bIns="0" anchor="b"/>
+          <a:lstStyle>
+            <a:lvl1pPr algn="r">
+              <a:defRPr sz="1100"/>
+            </a:lvl1pPr>
+          </a:lstStyle>
           <a:p>
             <a:endParaRPr lang="en-US"/>
           </a:p>
@@ -321,7 +368,7 @@
       </p:sp>
       <p:sp>
         <p:nvSpPr>
-          <p:cNvPr id="6" name="Slide Number Placeholder 5"/>
+          <p:cNvPr id="29" name="Slide Number Placeholder 28"/>
           <p:cNvSpPr>
             <a:spLocks noGrp="1"/>
           </p:cNvSpPr>
@@ -329,10 +376,23 @@
             <p:ph type="sldNum" sz="quarter" idx="12"/>
           </p:nvPr>
         </p:nvSpPr>
-        <p:spPr/>
-        <p:txBody>
-          <a:bodyPr/>
-          <a:lstStyle/>
+        <p:spPr>
+          <a:xfrm>
+            <a:off x="8392247" y="5752307"/>
+            <a:ext cx="502920" cy="365125"/>
+          </a:xfrm>
+        </p:spPr>
+        <p:txBody>
+          <a:bodyPr anchor="ctr"/>
+          <a:lstStyle>
+            <a:lvl1pPr algn="ctr">
+              <a:defRPr sz="1300">
+                <a:solidFill>
+                  <a:srgbClr val="FFFFFF"/>
+                </a:solidFill>
+              </a:defRPr>
+            </a:lvl1pPr>
+          </a:lstStyle>
           <a:p>
             <a:fld id="{B6F15528-21DE-4FAA-801E-634DDDAF4B2B}" type="slidenum">
               <a:rPr lang="en-US" smtClean="0"/>
@@ -384,10 +444,10 @@
           <a:lstStyle/>
           <a:p>
             <a:r>
-              <a:rPr lang="en-US" smtClean="0"/>
+              <a:rPr kumimoji="0" lang="en-US" smtClean="0"/>
               <a:t>Click to edit Master title style</a:t>
             </a:r>
-            <a:endParaRPr lang="en-US"/>
+            <a:endParaRPr kumimoji="0" lang="en-US"/>
           </a:p>
         </p:txBody>
       </p:sp>
@@ -406,40 +466,40 @@
           <a:bodyPr vert="eaVert"/>
           <a:lstStyle/>
           <a:p>
-            <a:pPr lvl="0"/>
+            <a:pPr lvl="0" eaLnBrk="1" latinLnBrk="0" hangingPunct="1"/>
             <a:r>
               <a:rPr lang="en-US" smtClean="0"/>
               <a:t>Click to edit Master text styles</a:t>
             </a:r>
           </a:p>
           <a:p>
-            <a:pPr lvl="1"/>
+            <a:pPr lvl="1" eaLnBrk="1" latinLnBrk="0" hangingPunct="1"/>
             <a:r>
               <a:rPr lang="en-US" smtClean="0"/>
               <a:t>Second level</a:t>
             </a:r>
           </a:p>
           <a:p>
-            <a:pPr lvl="2"/>
+            <a:pPr lvl="2" eaLnBrk="1" latinLnBrk="0" hangingPunct="1"/>
             <a:r>
               <a:rPr lang="en-US" smtClean="0"/>
               <a:t>Third level</a:t>
             </a:r>
           </a:p>
           <a:p>
-            <a:pPr lvl="3"/>
+            <a:pPr lvl="3" eaLnBrk="1" latinLnBrk="0" hangingPunct="1"/>
             <a:r>
               <a:rPr lang="en-US" smtClean="0"/>
               <a:t>Fourth level</a:t>
             </a:r>
           </a:p>
           <a:p>
-            <a:pPr lvl="4"/>
+            <a:pPr lvl="4" eaLnBrk="1" latinLnBrk="0" hangingPunct="1"/>
             <a:r>
               <a:rPr lang="en-US" smtClean="0"/>
               <a:t>Fifth level</a:t>
             </a:r>
-            <a:endParaRPr lang="en-US"/>
+            <a:endParaRPr kumimoji="0" lang="en-US"/>
           </a:p>
         </p:txBody>
       </p:sp>
@@ -547,8 +607,8 @@
         </p:nvSpPr>
         <p:spPr>
           <a:xfrm>
-            <a:off x="6629400" y="274638"/>
-            <a:ext cx="2057400" cy="5851525"/>
+            <a:off x="6781800" y="381000"/>
+            <a:ext cx="1905000" cy="5486400"/>
           </a:xfrm>
         </p:spPr>
         <p:txBody>
@@ -556,10 +616,10 @@
           <a:lstStyle/>
           <a:p>
             <a:r>
-              <a:rPr lang="en-US" smtClean="0"/>
+              <a:rPr kumimoji="0" lang="en-US" smtClean="0"/>
               <a:t>Click to edit Master title style</a:t>
             </a:r>
-            <a:endParaRPr lang="en-US"/>
+            <a:endParaRPr kumimoji="0" lang="en-US"/>
           </a:p>
         </p:txBody>
       </p:sp>
@@ -575,48 +635,48 @@
         </p:nvSpPr>
         <p:spPr>
           <a:xfrm>
-            <a:off x="457200" y="274638"/>
-            <a:ext cx="6019800" cy="5851525"/>
+            <a:off x="457200" y="381000"/>
+            <a:ext cx="6248400" cy="5486400"/>
           </a:xfrm>
         </p:spPr>
         <p:txBody>
           <a:bodyPr vert="eaVert"/>
           <a:lstStyle/>
           <a:p>
-            <a:pPr lvl="0"/>
+            <a:pPr lvl="0" eaLnBrk="1" latinLnBrk="0" hangingPunct="1"/>
             <a:r>
               <a:rPr lang="en-US" smtClean="0"/>
               <a:t>Click to edit Master text styles</a:t>
             </a:r>
           </a:p>
           <a:p>
-            <a:pPr lvl="1"/>
+            <a:pPr lvl="1" eaLnBrk="1" latinLnBrk="0" hangingPunct="1"/>
             <a:r>
               <a:rPr lang="en-US" smtClean="0"/>
               <a:t>Second level</a:t>
             </a:r>
           </a:p>
           <a:p>
-            <a:pPr lvl="2"/>
+            <a:pPr lvl="2" eaLnBrk="1" latinLnBrk="0" hangingPunct="1"/>
             <a:r>
               <a:rPr lang="en-US" smtClean="0"/>
               <a:t>Third level</a:t>
             </a:r>
           </a:p>
           <a:p>
-            <a:pPr lvl="3"/>
+            <a:pPr lvl="3" eaLnBrk="1" latinLnBrk="0" hangingPunct="1"/>
             <a:r>
               <a:rPr lang="en-US" smtClean="0"/>
               <a:t>Fourth level</a:t>
             </a:r>
           </a:p>
           <a:p>
-            <a:pPr lvl="4"/>
+            <a:pPr lvl="4" eaLnBrk="1" latinLnBrk="0" hangingPunct="1"/>
             <a:r>
               <a:rPr lang="en-US" smtClean="0"/>
               <a:t>Fifth level</a:t>
             </a:r>
-            <a:endParaRPr lang="en-US"/>
+            <a:endParaRPr kumimoji="0" lang="en-US"/>
           </a:p>
         </p:txBody>
       </p:sp>
@@ -722,16 +782,21 @@
             <p:ph type="title"/>
           </p:nvPr>
         </p:nvSpPr>
-        <p:spPr/>
+        <p:spPr>
+          <a:xfrm>
+            <a:off x="457200" y="267494"/>
+            <a:ext cx="8229600" cy="1399032"/>
+          </a:xfrm>
+        </p:spPr>
         <p:txBody>
           <a:bodyPr/>
           <a:lstStyle/>
           <a:p>
             <a:r>
-              <a:rPr lang="en-US" smtClean="0"/>
+              <a:rPr kumimoji="0" lang="en-US" smtClean="0"/>
               <a:t>Click to edit Master title style</a:t>
             </a:r>
-            <a:endParaRPr lang="en-US"/>
+            <a:endParaRPr kumimoji="0" lang="en-US"/>
           </a:p>
         </p:txBody>
       </p:sp>
@@ -745,45 +810,50 @@
             <p:ph idx="1"/>
           </p:nvPr>
         </p:nvSpPr>
-        <p:spPr/>
+        <p:spPr>
+          <a:xfrm>
+            <a:off x="457200" y="1882808"/>
+            <a:ext cx="8229600" cy="4572000"/>
+          </a:xfrm>
+        </p:spPr>
         <p:txBody>
           <a:bodyPr/>
           <a:lstStyle/>
           <a:p>
-            <a:pPr lvl="0"/>
+            <a:pPr lvl="0" eaLnBrk="1" latinLnBrk="0" hangingPunct="1"/>
             <a:r>
               <a:rPr lang="en-US" smtClean="0"/>
               <a:t>Click to edit Master text styles</a:t>
             </a:r>
           </a:p>
           <a:p>
-            <a:pPr lvl="1"/>
+            <a:pPr lvl="1" eaLnBrk="1" latinLnBrk="0" hangingPunct="1"/>
             <a:r>
               <a:rPr lang="en-US" smtClean="0"/>
               <a:t>Second level</a:t>
             </a:r>
           </a:p>
           <a:p>
-            <a:pPr lvl="2"/>
+            <a:pPr lvl="2" eaLnBrk="1" latinLnBrk="0" hangingPunct="1"/>
             <a:r>
               <a:rPr lang="en-US" smtClean="0"/>
               <a:t>Third level</a:t>
             </a:r>
           </a:p>
           <a:p>
-            <a:pPr lvl="3"/>
+            <a:pPr lvl="3" eaLnBrk="1" latinLnBrk="0" hangingPunct="1"/>
             <a:r>
               <a:rPr lang="en-US" smtClean="0"/>
               <a:t>Fourth level</a:t>
             </a:r>
           </a:p>
           <a:p>
-            <a:pPr lvl="4"/>
+            <a:pPr lvl="4" eaLnBrk="1" latinLnBrk="0" hangingPunct="1"/>
             <a:r>
               <a:rPr lang="en-US" smtClean="0"/>
               <a:t>Fifth level</a:t>
             </a:r>
-            <a:endParaRPr lang="en-US"/>
+            <a:endParaRPr kumimoji="0" lang="en-US"/>
           </a:p>
         </p:txBody>
       </p:sp>
@@ -797,7 +867,12 @@
             <p:ph type="dt" sz="half" idx="10"/>
           </p:nvPr>
         </p:nvSpPr>
-        <p:spPr/>
+        <p:spPr>
+          <a:xfrm>
+            <a:off x="4791456" y="6480048"/>
+            <a:ext cx="2133600" cy="301752"/>
+          </a:xfrm>
+        </p:spPr>
         <p:txBody>
           <a:bodyPr/>
           <a:lstStyle/>
@@ -821,7 +896,12 @@
             <p:ph type="ftr" sz="quarter" idx="11"/>
           </p:nvPr>
         </p:nvSpPr>
-        <p:spPr/>
+        <p:spPr>
+          <a:xfrm>
+            <a:off x="457200" y="6480969"/>
+            <a:ext cx="4260056" cy="300831"/>
+          </a:xfrm>
+        </p:spPr>
         <p:txBody>
           <a:bodyPr/>
           <a:lstStyle/>
@@ -863,8 +943,13 @@
 </file>
 
 <file path=ppt/slideLayouts/slideLayout3.xml><?xml version="1.0" encoding="utf-8"?>
-<p:sldLayout xmlns:a="http://schemas.openxmlformats.org/drawingml/2006/main" xmlns:r="http://schemas.openxmlformats.org/officeDocument/2006/relationships" xmlns:p="http://schemas.openxmlformats.org/presentationml/2006/main" type="secHead" preserve="1">
+<p:sldLayout xmlns:a="http://schemas.openxmlformats.org/drawingml/2006/main" xmlns:r="http://schemas.openxmlformats.org/officeDocument/2006/relationships" xmlns:p="http://schemas.openxmlformats.org/presentationml/2006/main" showMasterSp="0" type="secHead" preserve="1">
   <p:cSld name="Section Header">
+    <p:bg>
+      <p:bgRef idx="1002">
+        <a:schemeClr val="bg1"/>
+      </p:bgRef>
+    </p:bg>
     <p:spTree>
       <p:nvGrpSpPr>
         <p:cNvPr id="1" name=""/>
@@ -881,6 +966,314 @@
       </p:grpSpPr>
       <p:sp>
         <p:nvSpPr>
+          <p:cNvPr id="9" name="Right Triangle 8"/>
+          <p:cNvSpPr/>
+          <p:nvPr/>
+        </p:nvSpPr>
+        <p:spPr>
+          <a:xfrm flipV="1">
+            <a:off x="7034" y="7034"/>
+            <a:ext cx="9129932" cy="6836899"/>
+          </a:xfrm>
+          <a:prstGeom prst="rtTriangle">
+            <a:avLst/>
+          </a:prstGeom>
+          <a:gradFill flip="none" rotWithShape="1">
+            <a:gsLst>
+              <a:gs pos="0">
+                <a:schemeClr val="tx2">
+                  <a:alpha val="10000"/>
+                </a:schemeClr>
+              </a:gs>
+              <a:gs pos="70000">
+                <a:schemeClr val="tx2">
+                  <a:alpha val="8000"/>
+                </a:schemeClr>
+              </a:gs>
+              <a:gs pos="100000">
+                <a:schemeClr val="tx2">
+                  <a:alpha val="1000"/>
+                </a:schemeClr>
+              </a:gs>
+            </a:gsLst>
+            <a:lin ang="8000000" scaled="1"/>
+            <a:tileRect/>
+          </a:gradFill>
+          <a:ln w="38100" cap="rnd" cmpd="sng" algn="ctr">
+            <a:noFill/>
+            <a:prstDash val="solid"/>
+          </a:ln>
+          <a:effectLst/>
+        </p:spPr>
+        <p:style>
+          <a:lnRef idx="3">
+            <a:schemeClr val="lt1"/>
+          </a:lnRef>
+          <a:fillRef idx="1">
+            <a:schemeClr val="accent1"/>
+          </a:fillRef>
+          <a:effectRef idx="1">
+            <a:schemeClr val="accent1"/>
+          </a:effectRef>
+          <a:fontRef idx="minor">
+            <a:schemeClr val="lt1"/>
+          </a:fontRef>
+        </p:style>
+        <p:txBody>
+          <a:bodyPr anchor="ctr"/>
+          <a:lstStyle/>
+          <a:p>
+            <a:pPr marL="0" algn="ctr" defTabSz="914400" rtl="0" eaLnBrk="1" latinLnBrk="0" hangingPunct="1"/>
+            <a:endParaRPr kumimoji="0" lang="en-US" sz="1800" kern="1200">
+              <a:solidFill>
+                <a:schemeClr val="lt1"/>
+              </a:solidFill>
+              <a:latin typeface="+mn-lt"/>
+              <a:ea typeface="+mn-ea"/>
+              <a:cs typeface="+mn-cs"/>
+            </a:endParaRPr>
+          </a:p>
+        </p:txBody>
+      </p:sp>
+      <p:sp>
+        <p:nvSpPr>
+          <p:cNvPr id="8" name="Isosceles Triangle 7"/>
+          <p:cNvSpPr/>
+          <p:nvPr/>
+        </p:nvSpPr>
+        <p:spPr>
+          <a:xfrm rot="5400000" flipV="1">
+            <a:off x="7554353" y="309490"/>
+            <a:ext cx="1892949" cy="1294228"/>
+          </a:xfrm>
+          <a:prstGeom prst="triangle">
+            <a:avLst>
+              <a:gd name="adj" fmla="val 51323"/>
+            </a:avLst>
+          </a:prstGeom>
+          <a:gradFill flip="none" rotWithShape="1">
+            <a:gsLst>
+              <a:gs pos="0">
+                <a:schemeClr val="accent1">
+                  <a:shade val="30000"/>
+                  <a:satMod val="155000"/>
+                  <a:alpha val="100000"/>
+                </a:schemeClr>
+              </a:gs>
+              <a:gs pos="60000">
+                <a:schemeClr val="accent1">
+                  <a:satMod val="160000"/>
+                  <a:alpha val="100000"/>
+                </a:schemeClr>
+              </a:gs>
+              <a:gs pos="100000">
+                <a:schemeClr val="accent1">
+                  <a:tint val="70000"/>
+                  <a:satMod val="200000"/>
+                  <a:alpha val="100000"/>
+                </a:schemeClr>
+              </a:gs>
+            </a:gsLst>
+            <a:lin ang="15500000" scaled="1"/>
+            <a:tileRect/>
+          </a:gradFill>
+          <a:ln w="38100" cap="rnd" cmpd="sng" algn="ctr">
+            <a:noFill/>
+            <a:prstDash val="solid"/>
+          </a:ln>
+          <a:effectLst/>
+        </p:spPr>
+        <p:style>
+          <a:lnRef idx="3">
+            <a:schemeClr val="lt1"/>
+          </a:lnRef>
+          <a:fillRef idx="1">
+            <a:schemeClr val="accent1"/>
+          </a:fillRef>
+          <a:effectRef idx="1">
+            <a:schemeClr val="accent1"/>
+          </a:effectRef>
+          <a:fontRef idx="minor">
+            <a:schemeClr val="lt1"/>
+          </a:fontRef>
+        </p:style>
+        <p:txBody>
+          <a:bodyPr anchor="ctr"/>
+          <a:lstStyle/>
+          <a:p>
+            <a:pPr algn="ctr" eaLnBrk="1" latinLnBrk="0" hangingPunct="1"/>
+            <a:endParaRPr kumimoji="0" lang="en-US"/>
+          </a:p>
+        </p:txBody>
+      </p:sp>
+      <p:sp>
+        <p:nvSpPr>
+          <p:cNvPr id="4" name="Date Placeholder 3"/>
+          <p:cNvSpPr>
+            <a:spLocks noGrp="1"/>
+          </p:cNvSpPr>
+          <p:nvPr>
+            <p:ph type="dt" sz="half" idx="10"/>
+          </p:nvPr>
+        </p:nvSpPr>
+        <p:spPr>
+          <a:xfrm>
+            <a:off x="6955632" y="6477000"/>
+            <a:ext cx="2133600" cy="304800"/>
+          </a:xfrm>
+        </p:spPr>
+        <p:txBody>
+          <a:bodyPr/>
+          <a:lstStyle/>
+          <a:p>
+            <a:fld id="{1D8BD707-D9CF-40AE-B4C6-C98DA3205C09}" type="datetimeFigureOut">
+              <a:rPr lang="en-US" smtClean="0"/>
+              <a:pPr/>
+              <a:t>2/28/2022</a:t>
+            </a:fld>
+            <a:endParaRPr lang="en-US"/>
+          </a:p>
+        </p:txBody>
+      </p:sp>
+      <p:sp>
+        <p:nvSpPr>
+          <p:cNvPr id="5" name="Footer Placeholder 4"/>
+          <p:cNvSpPr>
+            <a:spLocks noGrp="1"/>
+          </p:cNvSpPr>
+          <p:nvPr>
+            <p:ph type="ftr" sz="quarter" idx="11"/>
+          </p:nvPr>
+        </p:nvSpPr>
+        <p:spPr>
+          <a:xfrm>
+            <a:off x="2619376" y="6480969"/>
+            <a:ext cx="4260056" cy="300831"/>
+          </a:xfrm>
+        </p:spPr>
+        <p:txBody>
+          <a:bodyPr/>
+          <a:lstStyle/>
+          <a:p>
+            <a:endParaRPr lang="en-US"/>
+          </a:p>
+        </p:txBody>
+      </p:sp>
+      <p:sp>
+        <p:nvSpPr>
+          <p:cNvPr id="6" name="Slide Number Placeholder 5"/>
+          <p:cNvSpPr>
+            <a:spLocks noGrp="1"/>
+          </p:cNvSpPr>
+          <p:nvPr>
+            <p:ph type="sldNum" sz="quarter" idx="12"/>
+          </p:nvPr>
+        </p:nvSpPr>
+        <p:spPr>
+          <a:xfrm>
+            <a:off x="8451056" y="809624"/>
+            <a:ext cx="502920" cy="300831"/>
+          </a:xfrm>
+        </p:spPr>
+        <p:txBody>
+          <a:bodyPr/>
+          <a:lstStyle/>
+          <a:p>
+            <a:fld id="{B6F15528-21DE-4FAA-801E-634DDDAF4B2B}" type="slidenum">
+              <a:rPr lang="en-US" smtClean="0"/>
+              <a:pPr/>
+              <a:t>‹#›</a:t>
+            </a:fld>
+            <a:endParaRPr lang="en-US"/>
+          </a:p>
+        </p:txBody>
+      </p:sp>
+      <p:cxnSp>
+        <p:nvCxnSpPr>
+          <p:cNvPr id="11" name="Straight Connector 10"/>
+          <p:cNvCxnSpPr/>
+          <p:nvPr/>
+        </p:nvCxnSpPr>
+        <p:spPr>
+          <a:xfrm rot="10800000">
+            <a:off x="6468794" y="9381"/>
+            <a:ext cx="2672861" cy="1900210"/>
+          </a:xfrm>
+          <a:prstGeom prst="line">
+            <a:avLst/>
+          </a:prstGeom>
+          <a:noFill/>
+          <a:ln w="6000" cap="rnd" cmpd="sng" algn="ctr">
+            <a:solidFill>
+              <a:schemeClr val="bg2">
+                <a:tint val="50000"/>
+                <a:satMod val="200000"/>
+                <a:alpha val="45000"/>
+              </a:schemeClr>
+            </a:solidFill>
+            <a:prstDash val="solid"/>
+          </a:ln>
+          <a:effectLst/>
+        </p:spPr>
+        <p:style>
+          <a:lnRef idx="2">
+            <a:schemeClr val="accent1"/>
+          </a:lnRef>
+          <a:fillRef idx="0">
+            <a:schemeClr val="accent1"/>
+          </a:fillRef>
+          <a:effectRef idx="1">
+            <a:schemeClr val="accent1"/>
+          </a:effectRef>
+          <a:fontRef idx="minor">
+            <a:schemeClr val="tx1"/>
+          </a:fontRef>
+        </p:style>
+      </p:cxnSp>
+      <p:cxnSp>
+        <p:nvCxnSpPr>
+          <p:cNvPr id="10" name="Straight Connector 9"/>
+          <p:cNvCxnSpPr/>
+          <p:nvPr/>
+        </p:nvCxnSpPr>
+        <p:spPr>
+          <a:xfrm flipV="1">
+            <a:off x="0" y="7034"/>
+            <a:ext cx="9136966" cy="6843933"/>
+          </a:xfrm>
+          <a:prstGeom prst="line">
+            <a:avLst/>
+          </a:prstGeom>
+          <a:noFill/>
+          <a:ln w="5000" cap="rnd" cmpd="sng" algn="ctr">
+            <a:solidFill>
+              <a:schemeClr val="bg2">
+                <a:tint val="55000"/>
+                <a:satMod val="200000"/>
+                <a:alpha val="35000"/>
+              </a:schemeClr>
+            </a:solidFill>
+            <a:prstDash val="solid"/>
+          </a:ln>
+          <a:effectLst/>
+        </p:spPr>
+        <p:style>
+          <a:lnRef idx="2">
+            <a:schemeClr val="accent1"/>
+          </a:lnRef>
+          <a:fillRef idx="0">
+            <a:schemeClr val="accent1"/>
+          </a:fillRef>
+          <a:effectRef idx="1">
+            <a:schemeClr val="accent1"/>
+          </a:effectRef>
+          <a:fontRef idx="minor">
+            <a:schemeClr val="tx1"/>
+          </a:fontRef>
+        </p:style>
+      </p:cxnSp>
+      <p:sp>
+        <p:nvSpPr>
           <p:cNvPr id="2" name="Title 1"/>
           <p:cNvSpPr>
             <a:spLocks noGrp="1"/>
@@ -891,46 +1284,47 @@
         </p:nvSpPr>
         <p:spPr>
           <a:xfrm>
-            <a:off x="722313" y="4406900"/>
-            <a:ext cx="7772400" cy="1362075"/>
+            <a:off x="381000" y="271464"/>
+            <a:ext cx="7239000" cy="1362075"/>
+          </a:xfrm>
+        </p:spPr>
+        <p:txBody>
+          <a:bodyPr anchor="ctr"/>
+          <a:lstStyle>
+            <a:lvl1pPr marL="0" algn="l">
+              <a:buNone/>
+              <a:defRPr sz="3600" b="1" cap="none" baseline="0"/>
+            </a:lvl1pPr>
+          </a:lstStyle>
+          <a:p>
+            <a:r>
+              <a:rPr kumimoji="0" lang="en-US" smtClean="0"/>
+              <a:t>Click to edit Master title style</a:t>
+            </a:r>
+            <a:endParaRPr kumimoji="0" lang="en-US"/>
+          </a:p>
+        </p:txBody>
+      </p:sp>
+      <p:sp>
+        <p:nvSpPr>
+          <p:cNvPr id="3" name="Text Placeholder 2"/>
+          <p:cNvSpPr>
+            <a:spLocks noGrp="1"/>
+          </p:cNvSpPr>
+          <p:nvPr>
+            <p:ph type="body" idx="1"/>
+          </p:nvPr>
+        </p:nvSpPr>
+        <p:spPr>
+          <a:xfrm>
+            <a:off x="381000" y="1633536"/>
+            <a:ext cx="3886200" cy="2286000"/>
           </a:xfrm>
         </p:spPr>
         <p:txBody>
           <a:bodyPr anchor="t"/>
           <a:lstStyle>
-            <a:lvl1pPr algn="l">
-              <a:defRPr sz="4000" b="1" cap="all"/>
-            </a:lvl1pPr>
-          </a:lstStyle>
-          <a:p>
-            <a:r>
-              <a:rPr lang="en-US" smtClean="0"/>
-              <a:t>Click to edit Master title style</a:t>
-            </a:r>
-            <a:endParaRPr lang="en-US"/>
-          </a:p>
-        </p:txBody>
-      </p:sp>
-      <p:sp>
-        <p:nvSpPr>
-          <p:cNvPr id="3" name="Text Placeholder 2"/>
-          <p:cNvSpPr>
-            <a:spLocks noGrp="1"/>
-          </p:cNvSpPr>
-          <p:nvPr>
-            <p:ph type="body" idx="1"/>
-          </p:nvPr>
-        </p:nvSpPr>
-        <p:spPr>
-          <a:xfrm>
-            <a:off x="722313" y="2906713"/>
-            <a:ext cx="7772400" cy="1500187"/>
-          </a:xfrm>
-        </p:spPr>
-        <p:txBody>
-          <a:bodyPr anchor="b"/>
-          <a:lstStyle>
-            <a:lvl1pPr marL="0" indent="0">
+            <a:lvl1pPr marL="54864" indent="0" algn="l">
               <a:buNone/>
               <a:defRPr sz="2000">
                 <a:solidFill>
@@ -940,7 +1334,7 @@
                 </a:solidFill>
               </a:defRPr>
             </a:lvl1pPr>
-            <a:lvl2pPr marL="457200" indent="0">
+            <a:lvl2pPr>
               <a:buNone/>
               <a:defRPr sz="1800">
                 <a:solidFill>
@@ -950,7 +1344,7 @@
                 </a:solidFill>
               </a:defRPr>
             </a:lvl2pPr>
-            <a:lvl3pPr marL="914400" indent="0">
+            <a:lvl3pPr>
               <a:buNone/>
               <a:defRPr sz="1600">
                 <a:solidFill>
@@ -960,7 +1354,7 @@
                 </a:solidFill>
               </a:defRPr>
             </a:lvl3pPr>
-            <a:lvl4pPr marL="1371600" indent="0">
+            <a:lvl4pPr>
               <a:buNone/>
               <a:defRPr sz="1400">
                 <a:solidFill>
@@ -970,7 +1364,7 @@
                 </a:solidFill>
               </a:defRPr>
             </a:lvl4pPr>
-            <a:lvl5pPr marL="1828800" indent="0">
+            <a:lvl5pPr>
               <a:buNone/>
               <a:defRPr sz="1400">
                 <a:solidFill>
@@ -980,127 +1374,20 @@
                 </a:solidFill>
               </a:defRPr>
             </a:lvl5pPr>
-            <a:lvl6pPr marL="2286000" indent="0">
-              <a:buNone/>
-              <a:defRPr sz="1400">
-                <a:solidFill>
-                  <a:schemeClr val="tx1">
-                    <a:tint val="75000"/>
-                  </a:schemeClr>
-                </a:solidFill>
-              </a:defRPr>
-            </a:lvl6pPr>
-            <a:lvl7pPr marL="2743200" indent="0">
-              <a:buNone/>
-              <a:defRPr sz="1400">
-                <a:solidFill>
-                  <a:schemeClr val="tx1">
-                    <a:tint val="75000"/>
-                  </a:schemeClr>
-                </a:solidFill>
-              </a:defRPr>
-            </a:lvl7pPr>
-            <a:lvl8pPr marL="3200400" indent="0">
-              <a:buNone/>
-              <a:defRPr sz="1400">
-                <a:solidFill>
-                  <a:schemeClr val="tx1">
-                    <a:tint val="75000"/>
-                  </a:schemeClr>
-                </a:solidFill>
-              </a:defRPr>
-            </a:lvl8pPr>
-            <a:lvl9pPr marL="3657600" indent="0">
-              <a:buNone/>
-              <a:defRPr sz="1400">
-                <a:solidFill>
-                  <a:schemeClr val="tx1">
-                    <a:tint val="75000"/>
-                  </a:schemeClr>
-                </a:solidFill>
-              </a:defRPr>
-            </a:lvl9pPr>
           </a:lstStyle>
           <a:p>
-            <a:pPr lvl="0"/>
-            <a:r>
-              <a:rPr lang="en-US" smtClean="0"/>
+            <a:pPr lvl="0" eaLnBrk="1" latinLnBrk="0" hangingPunct="1"/>
+            <a:r>
+              <a:rPr kumimoji="0" lang="en-US" smtClean="0"/>
               <a:t>Click to edit Master text styles</a:t>
             </a:r>
-          </a:p>
-        </p:txBody>
-      </p:sp>
-      <p:sp>
-        <p:nvSpPr>
-          <p:cNvPr id="4" name="Date Placeholder 3"/>
-          <p:cNvSpPr>
-            <a:spLocks noGrp="1"/>
-          </p:cNvSpPr>
-          <p:nvPr>
-            <p:ph type="dt" sz="half" idx="10"/>
-          </p:nvPr>
-        </p:nvSpPr>
-        <p:spPr/>
-        <p:txBody>
-          <a:bodyPr/>
-          <a:lstStyle/>
-          <a:p>
-            <a:fld id="{1D8BD707-D9CF-40AE-B4C6-C98DA3205C09}" type="datetimeFigureOut">
-              <a:rPr lang="en-US" smtClean="0"/>
-              <a:pPr/>
-              <a:t>2/28/2022</a:t>
-            </a:fld>
-            <a:endParaRPr lang="en-US"/>
-          </a:p>
-        </p:txBody>
-      </p:sp>
-      <p:sp>
-        <p:nvSpPr>
-          <p:cNvPr id="5" name="Footer Placeholder 4"/>
-          <p:cNvSpPr>
-            <a:spLocks noGrp="1"/>
-          </p:cNvSpPr>
-          <p:nvPr>
-            <p:ph type="ftr" sz="quarter" idx="11"/>
-          </p:nvPr>
-        </p:nvSpPr>
-        <p:spPr/>
-        <p:txBody>
-          <a:bodyPr/>
-          <a:lstStyle/>
-          <a:p>
-            <a:endParaRPr lang="en-US"/>
-          </a:p>
-        </p:txBody>
-      </p:sp>
-      <p:sp>
-        <p:nvSpPr>
-          <p:cNvPr id="6" name="Slide Number Placeholder 5"/>
-          <p:cNvSpPr>
-            <a:spLocks noGrp="1"/>
-          </p:cNvSpPr>
-          <p:nvPr>
-            <p:ph type="sldNum" sz="quarter" idx="12"/>
-          </p:nvPr>
-        </p:nvSpPr>
-        <p:spPr/>
-        <p:txBody>
-          <a:bodyPr/>
-          <a:lstStyle/>
-          <a:p>
-            <a:fld id="{B6F15528-21DE-4FAA-801E-634DDDAF4B2B}" type="slidenum">
-              <a:rPr lang="en-US" smtClean="0"/>
-              <a:pPr/>
-              <a:t>‹#›</a:t>
-            </a:fld>
-            <a:endParaRPr lang="en-US"/>
           </a:p>
         </p:txBody>
       </p:sp>
     </p:spTree>
   </p:cSld>
   <p:clrMapOvr>
-    <a:masterClrMapping/>
+    <a:overrideClrMapping bg1="dk1" tx1="lt1" bg2="dk2" tx2="lt2" accent1="accent1" accent2="accent2" accent3="accent3" accent4="accent4" accent5="accent5" accent6="accent6" hlink="hlink" folHlink="folHlink"/>
   </p:clrMapOvr>
 </p:sldLayout>
 </file>
@@ -1135,13 +1422,17 @@
         <p:spPr/>
         <p:txBody>
           <a:bodyPr/>
-          <a:lstStyle/>
-          <a:p>
-            <a:r>
-              <a:rPr lang="en-US" smtClean="0"/>
+          <a:lstStyle>
+            <a:lvl1pPr marL="0" algn="l">
+              <a:defRPr/>
+            </a:lvl1pPr>
+          </a:lstStyle>
+          <a:p>
+            <a:r>
+              <a:rPr kumimoji="0" lang="en-US" smtClean="0"/>
               <a:t>Click to edit Master title style</a:t>
             </a:r>
-            <a:endParaRPr lang="en-US"/>
+            <a:endParaRPr kumimoji="0" lang="en-US"/>
           </a:p>
         </p:txBody>
       </p:sp>
@@ -1157,7 +1448,7 @@
         </p:nvSpPr>
         <p:spPr>
           <a:xfrm>
-            <a:off x="457200" y="1600200"/>
+            <a:off x="457200" y="1722437"/>
             <a:ext cx="4038600" cy="4525963"/>
           </a:xfrm>
         </p:spPr>
@@ -1165,7 +1456,7 @@
           <a:bodyPr/>
           <a:lstStyle>
             <a:lvl1pPr>
-              <a:defRPr sz="2800"/>
+              <a:defRPr sz="2600"/>
             </a:lvl1pPr>
             <a:lvl2pPr>
               <a:defRPr sz="2400"/>
@@ -1179,54 +1470,42 @@
             <a:lvl5pPr>
               <a:defRPr sz="1800"/>
             </a:lvl5pPr>
-            <a:lvl6pPr>
-              <a:defRPr sz="1800"/>
-            </a:lvl6pPr>
-            <a:lvl7pPr>
-              <a:defRPr sz="1800"/>
-            </a:lvl7pPr>
-            <a:lvl8pPr>
-              <a:defRPr sz="1800"/>
-            </a:lvl8pPr>
-            <a:lvl9pPr>
-              <a:defRPr sz="1800"/>
-            </a:lvl9pPr>
           </a:lstStyle>
           <a:p>
-            <a:pPr lvl="0"/>
+            <a:pPr lvl="0" eaLnBrk="1" latinLnBrk="0" hangingPunct="1"/>
             <a:r>
               <a:rPr lang="en-US" smtClean="0"/>
               <a:t>Click to edit Master text styles</a:t>
             </a:r>
           </a:p>
           <a:p>
-            <a:pPr lvl="1"/>
+            <a:pPr lvl="1" eaLnBrk="1" latinLnBrk="0" hangingPunct="1"/>
             <a:r>
               <a:rPr lang="en-US" smtClean="0"/>
               <a:t>Second level</a:t>
             </a:r>
           </a:p>
           <a:p>
-            <a:pPr lvl="2"/>
+            <a:pPr lvl="2" eaLnBrk="1" latinLnBrk="0" hangingPunct="1"/>
             <a:r>
               <a:rPr lang="en-US" smtClean="0"/>
               <a:t>Third level</a:t>
             </a:r>
           </a:p>
           <a:p>
-            <a:pPr lvl="3"/>
+            <a:pPr lvl="3" eaLnBrk="1" latinLnBrk="0" hangingPunct="1"/>
             <a:r>
               <a:rPr lang="en-US" smtClean="0"/>
               <a:t>Fourth level</a:t>
             </a:r>
           </a:p>
           <a:p>
-            <a:pPr lvl="4"/>
+            <a:pPr lvl="4" eaLnBrk="1" latinLnBrk="0" hangingPunct="1"/>
             <a:r>
               <a:rPr lang="en-US" smtClean="0"/>
               <a:t>Fifth level</a:t>
             </a:r>
-            <a:endParaRPr lang="en-US"/>
+            <a:endParaRPr kumimoji="0" lang="en-US"/>
           </a:p>
         </p:txBody>
       </p:sp>
@@ -1242,7 +1521,7 @@
         </p:nvSpPr>
         <p:spPr>
           <a:xfrm>
-            <a:off x="4648200" y="1600200"/>
+            <a:off x="4648200" y="1722437"/>
             <a:ext cx="4038600" cy="4525963"/>
           </a:xfrm>
         </p:spPr>
@@ -1250,7 +1529,7 @@
           <a:bodyPr/>
           <a:lstStyle>
             <a:lvl1pPr>
-              <a:defRPr sz="2800"/>
+              <a:defRPr sz="2600"/>
             </a:lvl1pPr>
             <a:lvl2pPr>
               <a:defRPr sz="2400"/>
@@ -1264,54 +1543,42 @@
             <a:lvl5pPr>
               <a:defRPr sz="1800"/>
             </a:lvl5pPr>
-            <a:lvl6pPr>
-              <a:defRPr sz="1800"/>
-            </a:lvl6pPr>
-            <a:lvl7pPr>
-              <a:defRPr sz="1800"/>
-            </a:lvl7pPr>
-            <a:lvl8pPr>
-              <a:defRPr sz="1800"/>
-            </a:lvl8pPr>
-            <a:lvl9pPr>
-              <a:defRPr sz="1800"/>
-            </a:lvl9pPr>
           </a:lstStyle>
           <a:p>
-            <a:pPr lvl="0"/>
+            <a:pPr lvl="0" eaLnBrk="1" latinLnBrk="0" hangingPunct="1"/>
             <a:r>
               <a:rPr lang="en-US" smtClean="0"/>
               <a:t>Click to edit Master text styles</a:t>
             </a:r>
           </a:p>
           <a:p>
-            <a:pPr lvl="1"/>
+            <a:pPr lvl="1" eaLnBrk="1" latinLnBrk="0" hangingPunct="1"/>
             <a:r>
               <a:rPr lang="en-US" smtClean="0"/>
               <a:t>Second level</a:t>
             </a:r>
           </a:p>
           <a:p>
-            <a:pPr lvl="2"/>
+            <a:pPr lvl="2" eaLnBrk="1" latinLnBrk="0" hangingPunct="1"/>
             <a:r>
               <a:rPr lang="en-US" smtClean="0"/>
               <a:t>Third level</a:t>
             </a:r>
           </a:p>
           <a:p>
-            <a:pPr lvl="3"/>
+            <a:pPr lvl="3" eaLnBrk="1" latinLnBrk="0" hangingPunct="1"/>
             <a:r>
               <a:rPr lang="en-US" smtClean="0"/>
               <a:t>Fourth level</a:t>
             </a:r>
           </a:p>
           <a:p>
-            <a:pPr lvl="4"/>
+            <a:pPr lvl="4" eaLnBrk="1" latinLnBrk="0" hangingPunct="1"/>
             <a:r>
               <a:rPr lang="en-US" smtClean="0"/>
               <a:t>Fifth level</a:t>
             </a:r>
-            <a:endParaRPr lang="en-US"/>
+            <a:endParaRPr kumimoji="0" lang="en-US"/>
           </a:p>
         </p:txBody>
       </p:sp>
@@ -1325,7 +1592,12 @@
             <p:ph type="dt" sz="half" idx="10"/>
           </p:nvPr>
         </p:nvSpPr>
-        <p:spPr/>
+        <p:spPr>
+          <a:xfrm>
+            <a:off x="4791456" y="6480969"/>
+            <a:ext cx="2133600" cy="301752"/>
+          </a:xfrm>
+        </p:spPr>
         <p:txBody>
           <a:bodyPr/>
           <a:lstStyle/>
@@ -1349,7 +1621,12 @@
             <p:ph type="ftr" sz="quarter" idx="11"/>
           </p:nvPr>
         </p:nvSpPr>
-        <p:spPr/>
+        <p:spPr>
+          <a:xfrm>
+            <a:off x="457200" y="6480969"/>
+            <a:ext cx="4260056" cy="301752"/>
+          </a:xfrm>
+        </p:spPr>
         <p:txBody>
           <a:bodyPr/>
           <a:lstStyle/>
@@ -1368,7 +1645,12 @@
             <p:ph type="sldNum" sz="quarter" idx="12"/>
           </p:nvPr>
         </p:nvSpPr>
-        <p:spPr/>
+        <p:spPr>
+          <a:xfrm>
+            <a:off x="7589520" y="6480969"/>
+            <a:ext cx="502920" cy="301752"/>
+          </a:xfrm>
+        </p:spPr>
         <p:txBody>
           <a:bodyPr/>
           <a:lstStyle/>
@@ -1391,8 +1673,13 @@
 </file>
 
 <file path=ppt/slideLayouts/slideLayout5.xml><?xml version="1.0" encoding="utf-8"?>
-<p:sldLayout xmlns:a="http://schemas.openxmlformats.org/drawingml/2006/main" xmlns:r="http://schemas.openxmlformats.org/officeDocument/2006/relationships" xmlns:p="http://schemas.openxmlformats.org/presentationml/2006/main" type="twoTxTwoObj" preserve="1">
+<p:sldLayout xmlns:a="http://schemas.openxmlformats.org/drawingml/2006/main" xmlns:r="http://schemas.openxmlformats.org/officeDocument/2006/relationships" xmlns:p="http://schemas.openxmlformats.org/presentationml/2006/main" showMasterSp="0" type="twoTxTwoObj" preserve="1">
   <p:cSld name="Comparison">
+    <p:bg>
+      <p:bgRef idx="1002">
+        <a:schemeClr val="bg2"/>
+      </p:bgRef>
+    </p:bg>
     <p:spTree>
       <p:nvGrpSpPr>
         <p:cNvPr id="1" name=""/>
@@ -1417,20 +1704,34 @@
             <p:ph type="title"/>
           </p:nvPr>
         </p:nvSpPr>
-        <p:spPr/>
-        <p:txBody>
-          <a:bodyPr/>
+        <p:spPr>
+          <a:xfrm>
+            <a:off x="248198" y="290732"/>
+            <a:ext cx="1066800" cy="6153912"/>
+          </a:xfrm>
+        </p:spPr>
+        <p:txBody>
+          <a:bodyPr vert="vert270" anchor="b"/>
           <a:lstStyle>
-            <a:lvl1pPr>
-              <a:defRPr/>
+            <a:lvl1pPr marL="0" algn="ctr">
+              <a:defRPr sz="3300" b="1">
+                <a:ln w="6350">
+                  <a:solidFill>
+                    <a:schemeClr val="tx1"/>
+                  </a:solidFill>
+                </a:ln>
+                <a:solidFill>
+                  <a:schemeClr val="tx1"/>
+                </a:solidFill>
+              </a:defRPr>
             </a:lvl1pPr>
           </a:lstStyle>
           <a:p>
             <a:r>
-              <a:rPr lang="en-US" smtClean="0"/>
+              <a:rPr kumimoji="0" lang="en-US" smtClean="0"/>
               <a:t>Click to edit Master title style</a:t>
             </a:r>
-            <a:endParaRPr lang="en-US"/>
+            <a:endParaRPr kumimoji="0" lang="en-US"/>
           </a:p>
         </p:txBody>
       </p:sp>
@@ -1446,73 +1747,199 @@
         </p:nvSpPr>
         <p:spPr>
           <a:xfrm>
-            <a:off x="457200" y="1535113"/>
-            <a:ext cx="4040188" cy="639762"/>
-          </a:xfrm>
-        </p:spPr>
-        <p:txBody>
-          <a:bodyPr anchor="b"/>
+            <a:off x="1365006" y="290732"/>
+            <a:ext cx="581024" cy="3017520"/>
+          </a:xfrm>
+          <a:solidFill>
+            <a:schemeClr val="bg1"/>
+          </a:solidFill>
+          <a:ln w="12700">
+            <a:noFill/>
+          </a:ln>
+        </p:spPr>
+        <p:txBody>
+          <a:bodyPr vert="vert270" anchor="ctr"/>
           <a:lstStyle>
-            <a:lvl1pPr marL="0" indent="0">
+            <a:lvl1pPr marL="0" indent="0" algn="ctr">
               <a:buNone/>
-              <a:defRPr sz="2400" b="1"/>
+              <a:defRPr sz="1600" b="0">
+                <a:solidFill>
+                  <a:schemeClr val="tx1"/>
+                </a:solidFill>
+              </a:defRPr>
             </a:lvl1pPr>
-            <a:lvl2pPr marL="457200" indent="0">
+            <a:lvl2pPr>
               <a:buNone/>
               <a:defRPr sz="2000" b="1"/>
             </a:lvl2pPr>
-            <a:lvl3pPr marL="914400" indent="0">
+            <a:lvl3pPr>
               <a:buNone/>
               <a:defRPr sz="1800" b="1"/>
             </a:lvl3pPr>
-            <a:lvl4pPr marL="1371600" indent="0">
+            <a:lvl4pPr>
               <a:buNone/>
               <a:defRPr sz="1600" b="1"/>
             </a:lvl4pPr>
-            <a:lvl5pPr marL="1828800" indent="0">
+            <a:lvl5pPr>
               <a:buNone/>
               <a:defRPr sz="1600" b="1"/>
             </a:lvl5pPr>
-            <a:lvl6pPr marL="2286000" indent="0">
+          </a:lstStyle>
+          <a:p>
+            <a:pPr lvl="0" eaLnBrk="1" latinLnBrk="0" hangingPunct="1"/>
+            <a:r>
+              <a:rPr kumimoji="0" lang="en-US" smtClean="0"/>
+              <a:t>Click to edit Master text styles</a:t>
+            </a:r>
+          </a:p>
+        </p:txBody>
+      </p:sp>
+      <p:sp>
+        <p:nvSpPr>
+          <p:cNvPr id="4" name="Text Placeholder 3"/>
+          <p:cNvSpPr>
+            <a:spLocks noGrp="1"/>
+          </p:cNvSpPr>
+          <p:nvPr>
+            <p:ph type="body" sz="half" idx="3"/>
+          </p:nvPr>
+        </p:nvSpPr>
+        <p:spPr>
+          <a:xfrm>
+            <a:off x="1365006" y="3427124"/>
+            <a:ext cx="581024" cy="3017520"/>
+          </a:xfrm>
+          <a:solidFill>
+            <a:schemeClr val="bg1"/>
+          </a:solidFill>
+          <a:ln w="12700">
+            <a:noFill/>
+          </a:ln>
+        </p:spPr>
+        <p:txBody>
+          <a:bodyPr vert="vert270" anchor="ctr"/>
+          <a:lstStyle>
+            <a:lvl1pPr marL="0" indent="0" algn="ctr">
+              <a:buNone/>
+              <a:defRPr sz="1600" b="0">
+                <a:solidFill>
+                  <a:schemeClr val="tx1"/>
+                </a:solidFill>
+              </a:defRPr>
+            </a:lvl1pPr>
+            <a:lvl2pPr>
+              <a:buNone/>
+              <a:defRPr sz="2000" b="1"/>
+            </a:lvl2pPr>
+            <a:lvl3pPr>
+              <a:buNone/>
+              <a:defRPr sz="1800" b="1"/>
+            </a:lvl3pPr>
+            <a:lvl4pPr>
               <a:buNone/>
               <a:defRPr sz="1600" b="1"/>
-            </a:lvl6pPr>
-            <a:lvl7pPr marL="2743200" indent="0">
+            </a:lvl4pPr>
+            <a:lvl5pPr>
               <a:buNone/>
               <a:defRPr sz="1600" b="1"/>
-            </a:lvl7pPr>
-            <a:lvl8pPr marL="3200400" indent="0">
-              <a:buNone/>
-              <a:defRPr sz="1600" b="1"/>
-            </a:lvl8pPr>
-            <a:lvl9pPr marL="3657600" indent="0">
-              <a:buNone/>
-              <a:defRPr sz="1600" b="1"/>
-            </a:lvl9pPr>
+            </a:lvl5pPr>
           </a:lstStyle>
           <a:p>
-            <a:pPr lvl="0"/>
+            <a:pPr lvl="0" eaLnBrk="1" latinLnBrk="0" hangingPunct="1"/>
+            <a:r>
+              <a:rPr kumimoji="0" lang="en-US" smtClean="0"/>
+              <a:t>Click to edit Master text styles</a:t>
+            </a:r>
+          </a:p>
+        </p:txBody>
+      </p:sp>
+      <p:sp>
+        <p:nvSpPr>
+          <p:cNvPr id="5" name="Content Placeholder 4"/>
+          <p:cNvSpPr>
+            <a:spLocks noGrp="1"/>
+          </p:cNvSpPr>
+          <p:nvPr>
+            <p:ph sz="quarter" idx="2"/>
+          </p:nvPr>
+        </p:nvSpPr>
+        <p:spPr>
+          <a:xfrm>
+            <a:off x="2022230" y="290732"/>
+            <a:ext cx="6858000" cy="3017520"/>
+          </a:xfrm>
+        </p:spPr>
+        <p:txBody>
+          <a:bodyPr/>
+          <a:lstStyle>
+            <a:lvl1pPr algn="l">
+              <a:defRPr sz="2400"/>
+            </a:lvl1pPr>
+            <a:lvl2pPr algn="l">
+              <a:defRPr sz="2000"/>
+            </a:lvl2pPr>
+            <a:lvl3pPr algn="l">
+              <a:defRPr sz="1800"/>
+            </a:lvl3pPr>
+            <a:lvl4pPr algn="l">
+              <a:defRPr sz="1600"/>
+            </a:lvl4pPr>
+            <a:lvl5pPr algn="l">
+              <a:defRPr sz="1600"/>
+            </a:lvl5pPr>
+          </a:lstStyle>
+          <a:p>
+            <a:pPr lvl="0" eaLnBrk="1" latinLnBrk="0" hangingPunct="1"/>
             <a:r>
               <a:rPr lang="en-US" smtClean="0"/>
               <a:t>Click to edit Master text styles</a:t>
             </a:r>
           </a:p>
-        </p:txBody>
-      </p:sp>
-      <p:sp>
-        <p:nvSpPr>
-          <p:cNvPr id="4" name="Content Placeholder 3"/>
-          <p:cNvSpPr>
-            <a:spLocks noGrp="1"/>
-          </p:cNvSpPr>
-          <p:nvPr>
-            <p:ph sz="half" idx="2"/>
-          </p:nvPr>
-        </p:nvSpPr>
-        <p:spPr>
-          <a:xfrm>
-            <a:off x="457200" y="2174875"/>
-            <a:ext cx="4040188" cy="3951288"/>
+          <a:p>
+            <a:pPr lvl="1" eaLnBrk="1" latinLnBrk="0" hangingPunct="1"/>
+            <a:r>
+              <a:rPr lang="en-US" smtClean="0"/>
+              <a:t>Second level</a:t>
+            </a:r>
+          </a:p>
+          <a:p>
+            <a:pPr lvl="2" eaLnBrk="1" latinLnBrk="0" hangingPunct="1"/>
+            <a:r>
+              <a:rPr lang="en-US" smtClean="0"/>
+              <a:t>Third level</a:t>
+            </a:r>
+          </a:p>
+          <a:p>
+            <a:pPr lvl="3" eaLnBrk="1" latinLnBrk="0" hangingPunct="1"/>
+            <a:r>
+              <a:rPr lang="en-US" smtClean="0"/>
+              <a:t>Fourth level</a:t>
+            </a:r>
+          </a:p>
+          <a:p>
+            <a:pPr lvl="4" eaLnBrk="1" latinLnBrk="0" hangingPunct="1"/>
+            <a:r>
+              <a:rPr lang="en-US" smtClean="0"/>
+              <a:t>Fifth level</a:t>
+            </a:r>
+            <a:endParaRPr kumimoji="0" lang="en-US"/>
+          </a:p>
+        </p:txBody>
+      </p:sp>
+      <p:sp>
+        <p:nvSpPr>
+          <p:cNvPr id="6" name="Content Placeholder 5"/>
+          <p:cNvSpPr>
+            <a:spLocks noGrp="1"/>
+          </p:cNvSpPr>
+          <p:nvPr>
+            <p:ph sz="quarter" idx="4"/>
+          </p:nvPr>
+        </p:nvSpPr>
+        <p:spPr>
+          <a:xfrm>
+            <a:off x="2022230" y="3427124"/>
+            <a:ext cx="6858000" cy="3017520"/>
           </a:xfrm>
         </p:spPr>
         <p:txBody>
@@ -1533,204 +1960,42 @@
             <a:lvl5pPr>
               <a:defRPr sz="1600"/>
             </a:lvl5pPr>
-            <a:lvl6pPr>
-              <a:defRPr sz="1600"/>
-            </a:lvl6pPr>
-            <a:lvl7pPr>
-              <a:defRPr sz="1600"/>
-            </a:lvl7pPr>
-            <a:lvl8pPr>
-              <a:defRPr sz="1600"/>
-            </a:lvl8pPr>
-            <a:lvl9pPr>
-              <a:defRPr sz="1600"/>
-            </a:lvl9pPr>
           </a:lstStyle>
           <a:p>
-            <a:pPr lvl="0"/>
+            <a:pPr lvl="0" eaLnBrk="1" latinLnBrk="0" hangingPunct="1"/>
             <a:r>
               <a:rPr lang="en-US" smtClean="0"/>
               <a:t>Click to edit Master text styles</a:t>
             </a:r>
           </a:p>
           <a:p>
-            <a:pPr lvl="1"/>
+            <a:pPr lvl="1" eaLnBrk="1" latinLnBrk="0" hangingPunct="1"/>
             <a:r>
               <a:rPr lang="en-US" smtClean="0"/>
               <a:t>Second level</a:t>
             </a:r>
           </a:p>
           <a:p>
-            <a:pPr lvl="2"/>
+            <a:pPr lvl="2" eaLnBrk="1" latinLnBrk="0" hangingPunct="1"/>
             <a:r>
               <a:rPr lang="en-US" smtClean="0"/>
               <a:t>Third level</a:t>
             </a:r>
           </a:p>
           <a:p>
-            <a:pPr lvl="3"/>
+            <a:pPr lvl="3" eaLnBrk="1" latinLnBrk="0" hangingPunct="1"/>
             <a:r>
               <a:rPr lang="en-US" smtClean="0"/>
               <a:t>Fourth level</a:t>
             </a:r>
           </a:p>
           <a:p>
-            <a:pPr lvl="4"/>
+            <a:pPr lvl="4" eaLnBrk="1" latinLnBrk="0" hangingPunct="1"/>
             <a:r>
               <a:rPr lang="en-US" smtClean="0"/>
               <a:t>Fifth level</a:t>
             </a:r>
-            <a:endParaRPr lang="en-US"/>
-          </a:p>
-        </p:txBody>
-      </p:sp>
-      <p:sp>
-        <p:nvSpPr>
-          <p:cNvPr id="5" name="Text Placeholder 4"/>
-          <p:cNvSpPr>
-            <a:spLocks noGrp="1"/>
-          </p:cNvSpPr>
-          <p:nvPr>
-            <p:ph type="body" sz="quarter" idx="3"/>
-          </p:nvPr>
-        </p:nvSpPr>
-        <p:spPr>
-          <a:xfrm>
-            <a:off x="4645025" y="1535113"/>
-            <a:ext cx="4041775" cy="639762"/>
-          </a:xfrm>
-        </p:spPr>
-        <p:txBody>
-          <a:bodyPr anchor="b"/>
-          <a:lstStyle>
-            <a:lvl1pPr marL="0" indent="0">
-              <a:buNone/>
-              <a:defRPr sz="2400" b="1"/>
-            </a:lvl1pPr>
-            <a:lvl2pPr marL="457200" indent="0">
-              <a:buNone/>
-              <a:defRPr sz="2000" b="1"/>
-            </a:lvl2pPr>
-            <a:lvl3pPr marL="914400" indent="0">
-              <a:buNone/>
-              <a:defRPr sz="1800" b="1"/>
-            </a:lvl3pPr>
-            <a:lvl4pPr marL="1371600" indent="0">
-              <a:buNone/>
-              <a:defRPr sz="1600" b="1"/>
-            </a:lvl4pPr>
-            <a:lvl5pPr marL="1828800" indent="0">
-              <a:buNone/>
-              <a:defRPr sz="1600" b="1"/>
-            </a:lvl5pPr>
-            <a:lvl6pPr marL="2286000" indent="0">
-              <a:buNone/>
-              <a:defRPr sz="1600" b="1"/>
-            </a:lvl6pPr>
-            <a:lvl7pPr marL="2743200" indent="0">
-              <a:buNone/>
-              <a:defRPr sz="1600" b="1"/>
-            </a:lvl7pPr>
-            <a:lvl8pPr marL="3200400" indent="0">
-              <a:buNone/>
-              <a:defRPr sz="1600" b="1"/>
-            </a:lvl8pPr>
-            <a:lvl9pPr marL="3657600" indent="0">
-              <a:buNone/>
-              <a:defRPr sz="1600" b="1"/>
-            </a:lvl9pPr>
-          </a:lstStyle>
-          <a:p>
-            <a:pPr lvl="0"/>
-            <a:r>
-              <a:rPr lang="en-US" smtClean="0"/>
-              <a:t>Click to edit Master text styles</a:t>
-            </a:r>
-          </a:p>
-        </p:txBody>
-      </p:sp>
-      <p:sp>
-        <p:nvSpPr>
-          <p:cNvPr id="6" name="Content Placeholder 5"/>
-          <p:cNvSpPr>
-            <a:spLocks noGrp="1"/>
-          </p:cNvSpPr>
-          <p:nvPr>
-            <p:ph sz="quarter" idx="4"/>
-          </p:nvPr>
-        </p:nvSpPr>
-        <p:spPr>
-          <a:xfrm>
-            <a:off x="4645025" y="2174875"/>
-            <a:ext cx="4041775" cy="3951288"/>
-          </a:xfrm>
-        </p:spPr>
-        <p:txBody>
-          <a:bodyPr/>
-          <a:lstStyle>
-            <a:lvl1pPr>
-              <a:defRPr sz="2400"/>
-            </a:lvl1pPr>
-            <a:lvl2pPr>
-              <a:defRPr sz="2000"/>
-            </a:lvl2pPr>
-            <a:lvl3pPr>
-              <a:defRPr sz="1800"/>
-            </a:lvl3pPr>
-            <a:lvl4pPr>
-              <a:defRPr sz="1600"/>
-            </a:lvl4pPr>
-            <a:lvl5pPr>
-              <a:defRPr sz="1600"/>
-            </a:lvl5pPr>
-            <a:lvl6pPr>
-              <a:defRPr sz="1600"/>
-            </a:lvl6pPr>
-            <a:lvl7pPr>
-              <a:defRPr sz="1600"/>
-            </a:lvl7pPr>
-            <a:lvl8pPr>
-              <a:defRPr sz="1600"/>
-            </a:lvl8pPr>
-            <a:lvl9pPr>
-              <a:defRPr sz="1600"/>
-            </a:lvl9pPr>
-          </a:lstStyle>
-          <a:p>
-            <a:pPr lvl="0"/>
-            <a:r>
-              <a:rPr lang="en-US" smtClean="0"/>
-              <a:t>Click to edit Master text styles</a:t>
-            </a:r>
-          </a:p>
-          <a:p>
-            <a:pPr lvl="1"/>
-            <a:r>
-              <a:rPr lang="en-US" smtClean="0"/>
-              <a:t>Second level</a:t>
-            </a:r>
-          </a:p>
-          <a:p>
-            <a:pPr lvl="2"/>
-            <a:r>
-              <a:rPr lang="en-US" smtClean="0"/>
-              <a:t>Third level</a:t>
-            </a:r>
-          </a:p>
-          <a:p>
-            <a:pPr lvl="3"/>
-            <a:r>
-              <a:rPr lang="en-US" smtClean="0"/>
-              <a:t>Fourth level</a:t>
-            </a:r>
-          </a:p>
-          <a:p>
-            <a:pPr lvl="4"/>
-            <a:r>
-              <a:rPr lang="en-US" smtClean="0"/>
-              <a:t>Fifth level</a:t>
-            </a:r>
-            <a:endParaRPr lang="en-US"/>
+            <a:endParaRPr kumimoji="0" lang="en-US"/>
           </a:p>
         </p:txBody>
       </p:sp>
@@ -1744,7 +2009,12 @@
             <p:ph type="dt" sz="half" idx="10"/>
           </p:nvPr>
         </p:nvSpPr>
-        <p:spPr/>
+        <p:spPr>
+          <a:xfrm>
+            <a:off x="4791456" y="6480969"/>
+            <a:ext cx="2130552" cy="301752"/>
+          </a:xfrm>
+        </p:spPr>
         <p:txBody>
           <a:bodyPr/>
           <a:lstStyle/>
@@ -1768,7 +2038,12 @@
             <p:ph type="ftr" sz="quarter" idx="11"/>
           </p:nvPr>
         </p:nvSpPr>
-        <p:spPr/>
+        <p:spPr>
+          <a:xfrm>
+            <a:off x="457200" y="6480969"/>
+            <a:ext cx="4261104" cy="301752"/>
+          </a:xfrm>
+        </p:spPr>
         <p:txBody>
           <a:bodyPr/>
           <a:lstStyle/>
@@ -1787,10 +2062,19 @@
             <p:ph type="sldNum" sz="quarter" idx="12"/>
           </p:nvPr>
         </p:nvSpPr>
-        <p:spPr/>
+        <p:spPr>
+          <a:xfrm>
+            <a:off x="7589520" y="6483096"/>
+            <a:ext cx="502920" cy="301752"/>
+          </a:xfrm>
+        </p:spPr>
         <p:txBody>
           <a:bodyPr/>
-          <a:lstStyle/>
+          <a:lstStyle>
+            <a:lvl1pPr algn="ctr">
+              <a:defRPr/>
+            </a:lvl1pPr>
+          </a:lstStyle>
           <a:p>
             <a:fld id="{B6F15528-21DE-4FAA-801E-634DDDAF4B2B}" type="slidenum">
               <a:rPr lang="en-US" smtClean="0"/>
@@ -1804,7 +2088,7 @@
     </p:spTree>
   </p:cSld>
   <p:clrMapOvr>
-    <a:masterClrMapping/>
+    <a:overrideClrMapping bg1="dk1" tx1="lt1" bg2="dk2" tx2="lt2" accent1="accent1" accent2="accent2" accent3="accent3" accent4="accent4" accent5="accent5" accent6="accent6" hlink="hlink" folHlink="folHlink"/>
   </p:clrMapOvr>
 </p:sldLayout>
 </file>
@@ -1839,13 +2123,17 @@
         <p:spPr/>
         <p:txBody>
           <a:bodyPr/>
-          <a:lstStyle/>
-          <a:p>
-            <a:r>
-              <a:rPr lang="en-US" smtClean="0"/>
+          <a:lstStyle>
+            <a:lvl1pPr>
+              <a:defRPr b="0"/>
+            </a:lvl1pPr>
+          </a:lstStyle>
+          <a:p>
+            <a:r>
+              <a:rPr kumimoji="0" lang="en-US" smtClean="0"/>
               <a:t>Click to edit Master title style</a:t>
             </a:r>
-            <a:endParaRPr lang="en-US"/>
+            <a:endParaRPr kumimoji="0" lang="en-US"/>
           </a:p>
         </p:txBody>
       </p:sp>
@@ -1951,7 +2239,12 @@
             <p:ph type="dt" sz="half" idx="10"/>
           </p:nvPr>
         </p:nvSpPr>
-        <p:spPr/>
+        <p:spPr>
+          <a:xfrm>
+            <a:off x="4791456" y="6480969"/>
+            <a:ext cx="2133600" cy="301752"/>
+          </a:xfrm>
+        </p:spPr>
         <p:txBody>
           <a:bodyPr/>
           <a:lstStyle/>
@@ -1975,7 +2268,12 @@
             <p:ph type="ftr" sz="quarter" idx="11"/>
           </p:nvPr>
         </p:nvSpPr>
-        <p:spPr/>
+        <p:spPr>
+          <a:xfrm>
+            <a:off x="457200" y="6481890"/>
+            <a:ext cx="4260056" cy="300831"/>
+          </a:xfrm>
+        </p:spPr>
         <p:txBody>
           <a:bodyPr/>
           <a:lstStyle/>
@@ -1994,7 +2292,12 @@
             <p:ph type="sldNum" sz="quarter" idx="12"/>
           </p:nvPr>
         </p:nvSpPr>
-        <p:spPr/>
+        <p:spPr>
+          <a:xfrm>
+            <a:off x="7589520" y="6480969"/>
+            <a:ext cx="502920" cy="301752"/>
+          </a:xfrm>
+        </p:spPr>
         <p:txBody>
           <a:bodyPr/>
           <a:lstStyle/>
@@ -2017,8 +2320,13 @@
 </file>
 
 <file path=ppt/slideLayouts/slideLayout8.xml><?xml version="1.0" encoding="utf-8"?>
-<p:sldLayout xmlns:a="http://schemas.openxmlformats.org/drawingml/2006/main" xmlns:r="http://schemas.openxmlformats.org/officeDocument/2006/relationships" xmlns:p="http://schemas.openxmlformats.org/presentationml/2006/main" type="objTx" preserve="1">
+<p:sldLayout xmlns:a="http://schemas.openxmlformats.org/drawingml/2006/main" xmlns:r="http://schemas.openxmlformats.org/officeDocument/2006/relationships" xmlns:p="http://schemas.openxmlformats.org/presentationml/2006/main" showMasterSp="0" type="objTx" preserve="1">
   <p:cSld name="Content with Caption">
+    <p:bg>
+      <p:bgRef idx="1002">
+        <a:schemeClr val="bg2"/>
+      </p:bgRef>
+    </p:bg>
     <p:spTree>
       <p:nvGrpSpPr>
         <p:cNvPr id="1" name=""/>
@@ -2045,50 +2353,109 @@
         </p:nvSpPr>
         <p:spPr>
           <a:xfrm>
-            <a:off x="457200" y="273050"/>
-            <a:ext cx="3008313" cy="1162050"/>
-          </a:xfrm>
-        </p:spPr>
-        <p:txBody>
-          <a:bodyPr anchor="b"/>
+            <a:off x="219456" y="367664"/>
+            <a:ext cx="914400" cy="5943600"/>
+          </a:xfrm>
+        </p:spPr>
+        <p:txBody>
+          <a:bodyPr vert="vert270" anchor="b"/>
           <a:lstStyle>
-            <a:lvl1pPr algn="l">
-              <a:defRPr sz="2000" b="1"/>
+            <a:lvl1pPr marL="0" marR="18288" algn="r">
+              <a:spcBef>
+                <a:spcPts val="0"/>
+              </a:spcBef>
+              <a:buNone/>
+              <a:defRPr sz="2900" b="0" cap="all" baseline="0"/>
             </a:lvl1pPr>
           </a:lstStyle>
           <a:p>
             <a:r>
-              <a:rPr lang="en-US" smtClean="0"/>
+              <a:rPr kumimoji="0" lang="en-US" smtClean="0"/>
               <a:t>Click to edit Master title style</a:t>
             </a:r>
-            <a:endParaRPr lang="en-US"/>
-          </a:p>
-        </p:txBody>
-      </p:sp>
-      <p:sp>
-        <p:nvSpPr>
-          <p:cNvPr id="3" name="Content Placeholder 2"/>
-          <p:cNvSpPr>
-            <a:spLocks noGrp="1"/>
-          </p:cNvSpPr>
-          <p:nvPr>
-            <p:ph idx="1"/>
-          </p:nvPr>
-        </p:nvSpPr>
-        <p:spPr>
-          <a:xfrm>
-            <a:off x="3575050" y="273050"/>
-            <a:ext cx="5111750" cy="5853113"/>
+            <a:endParaRPr kumimoji="0" lang="en-US"/>
+          </a:p>
+        </p:txBody>
+      </p:sp>
+      <p:sp>
+        <p:nvSpPr>
+          <p:cNvPr id="3" name="Text Placeholder 2"/>
+          <p:cNvSpPr>
+            <a:spLocks noGrp="1"/>
+          </p:cNvSpPr>
+          <p:nvPr>
+            <p:ph type="body" idx="2"/>
+          </p:nvPr>
+        </p:nvSpPr>
+        <p:spPr>
+          <a:xfrm>
+            <a:off x="1135856" y="367664"/>
+            <a:ext cx="2438400" cy="5943600"/>
+          </a:xfrm>
+        </p:spPr>
+        <p:txBody>
+          <a:bodyPr anchor="t"/>
+          <a:lstStyle>
+            <a:lvl1pPr marL="0" indent="0">
+              <a:spcBef>
+                <a:spcPts val="0"/>
+              </a:spcBef>
+              <a:buNone/>
+              <a:defRPr sz="1400"/>
+            </a:lvl1pPr>
+            <a:lvl2pPr>
+              <a:buNone/>
+              <a:defRPr sz="1200"/>
+            </a:lvl2pPr>
+            <a:lvl3pPr>
+              <a:buNone/>
+              <a:defRPr sz="1000"/>
+            </a:lvl3pPr>
+            <a:lvl4pPr>
+              <a:buNone/>
+              <a:defRPr sz="900"/>
+            </a:lvl4pPr>
+            <a:lvl5pPr>
+              <a:buNone/>
+              <a:defRPr sz="900"/>
+            </a:lvl5pPr>
+          </a:lstStyle>
+          <a:p>
+            <a:pPr lvl="0" eaLnBrk="1" latinLnBrk="0" hangingPunct="1"/>
+            <a:r>
+              <a:rPr kumimoji="0" lang="en-US" smtClean="0"/>
+              <a:t>Click to edit Master text styles</a:t>
+            </a:r>
+          </a:p>
+        </p:txBody>
+      </p:sp>
+      <p:sp>
+        <p:nvSpPr>
+          <p:cNvPr id="4" name="Content Placeholder 3"/>
+          <p:cNvSpPr>
+            <a:spLocks noGrp="1"/>
+          </p:cNvSpPr>
+          <p:nvPr>
+            <p:ph sz="half" idx="1"/>
+          </p:nvPr>
+        </p:nvSpPr>
+        <p:spPr>
+          <a:xfrm>
+            <a:off x="3651250" y="320040"/>
+            <a:ext cx="5276088" cy="5989320"/>
           </a:xfrm>
         </p:spPr>
         <p:txBody>
           <a:bodyPr/>
           <a:lstStyle>
             <a:lvl1pPr>
-              <a:defRPr sz="3200"/>
+              <a:spcBef>
+                <a:spcPts val="0"/>
+              </a:spcBef>
+              <a:defRPr sz="3000"/>
             </a:lvl1pPr>
             <a:lvl2pPr>
-              <a:defRPr sz="2800"/>
+              <a:defRPr sz="2600"/>
             </a:lvl2pPr>
             <a:lvl3pPr>
               <a:defRPr sz="2400"/>
@@ -2099,136 +2466,68 @@
             <a:lvl5pPr>
               <a:defRPr sz="2000"/>
             </a:lvl5pPr>
-            <a:lvl6pPr>
-              <a:defRPr sz="2000"/>
-            </a:lvl6pPr>
-            <a:lvl7pPr>
-              <a:defRPr sz="2000"/>
-            </a:lvl7pPr>
-            <a:lvl8pPr>
-              <a:defRPr sz="2000"/>
-            </a:lvl8pPr>
-            <a:lvl9pPr>
-              <a:defRPr sz="2000"/>
-            </a:lvl9pPr>
           </a:lstStyle>
           <a:p>
-            <a:pPr lvl="0"/>
+            <a:pPr lvl="0" eaLnBrk="1" latinLnBrk="0" hangingPunct="1"/>
             <a:r>
               <a:rPr lang="en-US" smtClean="0"/>
               <a:t>Click to edit Master text styles</a:t>
             </a:r>
           </a:p>
           <a:p>
-            <a:pPr lvl="1"/>
+            <a:pPr lvl="1" eaLnBrk="1" latinLnBrk="0" hangingPunct="1"/>
             <a:r>
               <a:rPr lang="en-US" smtClean="0"/>
               <a:t>Second level</a:t>
             </a:r>
           </a:p>
           <a:p>
-            <a:pPr lvl="2"/>
+            <a:pPr lvl="2" eaLnBrk="1" latinLnBrk="0" hangingPunct="1"/>
             <a:r>
               <a:rPr lang="en-US" smtClean="0"/>
               <a:t>Third level</a:t>
             </a:r>
           </a:p>
           <a:p>
-            <a:pPr lvl="3"/>
+            <a:pPr lvl="3" eaLnBrk="1" latinLnBrk="0" hangingPunct="1"/>
             <a:r>
               <a:rPr lang="en-US" smtClean="0"/>
               <a:t>Fourth level</a:t>
             </a:r>
           </a:p>
           <a:p>
-            <a:pPr lvl="4"/>
+            <a:pPr lvl="4" eaLnBrk="1" latinLnBrk="0" hangingPunct="1"/>
             <a:r>
               <a:rPr lang="en-US" smtClean="0"/>
               <a:t>Fifth level</a:t>
             </a:r>
-            <a:endParaRPr lang="en-US"/>
-          </a:p>
-        </p:txBody>
-      </p:sp>
-      <p:sp>
-        <p:nvSpPr>
-          <p:cNvPr id="4" name="Text Placeholder 3"/>
-          <p:cNvSpPr>
-            <a:spLocks noGrp="1"/>
-          </p:cNvSpPr>
-          <p:nvPr>
-            <p:ph type="body" sz="half" idx="2"/>
-          </p:nvPr>
-        </p:nvSpPr>
-        <p:spPr>
-          <a:xfrm>
-            <a:off x="457200" y="1435100"/>
-            <a:ext cx="3008313" cy="4691063"/>
+            <a:endParaRPr kumimoji="0" lang="en-US"/>
+          </a:p>
+        </p:txBody>
+      </p:sp>
+      <p:sp>
+        <p:nvSpPr>
+          <p:cNvPr id="5" name="Date Placeholder 4"/>
+          <p:cNvSpPr>
+            <a:spLocks noGrp="1"/>
+          </p:cNvSpPr>
+          <p:nvPr>
+            <p:ph type="dt" sz="half" idx="10"/>
+          </p:nvPr>
+        </p:nvSpPr>
+        <p:spPr>
+          <a:xfrm>
+            <a:off x="6278976" y="6556248"/>
+            <a:ext cx="2133600" cy="301752"/>
           </a:xfrm>
         </p:spPr>
         <p:txBody>
           <a:bodyPr/>
           <a:lstStyle>
-            <a:lvl1pPr marL="0" indent="0">
-              <a:buNone/>
-              <a:defRPr sz="1400"/>
+            <a:lvl1pPr>
+              <a:defRPr sz="900"/>
             </a:lvl1pPr>
-            <a:lvl2pPr marL="457200" indent="0">
-              <a:buNone/>
-              <a:defRPr sz="1200"/>
-            </a:lvl2pPr>
-            <a:lvl3pPr marL="914400" indent="0">
-              <a:buNone/>
-              <a:defRPr sz="1000"/>
-            </a:lvl3pPr>
-            <a:lvl4pPr marL="1371600" indent="0">
-              <a:buNone/>
-              <a:defRPr sz="900"/>
-            </a:lvl4pPr>
-            <a:lvl5pPr marL="1828800" indent="0">
-              <a:buNone/>
-              <a:defRPr sz="900"/>
-            </a:lvl5pPr>
-            <a:lvl6pPr marL="2286000" indent="0">
-              <a:buNone/>
-              <a:defRPr sz="900"/>
-            </a:lvl6pPr>
-            <a:lvl7pPr marL="2743200" indent="0">
-              <a:buNone/>
-              <a:defRPr sz="900"/>
-            </a:lvl7pPr>
-            <a:lvl8pPr marL="3200400" indent="0">
-              <a:buNone/>
-              <a:defRPr sz="900"/>
-            </a:lvl8pPr>
-            <a:lvl9pPr marL="3657600" indent="0">
-              <a:buNone/>
-              <a:defRPr sz="900"/>
-            </a:lvl9pPr>
           </a:lstStyle>
-          <a:p>
-            <a:pPr lvl="0"/>
-            <a:r>
-              <a:rPr lang="en-US" smtClean="0"/>
-              <a:t>Click to edit Master text styles</a:t>
-            </a:r>
-          </a:p>
-        </p:txBody>
-      </p:sp>
-      <p:sp>
-        <p:nvSpPr>
-          <p:cNvPr id="5" name="Date Placeholder 4"/>
-          <p:cNvSpPr>
-            <a:spLocks noGrp="1"/>
-          </p:cNvSpPr>
-          <p:nvPr>
-            <p:ph type="dt" sz="half" idx="10"/>
-          </p:nvPr>
-        </p:nvSpPr>
-        <p:spPr/>
-        <p:txBody>
-          <a:bodyPr/>
-          <a:lstStyle/>
           <a:p>
             <a:fld id="{1D8BD707-D9CF-40AE-B4C6-C98DA3205C09}" type="datetimeFigureOut">
               <a:rPr lang="en-US" smtClean="0"/>
@@ -2249,10 +2548,19 @@
             <p:ph type="ftr" sz="quarter" idx="11"/>
           </p:nvPr>
         </p:nvSpPr>
-        <p:spPr/>
+        <p:spPr>
+          <a:xfrm>
+            <a:off x="1135856" y="6556248"/>
+            <a:ext cx="5143120" cy="301752"/>
+          </a:xfrm>
+        </p:spPr>
         <p:txBody>
           <a:bodyPr/>
-          <a:lstStyle/>
+          <a:lstStyle>
+            <a:lvl1pPr>
+              <a:defRPr sz="900"/>
+            </a:lvl1pPr>
+          </a:lstStyle>
           <a:p>
             <a:endParaRPr lang="en-US"/>
           </a:p>
@@ -2268,10 +2576,19 @@
             <p:ph type="sldNum" sz="quarter" idx="12"/>
           </p:nvPr>
         </p:nvSpPr>
-        <p:spPr/>
+        <p:spPr>
+          <a:xfrm>
+            <a:off x="8410576" y="6556248"/>
+            <a:ext cx="502920" cy="301752"/>
+          </a:xfrm>
+        </p:spPr>
         <p:txBody>
           <a:bodyPr/>
-          <a:lstStyle/>
+          <a:lstStyle>
+            <a:lvl1pPr>
+              <a:defRPr sz="900"/>
+            </a:lvl1pPr>
+          </a:lstStyle>
           <a:p>
             <a:fld id="{B6F15528-21DE-4FAA-801E-634DDDAF4B2B}" type="slidenum">
               <a:rPr lang="en-US" smtClean="0"/>
@@ -2285,266 +2602,16 @@
     </p:spTree>
   </p:cSld>
   <p:clrMapOvr>
-    <a:masterClrMapping/>
+    <a:overrideClrMapping bg1="dk1" tx1="lt1" bg2="dk2" tx2="lt2" accent1="accent1" accent2="accent2" accent3="accent3" accent4="accent4" accent5="accent5" accent6="accent6" hlink="hlink" folHlink="folHlink"/>
   </p:clrMapOvr>
 </p:sldLayout>
 </file>
 
 <file path=ppt/slideLayouts/slideLayout9.xml><?xml version="1.0" encoding="utf-8"?>
-<p:sldLayout xmlns:a="http://schemas.openxmlformats.org/drawingml/2006/main" xmlns:r="http://schemas.openxmlformats.org/officeDocument/2006/relationships" xmlns:p="http://schemas.openxmlformats.org/presentationml/2006/main" type="picTx" preserve="1">
+<p:sldLayout xmlns:a="http://schemas.openxmlformats.org/drawingml/2006/main" xmlns:r="http://schemas.openxmlformats.org/officeDocument/2006/relationships" xmlns:p="http://schemas.openxmlformats.org/presentationml/2006/main" showMasterSp="0" type="picTx" preserve="1">
   <p:cSld name="Picture with Caption">
-    <p:spTree>
-      <p:nvGrpSpPr>
-        <p:cNvPr id="1" name=""/>
-        <p:cNvGrpSpPr/>
-        <p:nvPr/>
-      </p:nvGrpSpPr>
-      <p:grpSpPr>
-        <a:xfrm>
-          <a:off x="0" y="0"/>
-          <a:ext cx="0" cy="0"/>
-          <a:chOff x="0" y="0"/>
-          <a:chExt cx="0" cy="0"/>
-        </a:xfrm>
-      </p:grpSpPr>
-      <p:sp>
-        <p:nvSpPr>
-          <p:cNvPr id="2" name="Title 1"/>
-          <p:cNvSpPr>
-            <a:spLocks noGrp="1"/>
-          </p:cNvSpPr>
-          <p:nvPr>
-            <p:ph type="title"/>
-          </p:nvPr>
-        </p:nvSpPr>
-        <p:spPr>
-          <a:xfrm>
-            <a:off x="1792288" y="4800600"/>
-            <a:ext cx="5486400" cy="566738"/>
-          </a:xfrm>
-        </p:spPr>
-        <p:txBody>
-          <a:bodyPr anchor="b"/>
-          <a:lstStyle>
-            <a:lvl1pPr algn="l">
-              <a:defRPr sz="2000" b="1"/>
-            </a:lvl1pPr>
-          </a:lstStyle>
-          <a:p>
-            <a:r>
-              <a:rPr lang="en-US" smtClean="0"/>
-              <a:t>Click to edit Master title style</a:t>
-            </a:r>
-            <a:endParaRPr lang="en-US"/>
-          </a:p>
-        </p:txBody>
-      </p:sp>
-      <p:sp>
-        <p:nvSpPr>
-          <p:cNvPr id="3" name="Picture Placeholder 2"/>
-          <p:cNvSpPr>
-            <a:spLocks noGrp="1"/>
-          </p:cNvSpPr>
-          <p:nvPr>
-            <p:ph type="pic" idx="1"/>
-          </p:nvPr>
-        </p:nvSpPr>
-        <p:spPr>
-          <a:xfrm>
-            <a:off x="1792288" y="612775"/>
-            <a:ext cx="5486400" cy="4114800"/>
-          </a:xfrm>
-        </p:spPr>
-        <p:txBody>
-          <a:bodyPr/>
-          <a:lstStyle>
-            <a:lvl1pPr marL="0" indent="0">
-              <a:buNone/>
-              <a:defRPr sz="3200"/>
-            </a:lvl1pPr>
-            <a:lvl2pPr marL="457200" indent="0">
-              <a:buNone/>
-              <a:defRPr sz="2800"/>
-            </a:lvl2pPr>
-            <a:lvl3pPr marL="914400" indent="0">
-              <a:buNone/>
-              <a:defRPr sz="2400"/>
-            </a:lvl3pPr>
-            <a:lvl4pPr marL="1371600" indent="0">
-              <a:buNone/>
-              <a:defRPr sz="2000"/>
-            </a:lvl4pPr>
-            <a:lvl5pPr marL="1828800" indent="0">
-              <a:buNone/>
-              <a:defRPr sz="2000"/>
-            </a:lvl5pPr>
-            <a:lvl6pPr marL="2286000" indent="0">
-              <a:buNone/>
-              <a:defRPr sz="2000"/>
-            </a:lvl6pPr>
-            <a:lvl7pPr marL="2743200" indent="0">
-              <a:buNone/>
-              <a:defRPr sz="2000"/>
-            </a:lvl7pPr>
-            <a:lvl8pPr marL="3200400" indent="0">
-              <a:buNone/>
-              <a:defRPr sz="2000"/>
-            </a:lvl8pPr>
-            <a:lvl9pPr marL="3657600" indent="0">
-              <a:buNone/>
-              <a:defRPr sz="2000"/>
-            </a:lvl9pPr>
-          </a:lstStyle>
-          <a:p>
-            <a:endParaRPr lang="en-US"/>
-          </a:p>
-        </p:txBody>
-      </p:sp>
-      <p:sp>
-        <p:nvSpPr>
-          <p:cNvPr id="4" name="Text Placeholder 3"/>
-          <p:cNvSpPr>
-            <a:spLocks noGrp="1"/>
-          </p:cNvSpPr>
-          <p:nvPr>
-            <p:ph type="body" sz="half" idx="2"/>
-          </p:nvPr>
-        </p:nvSpPr>
-        <p:spPr>
-          <a:xfrm>
-            <a:off x="1792288" y="5367338"/>
-            <a:ext cx="5486400" cy="804862"/>
-          </a:xfrm>
-        </p:spPr>
-        <p:txBody>
-          <a:bodyPr/>
-          <a:lstStyle>
-            <a:lvl1pPr marL="0" indent="0">
-              <a:buNone/>
-              <a:defRPr sz="1400"/>
-            </a:lvl1pPr>
-            <a:lvl2pPr marL="457200" indent="0">
-              <a:buNone/>
-              <a:defRPr sz="1200"/>
-            </a:lvl2pPr>
-            <a:lvl3pPr marL="914400" indent="0">
-              <a:buNone/>
-              <a:defRPr sz="1000"/>
-            </a:lvl3pPr>
-            <a:lvl4pPr marL="1371600" indent="0">
-              <a:buNone/>
-              <a:defRPr sz="900"/>
-            </a:lvl4pPr>
-            <a:lvl5pPr marL="1828800" indent="0">
-              <a:buNone/>
-              <a:defRPr sz="900"/>
-            </a:lvl5pPr>
-            <a:lvl6pPr marL="2286000" indent="0">
-              <a:buNone/>
-              <a:defRPr sz="900"/>
-            </a:lvl6pPr>
-            <a:lvl7pPr marL="2743200" indent="0">
-              <a:buNone/>
-              <a:defRPr sz="900"/>
-            </a:lvl7pPr>
-            <a:lvl8pPr marL="3200400" indent="0">
-              <a:buNone/>
-              <a:defRPr sz="900"/>
-            </a:lvl8pPr>
-            <a:lvl9pPr marL="3657600" indent="0">
-              <a:buNone/>
-              <a:defRPr sz="900"/>
-            </a:lvl9pPr>
-          </a:lstStyle>
-          <a:p>
-            <a:pPr lvl="0"/>
-            <a:r>
-              <a:rPr lang="en-US" smtClean="0"/>
-              <a:t>Click to edit Master text styles</a:t>
-            </a:r>
-          </a:p>
-        </p:txBody>
-      </p:sp>
-      <p:sp>
-        <p:nvSpPr>
-          <p:cNvPr id="5" name="Date Placeholder 4"/>
-          <p:cNvSpPr>
-            <a:spLocks noGrp="1"/>
-          </p:cNvSpPr>
-          <p:nvPr>
-            <p:ph type="dt" sz="half" idx="10"/>
-          </p:nvPr>
-        </p:nvSpPr>
-        <p:spPr/>
-        <p:txBody>
-          <a:bodyPr/>
-          <a:lstStyle/>
-          <a:p>
-            <a:fld id="{1D8BD707-D9CF-40AE-B4C6-C98DA3205C09}" type="datetimeFigureOut">
-              <a:rPr lang="en-US" smtClean="0"/>
-              <a:pPr/>
-              <a:t>2/28/2022</a:t>
-            </a:fld>
-            <a:endParaRPr lang="en-US"/>
-          </a:p>
-        </p:txBody>
-      </p:sp>
-      <p:sp>
-        <p:nvSpPr>
-          <p:cNvPr id="6" name="Footer Placeholder 5"/>
-          <p:cNvSpPr>
-            <a:spLocks noGrp="1"/>
-          </p:cNvSpPr>
-          <p:nvPr>
-            <p:ph type="ftr" sz="quarter" idx="11"/>
-          </p:nvPr>
-        </p:nvSpPr>
-        <p:spPr/>
-        <p:txBody>
-          <a:bodyPr/>
-          <a:lstStyle/>
-          <a:p>
-            <a:endParaRPr lang="en-US"/>
-          </a:p>
-        </p:txBody>
-      </p:sp>
-      <p:sp>
-        <p:nvSpPr>
-          <p:cNvPr id="7" name="Slide Number Placeholder 6"/>
-          <p:cNvSpPr>
-            <a:spLocks noGrp="1"/>
-          </p:cNvSpPr>
-          <p:nvPr>
-            <p:ph type="sldNum" sz="quarter" idx="12"/>
-          </p:nvPr>
-        </p:nvSpPr>
-        <p:spPr/>
-        <p:txBody>
-          <a:bodyPr/>
-          <a:lstStyle/>
-          <a:p>
-            <a:fld id="{B6F15528-21DE-4FAA-801E-634DDDAF4B2B}" type="slidenum">
-              <a:rPr lang="en-US" smtClean="0"/>
-              <a:pPr/>
-              <a:t>‹#›</a:t>
-            </a:fld>
-            <a:endParaRPr lang="en-US"/>
-          </a:p>
-        </p:txBody>
-      </p:sp>
-    </p:spTree>
-  </p:cSld>
-  <p:clrMapOvr>
-    <a:masterClrMapping/>
-  </p:clrMapOvr>
-</p:sldLayout>
-</file>
-
-<file path=ppt/slideMasters/slideMaster1.xml><?xml version="1.0" encoding="utf-8"?>
-<p:sldMaster xmlns:a="http://schemas.openxmlformats.org/drawingml/2006/main" xmlns:r="http://schemas.openxmlformats.org/officeDocument/2006/relationships" xmlns:p="http://schemas.openxmlformats.org/presentationml/2006/main">
-  <p:cSld>
     <p:bg>
-      <p:bgRef idx="1001">
+      <p:bgRef idx="1002">
         <a:schemeClr val="bg1"/>
       </p:bgRef>
     </p:bg>
@@ -2564,7 +2631,7 @@
       </p:grpSpPr>
       <p:sp>
         <p:nvSpPr>
-          <p:cNvPr id="2" name="Title Placeholder 1"/>
+          <p:cNvPr id="2" name="Title 1"/>
           <p:cNvSpPr>
             <a:spLocks noGrp="1"/>
           </p:cNvSpPr>
@@ -2574,119 +2641,145 @@
         </p:nvSpPr>
         <p:spPr>
           <a:xfrm>
-            <a:off x="457200" y="274638"/>
-            <a:ext cx="8229600" cy="1143000"/>
-          </a:xfrm>
-          <a:prstGeom prst="rect">
-            <a:avLst/>
-          </a:prstGeom>
-        </p:spPr>
-        <p:txBody>
-          <a:bodyPr vert="horz" lIns="91440" tIns="45720" rIns="91440" bIns="45720" rtlCol="0" anchor="ctr">
-            <a:normAutofit/>
-          </a:bodyPr>
-          <a:lstStyle/>
-          <a:p>
-            <a:r>
-              <a:rPr lang="en-US" smtClean="0"/>
+            <a:off x="219456" y="150896"/>
+            <a:ext cx="914400" cy="6400800"/>
+          </a:xfrm>
+        </p:spPr>
+        <p:txBody>
+          <a:bodyPr vert="vert270" anchor="b"/>
+          <a:lstStyle>
+            <a:lvl1pPr marL="0" algn="l">
+              <a:buNone/>
+              <a:defRPr sz="3000" b="0" cap="all" baseline="0"/>
+            </a:lvl1pPr>
+          </a:lstStyle>
+          <a:p>
+            <a:r>
+              <a:rPr kumimoji="0" lang="en-US" smtClean="0"/>
               <a:t>Click to edit Master title style</a:t>
             </a:r>
-            <a:endParaRPr lang="en-US"/>
-          </a:p>
-        </p:txBody>
-      </p:sp>
-      <p:sp>
-        <p:nvSpPr>
-          <p:cNvPr id="3" name="Text Placeholder 2"/>
-          <p:cNvSpPr>
-            <a:spLocks noGrp="1"/>
-          </p:cNvSpPr>
-          <p:nvPr>
-            <p:ph type="body" idx="1"/>
-          </p:nvPr>
-        </p:nvSpPr>
-        <p:spPr>
-          <a:xfrm>
-            <a:off x="457200" y="1600200"/>
-            <a:ext cx="8229600" cy="4525963"/>
-          </a:xfrm>
-          <a:prstGeom prst="rect">
-            <a:avLst/>
-          </a:prstGeom>
-        </p:spPr>
-        <p:txBody>
-          <a:bodyPr vert="horz" lIns="91440" tIns="45720" rIns="91440" bIns="45720" rtlCol="0">
-            <a:normAutofit/>
-          </a:bodyPr>
-          <a:lstStyle/>
-          <a:p>
-            <a:pPr lvl="0"/>
-            <a:r>
-              <a:rPr lang="en-US" smtClean="0"/>
+            <a:endParaRPr kumimoji="0" lang="en-US"/>
+          </a:p>
+        </p:txBody>
+      </p:sp>
+      <p:sp>
+        <p:nvSpPr>
+          <p:cNvPr id="3" name="Picture Placeholder 2"/>
+          <p:cNvSpPr>
+            <a:spLocks noGrp="1"/>
+          </p:cNvSpPr>
+          <p:nvPr>
+            <p:ph type="pic" idx="1"/>
+          </p:nvPr>
+        </p:nvSpPr>
+        <p:spPr>
+          <a:xfrm>
+            <a:off x="1138237" y="373966"/>
+            <a:ext cx="7333488" cy="5486400"/>
+          </a:xfrm>
+          <a:solidFill>
+            <a:schemeClr val="bg2">
+              <a:shade val="50000"/>
+            </a:schemeClr>
+          </a:solidFill>
+        </p:spPr>
+        <p:txBody>
+          <a:bodyPr/>
+          <a:lstStyle>
+            <a:lvl1pPr marL="0" indent="0">
+              <a:buNone/>
+              <a:defRPr sz="3200"/>
+            </a:lvl1pPr>
+          </a:lstStyle>
+          <a:p>
+            <a:r>
+              <a:rPr kumimoji="0" lang="en-US" smtClean="0"/>
+              <a:t>Click icon to add picture</a:t>
+            </a:r>
+            <a:endParaRPr kumimoji="0" lang="en-US" dirty="0"/>
+          </a:p>
+        </p:txBody>
+      </p:sp>
+      <p:sp>
+        <p:nvSpPr>
+          <p:cNvPr id="4" name="Text Placeholder 3"/>
+          <p:cNvSpPr>
+            <a:spLocks noGrp="1"/>
+          </p:cNvSpPr>
+          <p:nvPr>
+            <p:ph type="body" sz="half" idx="2"/>
+          </p:nvPr>
+        </p:nvSpPr>
+        <p:spPr>
+          <a:xfrm>
+            <a:off x="1143000" y="5867400"/>
+            <a:ext cx="7333488" cy="685800"/>
+          </a:xfrm>
+          <a:solidFill>
+            <a:schemeClr val="accent1">
+              <a:alpha val="15000"/>
+            </a:schemeClr>
+          </a:solidFill>
+          <a:ln>
+            <a:solidFill>
+              <a:schemeClr val="accent1"/>
+            </a:solidFill>
+            <a:miter lim="800000"/>
+          </a:ln>
+        </p:spPr>
+        <p:txBody>
+          <a:bodyPr/>
+          <a:lstStyle>
+            <a:lvl1pPr marL="0" indent="0">
+              <a:spcBef>
+                <a:spcPts val="0"/>
+              </a:spcBef>
+              <a:buNone/>
+              <a:defRPr sz="1400"/>
+            </a:lvl1pPr>
+            <a:lvl2pPr>
+              <a:defRPr sz="1200"/>
+            </a:lvl2pPr>
+            <a:lvl3pPr>
+              <a:defRPr sz="1000"/>
+            </a:lvl3pPr>
+            <a:lvl4pPr>
+              <a:defRPr sz="900"/>
+            </a:lvl4pPr>
+            <a:lvl5pPr>
+              <a:defRPr sz="900"/>
+            </a:lvl5pPr>
+          </a:lstStyle>
+          <a:p>
+            <a:pPr lvl="0" eaLnBrk="1" latinLnBrk="0" hangingPunct="1"/>
+            <a:r>
+              <a:rPr kumimoji="0" lang="en-US" smtClean="0"/>
               <a:t>Click to edit Master text styles</a:t>
             </a:r>
           </a:p>
-          <a:p>
-            <a:pPr lvl="1"/>
-            <a:r>
-              <a:rPr lang="en-US" smtClean="0"/>
-              <a:t>Second level</a:t>
-            </a:r>
-          </a:p>
-          <a:p>
-            <a:pPr lvl="2"/>
-            <a:r>
-              <a:rPr lang="en-US" smtClean="0"/>
-              <a:t>Third level</a:t>
-            </a:r>
-          </a:p>
-          <a:p>
-            <a:pPr lvl="3"/>
-            <a:r>
-              <a:rPr lang="en-US" smtClean="0"/>
-              <a:t>Fourth level</a:t>
-            </a:r>
-          </a:p>
-          <a:p>
-            <a:pPr lvl="4"/>
-            <a:r>
-              <a:rPr lang="en-US" smtClean="0"/>
-              <a:t>Fifth level</a:t>
-            </a:r>
-            <a:endParaRPr lang="en-US"/>
-          </a:p>
-        </p:txBody>
-      </p:sp>
-      <p:sp>
-        <p:nvSpPr>
-          <p:cNvPr id="4" name="Date Placeholder 3"/>
-          <p:cNvSpPr>
-            <a:spLocks noGrp="1"/>
-          </p:cNvSpPr>
-          <p:nvPr>
-            <p:ph type="dt" sz="half" idx="2"/>
-          </p:nvPr>
-        </p:nvSpPr>
-        <p:spPr>
-          <a:xfrm>
-            <a:off x="457200" y="6356350"/>
-            <a:ext cx="2133600" cy="365125"/>
-          </a:xfrm>
-          <a:prstGeom prst="rect">
-            <a:avLst/>
-          </a:prstGeom>
-        </p:spPr>
-        <p:txBody>
-          <a:bodyPr vert="horz" lIns="91440" tIns="45720" rIns="91440" bIns="45720" rtlCol="0" anchor="ctr"/>
+        </p:txBody>
+      </p:sp>
+      <p:sp>
+        <p:nvSpPr>
+          <p:cNvPr id="5" name="Date Placeholder 4"/>
+          <p:cNvSpPr>
+            <a:spLocks noGrp="1"/>
+          </p:cNvSpPr>
+          <p:nvPr>
+            <p:ph type="dt" sz="half" idx="10"/>
+          </p:nvPr>
+        </p:nvSpPr>
+        <p:spPr>
+          <a:xfrm>
+            <a:off x="6108192" y="6556248"/>
+            <a:ext cx="2103120" cy="301752"/>
+          </a:xfrm>
+        </p:spPr>
+        <p:txBody>
+          <a:bodyPr/>
           <a:lstStyle>
-            <a:lvl1pPr algn="l">
-              <a:defRPr sz="1200">
-                <a:solidFill>
-                  <a:schemeClr val="tx1">
-                    <a:tint val="75000"/>
-                  </a:schemeClr>
-                </a:solidFill>
-              </a:defRPr>
+            <a:lvl1pPr>
+              <a:defRPr sz="900"/>
             </a:lvl1pPr>
           </a:lstStyle>
           <a:p>
@@ -2701,71 +2794,53 @@
       </p:sp>
       <p:sp>
         <p:nvSpPr>
-          <p:cNvPr id="5" name="Footer Placeholder 4"/>
-          <p:cNvSpPr>
-            <a:spLocks noGrp="1"/>
-          </p:cNvSpPr>
-          <p:nvPr>
-            <p:ph type="ftr" sz="quarter" idx="3"/>
-          </p:nvPr>
-        </p:nvSpPr>
-        <p:spPr>
-          <a:xfrm>
-            <a:off x="3124200" y="6356350"/>
-            <a:ext cx="2895600" cy="365125"/>
-          </a:xfrm>
-          <a:prstGeom prst="rect">
-            <a:avLst/>
-          </a:prstGeom>
-        </p:spPr>
-        <p:txBody>
-          <a:bodyPr vert="horz" lIns="91440" tIns="45720" rIns="91440" bIns="45720" rtlCol="0" anchor="ctr"/>
+          <p:cNvPr id="6" name="Footer Placeholder 5"/>
+          <p:cNvSpPr>
+            <a:spLocks noGrp="1"/>
+          </p:cNvSpPr>
+          <p:nvPr>
+            <p:ph type="ftr" sz="quarter" idx="11"/>
+          </p:nvPr>
+        </p:nvSpPr>
+        <p:spPr>
+          <a:xfrm>
+            <a:off x="1170432" y="6557169"/>
+            <a:ext cx="4948072" cy="301752"/>
+          </a:xfrm>
+        </p:spPr>
+        <p:txBody>
+          <a:bodyPr/>
+          <a:lstStyle>
+            <a:lvl1pPr>
+              <a:defRPr sz="900"/>
+            </a:lvl1pPr>
+          </a:lstStyle>
+          <a:p>
+            <a:endParaRPr lang="en-US"/>
+          </a:p>
+        </p:txBody>
+      </p:sp>
+      <p:sp>
+        <p:nvSpPr>
+          <p:cNvPr id="7" name="Slide Number Placeholder 6"/>
+          <p:cNvSpPr>
+            <a:spLocks noGrp="1"/>
+          </p:cNvSpPr>
+          <p:nvPr>
+            <p:ph type="sldNum" sz="quarter" idx="12"/>
+          </p:nvPr>
+        </p:nvSpPr>
+        <p:spPr>
+          <a:xfrm>
+            <a:off x="8217192" y="6556248"/>
+            <a:ext cx="365760" cy="301752"/>
+          </a:xfrm>
+        </p:spPr>
+        <p:txBody>
+          <a:bodyPr/>
           <a:lstStyle>
             <a:lvl1pPr algn="ctr">
-              <a:defRPr sz="1200">
-                <a:solidFill>
-                  <a:schemeClr val="tx1">
-                    <a:tint val="75000"/>
-                  </a:schemeClr>
-                </a:solidFill>
-              </a:defRPr>
-            </a:lvl1pPr>
-          </a:lstStyle>
-          <a:p>
-            <a:endParaRPr lang="en-US"/>
-          </a:p>
-        </p:txBody>
-      </p:sp>
-      <p:sp>
-        <p:nvSpPr>
-          <p:cNvPr id="6" name="Slide Number Placeholder 5"/>
-          <p:cNvSpPr>
-            <a:spLocks noGrp="1"/>
-          </p:cNvSpPr>
-          <p:nvPr>
-            <p:ph type="sldNum" sz="quarter" idx="4"/>
-          </p:nvPr>
-        </p:nvSpPr>
-        <p:spPr>
-          <a:xfrm>
-            <a:off x="6553200" y="6356350"/>
-            <a:ext cx="2133600" cy="365125"/>
-          </a:xfrm>
-          <a:prstGeom prst="rect">
-            <a:avLst/>
-          </a:prstGeom>
-        </p:spPr>
-        <p:txBody>
-          <a:bodyPr vert="horz" lIns="91440" tIns="45720" rIns="91440" bIns="45720" rtlCol="0" anchor="ctr"/>
-          <a:lstStyle>
-            <a:lvl1pPr algn="r">
-              <a:defRPr sz="1200">
-                <a:solidFill>
-                  <a:schemeClr val="tx1">
-                    <a:tint val="75000"/>
-                  </a:schemeClr>
-                </a:solidFill>
-              </a:defRPr>
+              <a:defRPr sz="900"/>
             </a:lvl1pPr>
           </a:lstStyle>
           <a:p>
@@ -2780,31 +2855,436 @@
       </p:sp>
     </p:spTree>
   </p:cSld>
-  <p:clrMap bg1="lt1" tx1="dk1" bg2="lt2" tx2="dk2" accent1="accent1" accent2="accent2" accent3="accent3" accent4="accent4" accent5="accent5" accent6="accent6" hlink="hlink" folHlink="folHlink"/>
+  <p:clrMapOvr>
+    <a:overrideClrMapping bg1="dk1" tx1="lt1" bg2="dk2" tx2="lt2" accent1="accent1" accent2="accent2" accent3="accent3" accent4="accent4" accent5="accent5" accent6="accent6" hlink="hlink" folHlink="folHlink"/>
+  </p:clrMapOvr>
+</p:sldLayout>
+</file>
+
+<file path=ppt/slideMasters/slideMaster1.xml><?xml version="1.0" encoding="utf-8"?>
+<p:sldMaster xmlns:a="http://schemas.openxmlformats.org/drawingml/2006/main" xmlns:r="http://schemas.openxmlformats.org/officeDocument/2006/relationships" xmlns:p="http://schemas.openxmlformats.org/presentationml/2006/main">
+  <p:cSld>
+    <p:bg>
+      <p:bgRef idx="1002">
+        <a:schemeClr val="bg2"/>
+      </p:bgRef>
+    </p:bg>
+    <p:spTree>
+      <p:nvGrpSpPr>
+        <p:cNvPr id="1" name=""/>
+        <p:cNvGrpSpPr/>
+        <p:nvPr/>
+      </p:nvGrpSpPr>
+      <p:grpSpPr>
+        <a:xfrm>
+          <a:off x="0" y="0"/>
+          <a:ext cx="0" cy="0"/>
+          <a:chOff x="0" y="0"/>
+          <a:chExt cx="0" cy="0"/>
+        </a:xfrm>
+      </p:grpSpPr>
+      <p:sp>
+        <p:nvSpPr>
+          <p:cNvPr id="11" name="Right Triangle 10"/>
+          <p:cNvSpPr/>
+          <p:nvPr/>
+        </p:nvSpPr>
+        <p:spPr>
+          <a:xfrm>
+            <a:off x="7034" y="14068"/>
+            <a:ext cx="9129932" cy="6836899"/>
+          </a:xfrm>
+          <a:prstGeom prst="rtTriangle">
+            <a:avLst/>
+          </a:prstGeom>
+          <a:gradFill flip="none" rotWithShape="1">
+            <a:gsLst>
+              <a:gs pos="0">
+                <a:schemeClr val="tx2">
+                  <a:alpha val="10000"/>
+                </a:schemeClr>
+              </a:gs>
+              <a:gs pos="70000">
+                <a:schemeClr val="tx2">
+                  <a:alpha val="8000"/>
+                </a:schemeClr>
+              </a:gs>
+              <a:gs pos="100000">
+                <a:schemeClr val="tx2">
+                  <a:alpha val="1000"/>
+                </a:schemeClr>
+              </a:gs>
+            </a:gsLst>
+            <a:lin ang="8000000" scaled="1"/>
+            <a:tileRect/>
+          </a:gradFill>
+          <a:ln w="38100" cap="rnd" cmpd="sng" algn="ctr">
+            <a:noFill/>
+            <a:prstDash val="solid"/>
+          </a:ln>
+          <a:effectLst/>
+        </p:spPr>
+        <p:style>
+          <a:lnRef idx="3">
+            <a:schemeClr val="lt1"/>
+          </a:lnRef>
+          <a:fillRef idx="1">
+            <a:schemeClr val="accent1"/>
+          </a:fillRef>
+          <a:effectRef idx="1">
+            <a:schemeClr val="accent1"/>
+          </a:effectRef>
+          <a:fontRef idx="minor">
+            <a:schemeClr val="lt1"/>
+          </a:fontRef>
+        </p:style>
+        <p:txBody>
+          <a:bodyPr anchor="ctr"/>
+          <a:lstStyle/>
+          <a:p>
+            <a:pPr algn="ctr" eaLnBrk="1" latinLnBrk="0" hangingPunct="1"/>
+            <a:endParaRPr kumimoji="0" lang="en-US"/>
+          </a:p>
+        </p:txBody>
+      </p:sp>
+      <p:cxnSp>
+        <p:nvCxnSpPr>
+          <p:cNvPr id="8" name="Straight Connector 7"/>
+          <p:cNvCxnSpPr/>
+          <p:nvPr/>
+        </p:nvCxnSpPr>
+        <p:spPr>
+          <a:xfrm>
+            <a:off x="0" y="7034"/>
+            <a:ext cx="9136966" cy="6843933"/>
+          </a:xfrm>
+          <a:prstGeom prst="line">
+            <a:avLst/>
+          </a:prstGeom>
+          <a:noFill/>
+          <a:ln w="5000" cap="rnd" cmpd="sng" algn="ctr">
+            <a:solidFill>
+              <a:schemeClr val="bg2">
+                <a:tint val="55000"/>
+                <a:satMod val="200000"/>
+                <a:alpha val="35000"/>
+              </a:schemeClr>
+            </a:solidFill>
+            <a:prstDash val="solid"/>
+          </a:ln>
+          <a:effectLst/>
+        </p:spPr>
+        <p:style>
+          <a:lnRef idx="2">
+            <a:schemeClr val="accent1"/>
+          </a:lnRef>
+          <a:fillRef idx="0">
+            <a:schemeClr val="accent1"/>
+          </a:fillRef>
+          <a:effectRef idx="1">
+            <a:schemeClr val="accent1"/>
+          </a:effectRef>
+          <a:fontRef idx="minor">
+            <a:schemeClr val="tx1"/>
+          </a:fontRef>
+        </p:style>
+      </p:cxnSp>
+      <p:cxnSp>
+        <p:nvCxnSpPr>
+          <p:cNvPr id="9" name="Straight Connector 8"/>
+          <p:cNvCxnSpPr/>
+          <p:nvPr/>
+        </p:nvCxnSpPr>
+        <p:spPr>
+          <a:xfrm rot="10800000" flipV="1">
+            <a:off x="6468794" y="4948410"/>
+            <a:ext cx="2672861" cy="1900210"/>
+          </a:xfrm>
+          <a:prstGeom prst="line">
+            <a:avLst/>
+          </a:prstGeom>
+          <a:noFill/>
+          <a:ln w="6000" cap="rnd" cmpd="sng" algn="ctr">
+            <a:solidFill>
+              <a:schemeClr val="bg2">
+                <a:tint val="50000"/>
+                <a:satMod val="200000"/>
+                <a:alpha val="45000"/>
+              </a:schemeClr>
+            </a:solidFill>
+            <a:prstDash val="solid"/>
+          </a:ln>
+          <a:effectLst/>
+        </p:spPr>
+        <p:style>
+          <a:lnRef idx="2">
+            <a:schemeClr val="accent1"/>
+          </a:lnRef>
+          <a:fillRef idx="0">
+            <a:schemeClr val="accent1"/>
+          </a:fillRef>
+          <a:effectRef idx="1">
+            <a:schemeClr val="accent1"/>
+          </a:effectRef>
+          <a:fontRef idx="minor">
+            <a:schemeClr val="tx1"/>
+          </a:fontRef>
+        </p:style>
+      </p:cxnSp>
+      <p:sp>
+        <p:nvSpPr>
+          <p:cNvPr id="22" name="Title Placeholder 21"/>
+          <p:cNvSpPr>
+            <a:spLocks noGrp="1"/>
+          </p:cNvSpPr>
+          <p:nvPr>
+            <p:ph type="title"/>
+          </p:nvPr>
+        </p:nvSpPr>
+        <p:spPr>
+          <a:xfrm>
+            <a:off x="457200" y="267494"/>
+            <a:ext cx="8229600" cy="1399032"/>
+          </a:xfrm>
+          <a:prstGeom prst="rect">
+            <a:avLst/>
+          </a:prstGeom>
+        </p:spPr>
+        <p:txBody>
+          <a:bodyPr vert="horz" anchor="ctr">
+            <a:normAutofit/>
+          </a:bodyPr>
+          <a:lstStyle/>
+          <a:p>
+            <a:r>
+              <a:rPr kumimoji="0" lang="en-US" smtClean="0"/>
+              <a:t>Click to edit Master title style</a:t>
+            </a:r>
+            <a:endParaRPr kumimoji="0" lang="en-US"/>
+          </a:p>
+        </p:txBody>
+      </p:sp>
+      <p:sp>
+        <p:nvSpPr>
+          <p:cNvPr id="13" name="Text Placeholder 12"/>
+          <p:cNvSpPr>
+            <a:spLocks noGrp="1"/>
+          </p:cNvSpPr>
+          <p:nvPr>
+            <p:ph type="body" idx="1"/>
+          </p:nvPr>
+        </p:nvSpPr>
+        <p:spPr>
+          <a:xfrm>
+            <a:off x="457200" y="1882808"/>
+            <a:ext cx="8229600" cy="4572000"/>
+          </a:xfrm>
+          <a:prstGeom prst="rect">
+            <a:avLst/>
+          </a:prstGeom>
+        </p:spPr>
+        <p:txBody>
+          <a:bodyPr vert="horz" anchor="t">
+            <a:normAutofit/>
+          </a:bodyPr>
+          <a:lstStyle/>
+          <a:p>
+            <a:pPr lvl="0" eaLnBrk="1" latinLnBrk="0" hangingPunct="1"/>
+            <a:r>
+              <a:rPr kumimoji="0" lang="en-US" smtClean="0"/>
+              <a:t>Click to edit Master text styles</a:t>
+            </a:r>
+          </a:p>
+          <a:p>
+            <a:pPr lvl="1" eaLnBrk="1" latinLnBrk="0" hangingPunct="1"/>
+            <a:r>
+              <a:rPr kumimoji="0" lang="en-US" smtClean="0"/>
+              <a:t>Second level</a:t>
+            </a:r>
+          </a:p>
+          <a:p>
+            <a:pPr lvl="2" eaLnBrk="1" latinLnBrk="0" hangingPunct="1"/>
+            <a:r>
+              <a:rPr kumimoji="0" lang="en-US" smtClean="0"/>
+              <a:t>Third level</a:t>
+            </a:r>
+          </a:p>
+          <a:p>
+            <a:pPr lvl="3" eaLnBrk="1" latinLnBrk="0" hangingPunct="1"/>
+            <a:r>
+              <a:rPr kumimoji="0" lang="en-US" smtClean="0"/>
+              <a:t>Fourth level</a:t>
+            </a:r>
+          </a:p>
+          <a:p>
+            <a:pPr lvl="4" eaLnBrk="1" latinLnBrk="0" hangingPunct="1"/>
+            <a:r>
+              <a:rPr kumimoji="0" lang="en-US" smtClean="0"/>
+              <a:t>Fifth level</a:t>
+            </a:r>
+            <a:endParaRPr kumimoji="0" lang="en-US"/>
+          </a:p>
+        </p:txBody>
+      </p:sp>
+      <p:sp>
+        <p:nvSpPr>
+          <p:cNvPr id="14" name="Date Placeholder 13"/>
+          <p:cNvSpPr>
+            <a:spLocks noGrp="1"/>
+          </p:cNvSpPr>
+          <p:nvPr>
+            <p:ph type="dt" sz="half" idx="2"/>
+          </p:nvPr>
+        </p:nvSpPr>
+        <p:spPr>
+          <a:xfrm>
+            <a:off x="4791456" y="6480969"/>
+            <a:ext cx="2133600" cy="301752"/>
+          </a:xfrm>
+          <a:prstGeom prst="rect">
+            <a:avLst/>
+          </a:prstGeom>
+        </p:spPr>
+        <p:txBody>
+          <a:bodyPr vert="horz" anchor="b"/>
+          <a:lstStyle>
+            <a:lvl1pPr algn="l" eaLnBrk="1" latinLnBrk="0" hangingPunct="1">
+              <a:defRPr kumimoji="0" sz="1000" b="0">
+                <a:solidFill>
+                  <a:schemeClr val="tx1"/>
+                </a:solidFill>
+              </a:defRPr>
+            </a:lvl1pPr>
+          </a:lstStyle>
+          <a:p>
+            <a:fld id="{1D8BD707-D9CF-40AE-B4C6-C98DA3205C09}" type="datetimeFigureOut">
+              <a:rPr lang="en-US" smtClean="0"/>
+              <a:pPr/>
+              <a:t>2/28/2022</a:t>
+            </a:fld>
+            <a:endParaRPr lang="en-US"/>
+          </a:p>
+        </p:txBody>
+      </p:sp>
+      <p:sp>
+        <p:nvSpPr>
+          <p:cNvPr id="3" name="Footer Placeholder 2"/>
+          <p:cNvSpPr>
+            <a:spLocks noGrp="1"/>
+          </p:cNvSpPr>
+          <p:nvPr>
+            <p:ph type="ftr" sz="quarter" idx="3"/>
+          </p:nvPr>
+        </p:nvSpPr>
+        <p:spPr>
+          <a:xfrm>
+            <a:off x="457200" y="6481890"/>
+            <a:ext cx="4260056" cy="300831"/>
+          </a:xfrm>
+          <a:prstGeom prst="rect">
+            <a:avLst/>
+          </a:prstGeom>
+        </p:spPr>
+        <p:txBody>
+          <a:bodyPr vert="horz" anchor="b"/>
+          <a:lstStyle>
+            <a:lvl1pPr algn="r" eaLnBrk="1" latinLnBrk="0" hangingPunct="1">
+              <a:defRPr kumimoji="0" sz="1000">
+                <a:solidFill>
+                  <a:schemeClr val="tx1"/>
+                </a:solidFill>
+              </a:defRPr>
+            </a:lvl1pPr>
+          </a:lstStyle>
+          <a:p>
+            <a:endParaRPr lang="en-US"/>
+          </a:p>
+        </p:txBody>
+      </p:sp>
+      <p:sp>
+        <p:nvSpPr>
+          <p:cNvPr id="23" name="Slide Number Placeholder 22"/>
+          <p:cNvSpPr>
+            <a:spLocks noGrp="1"/>
+          </p:cNvSpPr>
+          <p:nvPr>
+            <p:ph type="sldNum" sz="quarter" idx="4"/>
+          </p:nvPr>
+        </p:nvSpPr>
+        <p:spPr>
+          <a:xfrm>
+            <a:off x="7589520" y="6480969"/>
+            <a:ext cx="502920" cy="301752"/>
+          </a:xfrm>
+          <a:prstGeom prst="rect">
+            <a:avLst/>
+          </a:prstGeom>
+        </p:spPr>
+        <p:txBody>
+          <a:bodyPr vert="horz" anchor="b"/>
+          <a:lstStyle>
+            <a:lvl1pPr algn="ctr" eaLnBrk="1" latinLnBrk="0" hangingPunct="1">
+              <a:defRPr kumimoji="0" sz="1200">
+                <a:solidFill>
+                  <a:schemeClr val="tx1"/>
+                </a:solidFill>
+              </a:defRPr>
+            </a:lvl1pPr>
+          </a:lstStyle>
+          <a:p>
+            <a:fld id="{B6F15528-21DE-4FAA-801E-634DDDAF4B2B}" type="slidenum">
+              <a:rPr lang="en-US" smtClean="0"/>
+              <a:pPr/>
+              <a:t>‹#›</a:t>
+            </a:fld>
+            <a:endParaRPr lang="en-US"/>
+          </a:p>
+        </p:txBody>
+      </p:sp>
+    </p:spTree>
+  </p:cSld>
+  <p:clrMap bg1="dk1" tx1="lt1" bg2="dk2" tx2="lt2" accent1="accent1" accent2="accent2" accent3="accent3" accent4="accent4" accent5="accent5" accent6="accent6" hlink="hlink" folHlink="folHlink"/>
   <p:sldLayoutIdLst>
-    <p:sldLayoutId id="2147483649" r:id="rId1"/>
-    <p:sldLayoutId id="2147483650" r:id="rId2"/>
-    <p:sldLayoutId id="2147483651" r:id="rId3"/>
-    <p:sldLayoutId id="2147483652" r:id="rId4"/>
-    <p:sldLayoutId id="2147483653" r:id="rId5"/>
-    <p:sldLayoutId id="2147483654" r:id="rId6"/>
-    <p:sldLayoutId id="2147483655" r:id="rId7"/>
-    <p:sldLayoutId id="2147483656" r:id="rId8"/>
-    <p:sldLayoutId id="2147483657" r:id="rId9"/>
-    <p:sldLayoutId id="2147483658" r:id="rId10"/>
-    <p:sldLayoutId id="2147483659" r:id="rId11"/>
+    <p:sldLayoutId id="2147483745" r:id="rId1"/>
+    <p:sldLayoutId id="2147483746" r:id="rId2"/>
+    <p:sldLayoutId id="2147483747" r:id="rId3"/>
+    <p:sldLayoutId id="2147483748" r:id="rId4"/>
+    <p:sldLayoutId id="2147483749" r:id="rId5"/>
+    <p:sldLayoutId id="2147483750" r:id="rId6"/>
+    <p:sldLayoutId id="2147483751" r:id="rId7"/>
+    <p:sldLayoutId id="2147483752" r:id="rId8"/>
+    <p:sldLayoutId id="2147483753" r:id="rId9"/>
+    <p:sldLayoutId id="2147483754" r:id="rId10"/>
+    <p:sldLayoutId id="2147483755" r:id="rId11"/>
   </p:sldLayoutIdLst>
   <p:txStyles>
     <p:titleStyle>
-      <a:lvl1pPr algn="ctr" defTabSz="914400" rtl="0" eaLnBrk="1" latinLnBrk="0" hangingPunct="1">
+      <a:lvl1pPr marL="484632" algn="l" rtl="0" eaLnBrk="1" latinLnBrk="0" hangingPunct="1">
         <a:spcBef>
           <a:spcPct val="0"/>
         </a:spcBef>
         <a:buNone/>
-        <a:defRPr sz="4400" kern="1200">
+        <a:defRPr kumimoji="0" sz="4200" kern="1200">
+          <a:ln w="6350">
+            <a:solidFill>
+              <a:schemeClr val="accent1">
+                <a:shade val="43000"/>
+              </a:schemeClr>
+            </a:solidFill>
+          </a:ln>
           <a:solidFill>
-            <a:schemeClr val="tx1"/>
+            <a:schemeClr val="accent1">
+              <a:tint val="83000"/>
+              <a:satMod val="150000"/>
+            </a:schemeClr>
           </a:solidFill>
+          <a:effectLst>
+            <a:outerShdw blurRad="26000" dist="26000" dir="14500000" algn="tl" rotWithShape="0">
+              <a:srgbClr val="000000">
+                <a:alpha val="40000"/>
+              </a:srgbClr>
+            </a:outerShdw>
+          </a:effectLst>
           <a:latin typeface="+mj-lt"/>
           <a:ea typeface="+mj-ea"/>
           <a:cs typeface="+mj-cs"/>
@@ -2812,13 +3292,17 @@
       </a:lvl1pPr>
     </p:titleStyle>
     <p:bodyStyle>
-      <a:lvl1pPr marL="342900" indent="-342900" algn="l" defTabSz="914400" rtl="0" eaLnBrk="1" latinLnBrk="0" hangingPunct="1">
+      <a:lvl1pPr marL="448056" indent="-384048" algn="l" rtl="0" eaLnBrk="1" latinLnBrk="0" hangingPunct="1">
         <a:spcBef>
           <a:spcPct val="20000"/>
         </a:spcBef>
-        <a:buFont typeface="Arial" pitchFamily="34" charset="0"/>
-        <a:buChar char="•"/>
-        <a:defRPr sz="3200" kern="1200">
+        <a:buClr>
+          <a:schemeClr val="accent1"/>
+        </a:buClr>
+        <a:buSzPct val="80000"/>
+        <a:buFont typeface="Wingdings 2"/>
+        <a:buChar char=""/>
+        <a:defRPr kumimoji="0" sz="3000" kern="1200">
           <a:solidFill>
             <a:schemeClr val="tx1"/>
           </a:solidFill>
@@ -2827,13 +3311,17 @@
           <a:cs typeface="+mn-cs"/>
         </a:defRPr>
       </a:lvl1pPr>
-      <a:lvl2pPr marL="742950" indent="-285750" algn="l" defTabSz="914400" rtl="0" eaLnBrk="1" latinLnBrk="0" hangingPunct="1">
+      <a:lvl2pPr marL="822960" indent="-285750" algn="l" rtl="0" eaLnBrk="1" latinLnBrk="0" hangingPunct="1">
         <a:spcBef>
           <a:spcPct val="20000"/>
         </a:spcBef>
-        <a:buFont typeface="Arial" pitchFamily="34" charset="0"/>
-        <a:buChar char="–"/>
-        <a:defRPr sz="2800" kern="1200">
+        <a:buClr>
+          <a:schemeClr val="accent1"/>
+        </a:buClr>
+        <a:buSzPct val="95000"/>
+        <a:buFont typeface="Verdana"/>
+        <a:buChar char="›"/>
+        <a:defRPr kumimoji="0" sz="2600" kern="1200">
           <a:solidFill>
             <a:schemeClr val="tx1"/>
           </a:solidFill>
@@ -2842,13 +3330,16 @@
           <a:cs typeface="+mn-cs"/>
         </a:defRPr>
       </a:lvl2pPr>
-      <a:lvl3pPr marL="1143000" indent="-228600" algn="l" defTabSz="914400" rtl="0" eaLnBrk="1" latinLnBrk="0" hangingPunct="1">
+      <a:lvl3pPr marL="1106424" indent="-228600" algn="l" rtl="0" eaLnBrk="1" latinLnBrk="0" hangingPunct="1">
         <a:spcBef>
           <a:spcPct val="20000"/>
         </a:spcBef>
-        <a:buFont typeface="Arial" pitchFamily="34" charset="0"/>
-        <a:buChar char="•"/>
-        <a:defRPr sz="2400" kern="1200">
+        <a:buClr>
+          <a:schemeClr val="accent1"/>
+        </a:buClr>
+        <a:buFont typeface="Wingdings 2"/>
+        <a:buChar char=""/>
+        <a:defRPr kumimoji="0" sz="2400" kern="1200">
           <a:solidFill>
             <a:schemeClr val="tx1"/>
           </a:solidFill>
@@ -2857,13 +3348,16 @@
           <a:cs typeface="+mn-cs"/>
         </a:defRPr>
       </a:lvl3pPr>
-      <a:lvl4pPr marL="1600200" indent="-228600" algn="l" defTabSz="914400" rtl="0" eaLnBrk="1" latinLnBrk="0" hangingPunct="1">
+      <a:lvl4pPr marL="1371600" indent="-210312" algn="l" rtl="0" eaLnBrk="1" latinLnBrk="0" hangingPunct="1">
         <a:spcBef>
           <a:spcPct val="20000"/>
         </a:spcBef>
-        <a:buFont typeface="Arial" pitchFamily="34" charset="0"/>
-        <a:buChar char="–"/>
-        <a:defRPr sz="2000" kern="1200">
+        <a:buClr>
+          <a:schemeClr val="accent1"/>
+        </a:buClr>
+        <a:buFont typeface="Wingdings 2"/>
+        <a:buChar char=""/>
+        <a:defRPr kumimoji="0" sz="2000" kern="1200">
           <a:solidFill>
             <a:schemeClr val="tx1"/>
           </a:solidFill>
@@ -2872,13 +3366,18 @@
           <a:cs typeface="+mn-cs"/>
         </a:defRPr>
       </a:lvl4pPr>
-      <a:lvl5pPr marL="2057400" indent="-228600" algn="l" defTabSz="914400" rtl="0" eaLnBrk="1" latinLnBrk="0" hangingPunct="1">
+      <a:lvl5pPr marL="1600200" indent="-210312" algn="l" rtl="0" eaLnBrk="1" latinLnBrk="0" hangingPunct="1">
         <a:spcBef>
           <a:spcPct val="20000"/>
         </a:spcBef>
-        <a:buFont typeface="Arial" pitchFamily="34" charset="0"/>
-        <a:buChar char="»"/>
-        <a:defRPr sz="2000" kern="1200">
+        <a:buClr>
+          <a:schemeClr val="accent1">
+            <a:tint val="75000"/>
+          </a:schemeClr>
+        </a:buClr>
+        <a:buFont typeface="Wingdings 2"/>
+        <a:buChar char=""/>
+        <a:defRPr kumimoji="0" sz="1900" kern="1200">
           <a:solidFill>
             <a:schemeClr val="tx1"/>
           </a:solidFill>
@@ -2887,13 +3386,18 @@
           <a:cs typeface="+mn-cs"/>
         </a:defRPr>
       </a:lvl5pPr>
-      <a:lvl6pPr marL="2514600" indent="-228600" algn="l" defTabSz="914400" rtl="0" eaLnBrk="1" latinLnBrk="0" hangingPunct="1">
+      <a:lvl6pPr marL="1828800" indent="-210312" algn="l" rtl="0" eaLnBrk="1" latinLnBrk="0" hangingPunct="1">
         <a:spcBef>
           <a:spcPct val="20000"/>
         </a:spcBef>
-        <a:buFont typeface="Arial" pitchFamily="34" charset="0"/>
-        <a:buChar char="•"/>
-        <a:defRPr sz="2000" kern="1200">
+        <a:buClr>
+          <a:schemeClr val="accent1">
+            <a:tint val="75000"/>
+          </a:schemeClr>
+        </a:buClr>
+        <a:buFont typeface="Wingdings 2"/>
+        <a:buChar char=""/>
+        <a:defRPr kumimoji="0" sz="1800" kern="1200">
           <a:solidFill>
             <a:schemeClr val="tx1"/>
           </a:solidFill>
@@ -2902,13 +3406,18 @@
           <a:cs typeface="+mn-cs"/>
         </a:defRPr>
       </a:lvl6pPr>
-      <a:lvl7pPr marL="2971800" indent="-228600" algn="l" defTabSz="914400" rtl="0" eaLnBrk="1" latinLnBrk="0" hangingPunct="1">
+      <a:lvl7pPr marL="2084832" indent="-210312" algn="l" rtl="0" eaLnBrk="1" latinLnBrk="0" hangingPunct="1">
         <a:spcBef>
           <a:spcPct val="20000"/>
         </a:spcBef>
-        <a:buFont typeface="Arial" pitchFamily="34" charset="0"/>
-        <a:buChar char="•"/>
-        <a:defRPr sz="2000" kern="1200">
+        <a:buClr>
+          <a:schemeClr val="accent1">
+            <a:tint val="75000"/>
+          </a:schemeClr>
+        </a:buClr>
+        <a:buFont typeface="Wingdings 2"/>
+        <a:buChar char=""/>
+        <a:defRPr kumimoji="0" sz="1600" kern="1200">
           <a:solidFill>
             <a:schemeClr val="tx1"/>
           </a:solidFill>
@@ -2917,13 +3426,18 @@
           <a:cs typeface="+mn-cs"/>
         </a:defRPr>
       </a:lvl7pPr>
-      <a:lvl8pPr marL="3429000" indent="-228600" algn="l" defTabSz="914400" rtl="0" eaLnBrk="1" latinLnBrk="0" hangingPunct="1">
+      <a:lvl8pPr marL="2286000" indent="-182880" algn="l" rtl="0" eaLnBrk="1" latinLnBrk="0" hangingPunct="1">
         <a:spcBef>
           <a:spcPct val="20000"/>
         </a:spcBef>
-        <a:buFont typeface="Arial" pitchFamily="34" charset="0"/>
-        <a:buChar char="•"/>
-        <a:defRPr sz="2000" kern="1200">
+        <a:buClr>
+          <a:schemeClr val="accent1">
+            <a:tint val="75000"/>
+          </a:schemeClr>
+        </a:buClr>
+        <a:buFont typeface="Wingdings 2"/>
+        <a:buChar char=""/>
+        <a:defRPr kumimoji="0" sz="1600" kern="1200">
           <a:solidFill>
             <a:schemeClr val="tx1"/>
           </a:solidFill>
@@ -2932,13 +3446,18 @@
           <a:cs typeface="+mn-cs"/>
         </a:defRPr>
       </a:lvl8pPr>
-      <a:lvl9pPr marL="3886200" indent="-228600" algn="l" defTabSz="914400" rtl="0" eaLnBrk="1" latinLnBrk="0" hangingPunct="1">
+      <a:lvl9pPr marL="2514600" indent="-182880" algn="l" rtl="0" eaLnBrk="1" latinLnBrk="0" hangingPunct="1">
         <a:spcBef>
           <a:spcPct val="20000"/>
         </a:spcBef>
-        <a:buFont typeface="Arial" pitchFamily="34" charset="0"/>
-        <a:buChar char="•"/>
-        <a:defRPr sz="2000" kern="1200">
+        <a:buClr>
+          <a:schemeClr val="accent1">
+            <a:tint val="75000"/>
+          </a:schemeClr>
+        </a:buClr>
+        <a:buFont typeface="Wingdings 2"/>
+        <a:buChar char=""/>
+        <a:defRPr kumimoji="0" sz="1600" kern="1200">
           <a:solidFill>
             <a:schemeClr val="tx1"/>
           </a:solidFill>
@@ -2949,11 +3468,8 @@
       </a:lvl9pPr>
     </p:bodyStyle>
     <p:otherStyle>
-      <a:defPPr>
-        <a:defRPr lang="en-US"/>
-      </a:defPPr>
-      <a:lvl1pPr marL="0" algn="l" defTabSz="914400" rtl="0" eaLnBrk="1" latinLnBrk="0" hangingPunct="1">
-        <a:defRPr sz="1800" kern="1200">
+      <a:lvl1pPr marL="0" algn="l" rtl="0" eaLnBrk="1" latinLnBrk="0" hangingPunct="1">
+        <a:defRPr kumimoji="0" kern="1200">
           <a:solidFill>
             <a:schemeClr val="tx1"/>
           </a:solidFill>
@@ -2962,8 +3478,8 @@
           <a:cs typeface="+mn-cs"/>
         </a:defRPr>
       </a:lvl1pPr>
-      <a:lvl2pPr marL="457200" algn="l" defTabSz="914400" rtl="0" eaLnBrk="1" latinLnBrk="0" hangingPunct="1">
-        <a:defRPr sz="1800" kern="1200">
+      <a:lvl2pPr marL="457200" algn="l" rtl="0" eaLnBrk="1" latinLnBrk="0" hangingPunct="1">
+        <a:defRPr kumimoji="0" kern="1200">
           <a:solidFill>
             <a:schemeClr val="tx1"/>
           </a:solidFill>
@@ -2972,8 +3488,8 @@
           <a:cs typeface="+mn-cs"/>
         </a:defRPr>
       </a:lvl2pPr>
-      <a:lvl3pPr marL="914400" algn="l" defTabSz="914400" rtl="0" eaLnBrk="1" latinLnBrk="0" hangingPunct="1">
-        <a:defRPr sz="1800" kern="1200">
+      <a:lvl3pPr marL="914400" algn="l" rtl="0" eaLnBrk="1" latinLnBrk="0" hangingPunct="1">
+        <a:defRPr kumimoji="0" kern="1200">
           <a:solidFill>
             <a:schemeClr val="tx1"/>
           </a:solidFill>
@@ -2982,8 +3498,8 @@
           <a:cs typeface="+mn-cs"/>
         </a:defRPr>
       </a:lvl3pPr>
-      <a:lvl4pPr marL="1371600" algn="l" defTabSz="914400" rtl="0" eaLnBrk="1" latinLnBrk="0" hangingPunct="1">
-        <a:defRPr sz="1800" kern="1200">
+      <a:lvl4pPr marL="1371600" algn="l" rtl="0" eaLnBrk="1" latinLnBrk="0" hangingPunct="1">
+        <a:defRPr kumimoji="0" kern="1200">
           <a:solidFill>
             <a:schemeClr val="tx1"/>
           </a:solidFill>
@@ -2992,8 +3508,8 @@
           <a:cs typeface="+mn-cs"/>
         </a:defRPr>
       </a:lvl4pPr>
-      <a:lvl5pPr marL="1828800" algn="l" defTabSz="914400" rtl="0" eaLnBrk="1" latinLnBrk="0" hangingPunct="1">
-        <a:defRPr sz="1800" kern="1200">
+      <a:lvl5pPr marL="1828800" algn="l" rtl="0" eaLnBrk="1" latinLnBrk="0" hangingPunct="1">
+        <a:defRPr kumimoji="0" kern="1200">
           <a:solidFill>
             <a:schemeClr val="tx1"/>
           </a:solidFill>
@@ -3002,8 +3518,8 @@
           <a:cs typeface="+mn-cs"/>
         </a:defRPr>
       </a:lvl5pPr>
-      <a:lvl6pPr marL="2286000" algn="l" defTabSz="914400" rtl="0" eaLnBrk="1" latinLnBrk="0" hangingPunct="1">
-        <a:defRPr sz="1800" kern="1200">
+      <a:lvl6pPr marL="2286000" algn="l" rtl="0" eaLnBrk="1" latinLnBrk="0" hangingPunct="1">
+        <a:defRPr kumimoji="0" kern="1200">
           <a:solidFill>
             <a:schemeClr val="tx1"/>
           </a:solidFill>
@@ -3012,8 +3528,8 @@
           <a:cs typeface="+mn-cs"/>
         </a:defRPr>
       </a:lvl6pPr>
-      <a:lvl7pPr marL="2743200" algn="l" defTabSz="914400" rtl="0" eaLnBrk="1" latinLnBrk="0" hangingPunct="1">
-        <a:defRPr sz="1800" kern="1200">
+      <a:lvl7pPr marL="2743200" algn="l" rtl="0" eaLnBrk="1" latinLnBrk="0" hangingPunct="1">
+        <a:defRPr kumimoji="0" kern="1200">
           <a:solidFill>
             <a:schemeClr val="tx1"/>
           </a:solidFill>
@@ -3022,8 +3538,8 @@
           <a:cs typeface="+mn-cs"/>
         </a:defRPr>
       </a:lvl7pPr>
-      <a:lvl8pPr marL="3200400" algn="l" defTabSz="914400" rtl="0" eaLnBrk="1" latinLnBrk="0" hangingPunct="1">
-        <a:defRPr sz="1800" kern="1200">
+      <a:lvl8pPr marL="3200400" algn="l" rtl="0" eaLnBrk="1" latinLnBrk="0" hangingPunct="1">
+        <a:defRPr kumimoji="0" kern="1200">
           <a:solidFill>
             <a:schemeClr val="tx1"/>
           </a:solidFill>
@@ -3032,8 +3548,8 @@
           <a:cs typeface="+mn-cs"/>
         </a:defRPr>
       </a:lvl8pPr>
-      <a:lvl9pPr marL="3657600" algn="l" defTabSz="914400" rtl="0" eaLnBrk="1" latinLnBrk="0" hangingPunct="1">
-        <a:defRPr sz="1800" kern="1200">
+      <a:lvl9pPr marL="3657600" algn="l" rtl="0" eaLnBrk="1" latinLnBrk="0" hangingPunct="1">
+        <a:defRPr kumimoji="0" kern="1200">
           <a:solidFill>
             <a:schemeClr val="tx1"/>
           </a:solidFill>
@@ -3279,33 +3795,8 @@
                 <a:ea typeface="+mn-ea"/>
                 <a:cs typeface="+mn-cs"/>
               </a:rPr>
-              <a:t> </a:t>
-            </a:r>
-            <a:r>
-              <a:rPr kumimoji="0" lang="en-US" b="0" i="0" u="none" strike="noStrike" kern="1200" cap="none" spc="0" normalizeH="0" baseline="0" noProof="0" dirty="0" smtClean="0">
-                <a:ln>
-                  <a:noFill/>
-                </a:ln>
-                <a:effectLst/>
-                <a:uLnTx/>
-                <a:uFillTx/>
-                <a:latin typeface="+mn-lt"/>
-                <a:ea typeface="+mn-ea"/>
-                <a:cs typeface="+mn-cs"/>
-              </a:rPr>
-              <a:t>(154865)</a:t>
-            </a:r>
-            <a:endParaRPr kumimoji="0" lang="en-US" b="0" i="0" u="none" strike="noStrike" kern="1200" cap="none" spc="0" normalizeH="0" baseline="0" noProof="0" dirty="0" smtClean="0">
-              <a:ln>
-                <a:noFill/>
-              </a:ln>
-              <a:effectLst/>
-              <a:uLnTx/>
-              <a:uFillTx/>
-              <a:latin typeface="+mn-lt"/>
-              <a:ea typeface="+mn-ea"/>
-              <a:cs typeface="+mn-cs"/>
-            </a:endParaRPr>
+              <a:t> (154865)</a:t>
+            </a:r>
           </a:p>
           <a:p>
             <a:pPr marL="0" marR="0" lvl="0" indent="0" defTabSz="914400" rtl="0" eaLnBrk="1" fontAlgn="auto" latinLnBrk="0" hangingPunct="1">
@@ -3351,35 +3842,7 @@
                 <a:ea typeface="+mn-ea"/>
                 <a:cs typeface="+mn-cs"/>
               </a:rPr>
-              <a:t> Kumar </a:t>
-            </a:r>
-            <a:r>
-              <a:rPr kumimoji="0" lang="en-US" b="0" i="0" u="none" strike="noStrike" kern="1200" cap="none" spc="0" normalizeH="0" baseline="0" noProof="0" dirty="0" smtClean="0">
-                <a:ln>
-                  <a:noFill/>
-                </a:ln>
-                <a:effectLst/>
-                <a:uLnTx/>
-                <a:uFillTx/>
-                <a:latin typeface="+mn-lt"/>
-                <a:ea typeface="+mn-ea"/>
-                <a:cs typeface="+mn-cs"/>
-              </a:rPr>
-              <a:t>Paul (399270</a:t>
-            </a:r>
-            <a:r>
-              <a:rPr kumimoji="0" lang="en-US" b="0" i="0" u="none" strike="noStrike" kern="1200" cap="none" spc="0" normalizeH="0" baseline="0" noProof="0" dirty="0" smtClean="0">
-                <a:ln>
-                  <a:noFill/>
-                </a:ln>
-                <a:effectLst/>
-                <a:uLnTx/>
-                <a:uFillTx/>
-                <a:latin typeface="+mn-lt"/>
-                <a:ea typeface="+mn-ea"/>
-                <a:cs typeface="+mn-cs"/>
-              </a:rPr>
-              <a:t>)</a:t>
+              <a:t> Kumar Paul (399270)</a:t>
             </a:r>
           </a:p>
           <a:p>
@@ -3456,17 +3919,6 @@
               </a:rPr>
               <a:t> (797256)</a:t>
             </a:r>
-            <a:endParaRPr kumimoji="0" lang="en-US" b="0" i="0" u="none" strike="noStrike" kern="1200" cap="none" spc="0" normalizeH="0" baseline="0" noProof="0" dirty="0" smtClean="0">
-              <a:ln>
-                <a:noFill/>
-              </a:ln>
-              <a:effectLst/>
-              <a:uLnTx/>
-              <a:uFillTx/>
-              <a:latin typeface="+mn-lt"/>
-              <a:ea typeface="+mn-ea"/>
-              <a:cs typeface="+mn-cs"/>
-            </a:endParaRPr>
           </a:p>
           <a:p>
             <a:pPr marL="0" marR="0" lvl="0" indent="0" defTabSz="914400" rtl="0" eaLnBrk="1" fontAlgn="auto" latinLnBrk="0" hangingPunct="1">
@@ -3542,17 +3994,6 @@
               </a:rPr>
               <a:t> (797429)</a:t>
             </a:r>
-            <a:endParaRPr kumimoji="0" lang="en-US" b="0" i="0" u="none" strike="noStrike" kern="1200" cap="none" spc="0" normalizeH="0" baseline="0" noProof="0" dirty="0" smtClean="0">
-              <a:ln>
-                <a:noFill/>
-              </a:ln>
-              <a:effectLst/>
-              <a:uLnTx/>
-              <a:uFillTx/>
-              <a:latin typeface="+mn-lt"/>
-              <a:ea typeface="+mn-ea"/>
-              <a:cs typeface="+mn-cs"/>
-            </a:endParaRPr>
           </a:p>
           <a:p>
             <a:pPr marL="0" marR="0" lvl="0" indent="0" defTabSz="914400" rtl="0" eaLnBrk="1" fontAlgn="auto" latinLnBrk="0" hangingPunct="1">
@@ -3659,7 +4100,7 @@
         </p:blipFill>
         <p:spPr bwMode="auto">
           <a:xfrm>
-            <a:off x="914400" y="3276600"/>
+            <a:off x="1447800" y="3429000"/>
             <a:ext cx="2366147" cy="2626424"/>
           </a:xfrm>
           <a:prstGeom prst="rect">
@@ -3734,7 +4175,7 @@
         </p:spPr>
         <p:txBody>
           <a:bodyPr>
-            <a:normAutofit fontScale="85000" lnSpcReduction="20000"/>
+            <a:normAutofit fontScale="70000" lnSpcReduction="20000"/>
           </a:bodyPr>
           <a:lstStyle/>
           <a:p>
@@ -3746,39 +4187,7 @@
             </a:pPr>
             <a:r>
               <a:rPr lang="en-US" sz="2400" dirty="0" smtClean="0"/>
-              <a:t>	While </a:t>
-            </a:r>
-            <a:r>
-              <a:rPr lang="en-US" sz="2400" dirty="0" smtClean="0"/>
-              <a:t>building web application for </a:t>
-            </a:r>
-            <a:r>
-              <a:rPr lang="en-US" sz="2400" dirty="0" smtClean="0"/>
-              <a:t>enterprise, </a:t>
-            </a:r>
-            <a:r>
-              <a:rPr lang="en-US" sz="2400" dirty="0" smtClean="0"/>
-              <a:t>with time the application </a:t>
-            </a:r>
-            <a:r>
-              <a:rPr lang="en-US" sz="2400" dirty="0" smtClean="0"/>
-              <a:t>gets bigger </a:t>
-            </a:r>
-            <a:r>
-              <a:rPr lang="en-US" sz="2400" dirty="0" smtClean="0"/>
-              <a:t>with lots of features and lots of dependent packages.  While using of existing packages make life easier at the same time it increases the build </a:t>
-            </a:r>
-            <a:r>
-              <a:rPr lang="en-US" sz="2400" dirty="0" smtClean="0"/>
-              <a:t>time and test time. </a:t>
-            </a:r>
-            <a:r>
-              <a:rPr lang="en-US" sz="2400" dirty="0" smtClean="0"/>
-              <a:t>This is unavoidable for a big application</a:t>
-            </a:r>
-            <a:r>
-              <a:rPr lang="en-US" sz="2400" dirty="0" smtClean="0"/>
-              <a:t>.</a:t>
+              <a:t>	While building web application for enterprise, with time the application gets bigger with lots of features and lots of dependent packages.  While using of existing packages make life easier at the same time it increases the build time and test time. This is unavoidable for a big application.</a:t>
             </a:r>
           </a:p>
           <a:p>
@@ -3804,7 +4213,6 @@
               <a:rPr lang="en-US" sz="2400" dirty="0" smtClean="0"/>
               <a:t>	Following are some problems that we find very common:</a:t>
             </a:r>
-            <a:endParaRPr lang="en-US" sz="2400" dirty="0" smtClean="0"/>
           </a:p>
           <a:p>
             <a:r>
@@ -3833,11 +4241,7 @@
           <a:p>
             <a:r>
               <a:rPr lang="en-US" sz="2400" dirty="0" smtClean="0"/>
-              <a:t>Problem when multiple </a:t>
-            </a:r>
-            <a:r>
-              <a:rPr lang="en-US" sz="2400" dirty="0" smtClean="0"/>
-              <a:t>teams working in a same codebase.</a:t>
+              <a:t>Problem when multiple teams working in a same codebase.</a:t>
             </a:r>
           </a:p>
           <a:p>
@@ -3849,23 +4253,7 @@
           <a:p>
             <a:r>
               <a:rPr lang="en-US" sz="2400" dirty="0" smtClean="0"/>
-              <a:t>A big codebase is difficult </a:t>
-            </a:r>
-            <a:r>
-              <a:rPr lang="en-US" sz="2400" dirty="0" smtClean="0"/>
-              <a:t>understand and </a:t>
-            </a:r>
-            <a:r>
-              <a:rPr lang="en-US" sz="2400" dirty="0" smtClean="0"/>
-              <a:t>debug </a:t>
-            </a:r>
-            <a:r>
-              <a:rPr lang="en-US" sz="2400" dirty="0" smtClean="0"/>
-              <a:t>for </a:t>
-            </a:r>
-            <a:r>
-              <a:rPr lang="en-US" sz="2400" dirty="0" smtClean="0"/>
-              <a:t>a new team member.</a:t>
+              <a:t>A big codebase is difficult understand and debug for a new team member.</a:t>
             </a:r>
           </a:p>
           <a:p>
@@ -3966,23 +4354,7 @@
             </a:pPr>
             <a:r>
               <a:rPr lang="en-US" dirty="0" smtClean="0"/>
-              <a:t>	</a:t>
-            </a:r>
-            <a:r>
-              <a:rPr lang="en-US" dirty="0" smtClean="0"/>
-              <a:t>This </a:t>
-            </a:r>
-            <a:r>
-              <a:rPr lang="en-US" dirty="0" smtClean="0"/>
-              <a:t>problem would be solved if we can somehow split the codebase and make them independent. So that each codebase/project will be managed, developed and build by separate team. Each project developed and run in </a:t>
-            </a:r>
-            <a:r>
-              <a:rPr lang="en-US" dirty="0" smtClean="0"/>
-              <a:t>their complete </a:t>
-            </a:r>
-            <a:r>
-              <a:rPr lang="en-US" dirty="0" smtClean="0"/>
-              <a:t>isolation.  Expose the module/component for others to use. So that the main project can use this project but cannot modify. </a:t>
+              <a:t>	This problem would be solved if we can somehow split the codebase and make them independent. So that each codebase/project will be managed, developed and build by separate team. Each project developed and run in their complete isolation.  Expose the module/component for others to use. So that the main project can use this project but cannot modify. </a:t>
             </a:r>
           </a:p>
           <a:p>
@@ -4044,15 +4416,7 @@
             </a:pPr>
             <a:r>
               <a:rPr lang="en-US" dirty="0" smtClean="0"/>
-              <a:t>	But… the problem is how to achieve this kind of flexible implementation and how can we avoid lots of configuration changes in both the projects to make </a:t>
-            </a:r>
-            <a:r>
-              <a:rPr lang="en-US" dirty="0" smtClean="0"/>
-              <a:t>modules shareable</a:t>
-            </a:r>
-            <a:r>
-              <a:rPr lang="en-US" dirty="0" smtClean="0"/>
-              <a:t>?</a:t>
+              <a:t>	But… the problem is how to achieve this kind of flexible implementation and how can we avoid lots of configuration changes in both the projects to make modules shareable?</a:t>
             </a:r>
             <a:endParaRPr lang="en-US" dirty="0"/>
           </a:p>
@@ -4146,15 +4510,7 @@
           <a:p>
             <a:r>
               <a:rPr lang="en-US" dirty="0" smtClean="0"/>
-              <a:t>Surprisingly it requires very minimum changes in fact few lines of changes </a:t>
-            </a:r>
-            <a:r>
-              <a:rPr lang="en-US" dirty="0" smtClean="0"/>
-              <a:t>and only in </a:t>
-            </a:r>
-            <a:r>
-              <a:rPr lang="en-US" dirty="0" smtClean="0"/>
-              <a:t>one file.</a:t>
+              <a:t>Surprisingly it requires very minimum changes in fact few lines of changes and only in one file.</a:t>
             </a:r>
           </a:p>
           <a:p>
@@ -6442,9 +6798,9 @@
 </file>
 
 <file path=ppt/theme/theme1.xml><?xml version="1.0" encoding="utf-8"?>
-<a:theme xmlns:a="http://schemas.openxmlformats.org/drawingml/2006/main" name="Office Theme">
+<a:theme xmlns:a="http://schemas.openxmlformats.org/drawingml/2006/main" name="Verve">
   <a:themeElements>
-    <a:clrScheme name="Office">
+    <a:clrScheme name="Verve">
       <a:dk1>
         <a:sysClr val="windowText" lastClr="000000"/>
       </a:dk1>
@@ -6452,82 +6808,48 @@
         <a:sysClr val="window" lastClr="FFFFFF"/>
       </a:lt1>
       <a:dk2>
-        <a:srgbClr val="1F497D"/>
+        <a:srgbClr val="666666"/>
       </a:dk2>
       <a:lt2>
-        <a:srgbClr val="EEECE1"/>
+        <a:srgbClr val="D2D2D2"/>
       </a:lt2>
       <a:accent1>
-        <a:srgbClr val="4F81BD"/>
+        <a:srgbClr val="FF388C"/>
       </a:accent1>
       <a:accent2>
-        <a:srgbClr val="C0504D"/>
+        <a:srgbClr val="E40059"/>
       </a:accent2>
       <a:accent3>
-        <a:srgbClr val="9BBB59"/>
+        <a:srgbClr val="9C007F"/>
       </a:accent3>
       <a:accent4>
-        <a:srgbClr val="8064A2"/>
+        <a:srgbClr val="68007F"/>
       </a:accent4>
       <a:accent5>
-        <a:srgbClr val="4BACC6"/>
+        <a:srgbClr val="005BD3"/>
       </a:accent5>
       <a:accent6>
-        <a:srgbClr val="F79646"/>
+        <a:srgbClr val="00349E"/>
       </a:accent6>
       <a:hlink>
-        <a:srgbClr val="0000FF"/>
+        <a:srgbClr val="17BBFD"/>
       </a:hlink>
       <a:folHlink>
-        <a:srgbClr val="800080"/>
+        <a:srgbClr val="FF79C2"/>
       </a:folHlink>
     </a:clrScheme>
-    <a:fontScheme name="Office">
+    <a:fontScheme name="Verve">
       <a:majorFont>
-        <a:latin typeface="Calibri"/>
+        <a:latin typeface="Century Gothic"/>
         <a:ea typeface=""/>
         <a:cs typeface=""/>
-        <a:font script="Jpan" typeface="ＭＳ Ｐゴシック"/>
-        <a:font script="Hang" typeface="맑은 고딕"/>
-        <a:font script="Hans" typeface="宋体"/>
-        <a:font script="Hant" typeface="新細明體"/>
-        <a:font script="Arab" typeface="Times New Roman"/>
-        <a:font script="Hebr" typeface="Times New Roman"/>
-        <a:font script="Thai" typeface="Angsana New"/>
-        <a:font script="Ethi" typeface="Nyala"/>
-        <a:font script="Beng" typeface="Vrinda"/>
-        <a:font script="Gujr" typeface="Shruti"/>
-        <a:font script="Khmr" typeface="MoolBoran"/>
-        <a:font script="Knda" typeface="Tunga"/>
-        <a:font script="Guru" typeface="Raavi"/>
-        <a:font script="Cans" typeface="Euphemia"/>
-        <a:font script="Cher" typeface="Plantagenet Cherokee"/>
-        <a:font script="Yiii" typeface="Microsoft Yi Baiti"/>
-        <a:font script="Tibt" typeface="Microsoft Himalaya"/>
-        <a:font script="Thaa" typeface="MV Boli"/>
-        <a:font script="Deva" typeface="Mangal"/>
-        <a:font script="Telu" typeface="Gautami"/>
-        <a:font script="Taml" typeface="Latha"/>
-        <a:font script="Syrc" typeface="Estrangelo Edessa"/>
-        <a:font script="Orya" typeface="Kalinga"/>
-        <a:font script="Mlym" typeface="Kartika"/>
-        <a:font script="Laoo" typeface="DokChampa"/>
-        <a:font script="Sinh" typeface="Iskoola Pota"/>
-        <a:font script="Mong" typeface="Mongolian Baiti"/>
-        <a:font script="Viet" typeface="Times New Roman"/>
-        <a:font script="Uigh" typeface="Microsoft Uighur"/>
-      </a:majorFont>
-      <a:minorFont>
-        <a:latin typeface="Calibri"/>
-        <a:ea typeface=""/>
-        <a:cs typeface=""/>
-        <a:font script="Jpan" typeface="ＭＳ Ｐゴシック"/>
-        <a:font script="Hang" typeface="맑은 고딕"/>
-        <a:font script="Hans" typeface="宋体"/>
-        <a:font script="Hant" typeface="新細明體"/>
-        <a:font script="Arab" typeface="Arial"/>
-        <a:font script="Hebr" typeface="Arial"/>
-        <a:font script="Thai" typeface="Cordia New"/>
+        <a:font script="Jpan" typeface="HGｺﾞｼｯｸM"/>
+        <a:font script="Hang" typeface="HY중고딕"/>
+        <a:font script="Hans" typeface="幼圆"/>
+        <a:font script="Hant" typeface="微軟正黑體"/>
+        <a:font script="Arab" typeface="Tahoma"/>
+        <a:font script="Hebr" typeface="Gisha"/>
+        <a:font script="Thai" typeface="DilleniaUPC"/>
         <a:font script="Ethi" typeface="Nyala"/>
         <a:font script="Beng" typeface="Vrinda"/>
         <a:font script="Gujr" typeface="Shruti"/>
@@ -6548,11 +6870,45 @@
         <a:font script="Laoo" typeface="DokChampa"/>
         <a:font script="Sinh" typeface="Iskoola Pota"/>
         <a:font script="Mong" typeface="Mongolian Baiti"/>
-        <a:font script="Viet" typeface="Arial"/>
+        <a:font script="Viet" typeface="Tahoma"/>
+        <a:font script="Uigh" typeface="Microsoft Uighur"/>
+      </a:majorFont>
+      <a:minorFont>
+        <a:latin typeface="Century Gothic"/>
+        <a:ea typeface=""/>
+        <a:cs typeface=""/>
+        <a:font script="Jpan" typeface="ＭＳ ゴシック"/>
+        <a:font script="Hang" typeface="HY중고딕"/>
+        <a:font script="Hans" typeface="幼圆"/>
+        <a:font script="Hant" typeface="微軟正黑體"/>
+        <a:font script="Arab" typeface="Tahoma"/>
+        <a:font script="Hebr" typeface="Gisha"/>
+        <a:font script="Thai" typeface="DilleniaUPC"/>
+        <a:font script="Ethi" typeface="Nyala"/>
+        <a:font script="Beng" typeface="Vrinda"/>
+        <a:font script="Gujr" typeface="Shruti"/>
+        <a:font script="Khmr" typeface="DaunPenh"/>
+        <a:font script="Knda" typeface="Tunga"/>
+        <a:font script="Guru" typeface="Raavi"/>
+        <a:font script="Cans" typeface="Euphemia"/>
+        <a:font script="Cher" typeface="Plantagenet Cherokee"/>
+        <a:font script="Yiii" typeface="Microsoft Yi Baiti"/>
+        <a:font script="Tibt" typeface="Microsoft Himalaya"/>
+        <a:font script="Thaa" typeface="MV Boli"/>
+        <a:font script="Deva" typeface="Mangal"/>
+        <a:font script="Telu" typeface="Gautami"/>
+        <a:font script="Taml" typeface="Latha"/>
+        <a:font script="Syrc" typeface="Estrangelo Edessa"/>
+        <a:font script="Orya" typeface="Kalinga"/>
+        <a:font script="Mlym" typeface="Kartika"/>
+        <a:font script="Laoo" typeface="DokChampa"/>
+        <a:font script="Sinh" typeface="Iskoola Pota"/>
+        <a:font script="Mong" typeface="Mongolian Baiti"/>
+        <a:font script="Viet" typeface="Verdana"/>
         <a:font script="Uigh" typeface="Microsoft Uighur"/>
       </a:minorFont>
     </a:fontScheme>
-    <a:fmtScheme name="Office">
+    <a:fmtScheme name="Verve">
       <a:fillStyleLst>
         <a:solidFill>
           <a:schemeClr val="phClr"/>
@@ -6561,55 +6917,58 @@
           <a:gsLst>
             <a:gs pos="0">
               <a:schemeClr val="phClr">
-                <a:tint val="50000"/>
+                <a:tint val="10000"/>
                 <a:satMod val="300000"/>
               </a:schemeClr>
             </a:gs>
-            <a:gs pos="35000">
+            <a:gs pos="34000">
               <a:schemeClr val="phClr">
-                <a:tint val="37000"/>
-                <a:satMod val="300000"/>
+                <a:tint val="13500"/>
+                <a:satMod val="250000"/>
               </a:schemeClr>
             </a:gs>
             <a:gs pos="100000">
               <a:schemeClr val="phClr">
-                <a:tint val="15000"/>
-                <a:satMod val="350000"/>
+                <a:tint val="60000"/>
+                <a:satMod val="200000"/>
               </a:schemeClr>
             </a:gs>
           </a:gsLst>
-          <a:lin ang="16200000" scaled="1"/>
+          <a:path path="circle">
+            <a:fillToRect l="50000" t="155000" r="50000" b="-55000"/>
+          </a:path>
         </a:gradFill>
         <a:gradFill rotWithShape="1">
           <a:gsLst>
             <a:gs pos="0">
               <a:schemeClr val="phClr">
-                <a:shade val="51000"/>
-                <a:satMod val="130000"/>
+                <a:tint val="60000"/>
+                <a:satMod val="160000"/>
               </a:schemeClr>
             </a:gs>
-            <a:gs pos="80000">
+            <a:gs pos="46000">
               <a:schemeClr val="phClr">
-                <a:shade val="93000"/>
-                <a:satMod val="130000"/>
+                <a:tint val="86000"/>
+                <a:satMod val="160000"/>
               </a:schemeClr>
             </a:gs>
             <a:gs pos="100000">
               <a:schemeClr val="phClr">
-                <a:shade val="94000"/>
-                <a:satMod val="135000"/>
+                <a:shade val="40000"/>
+                <a:satMod val="160000"/>
               </a:schemeClr>
             </a:gs>
           </a:gsLst>
-          <a:lin ang="16200000" scaled="0"/>
+          <a:path path="circle">
+            <a:fillToRect l="50000" t="155000" r="50000" b="-55000"/>
+          </a:path>
         </a:gradFill>
       </a:fillStyleLst>
       <a:lnStyleLst>
         <a:ln w="9525" cap="flat" cmpd="sng" algn="ctr">
           <a:solidFill>
             <a:schemeClr val="phClr">
-              <a:shade val="95000"/>
-              <a:satMod val="105000"/>
+              <a:satMod val="120000"/>
             </a:schemeClr>
           </a:solidFill>
           <a:prstDash val="solid"/>
@@ -6630,40 +6989,43 @@
       <a:effectStyleLst>
         <a:effectStyle>
           <a:effectLst>
-            <a:outerShdw blurRad="40000" dist="20000" dir="5400000" rotWithShape="0">
+            <a:outerShdw blurRad="63500" dist="25400" dir="14700000" algn="t" rotWithShape="0">
               <a:srgbClr val="000000">
-                <a:alpha val="38000"/>
+                <a:alpha val="50000"/>
               </a:srgbClr>
             </a:outerShdw>
           </a:effectLst>
         </a:effectStyle>
         <a:effectStyle>
           <a:effectLst>
-            <a:outerShdw blurRad="40000" dist="23000" dir="5400000" rotWithShape="0">
+            <a:outerShdw blurRad="50800" dist="38100" dir="14700000" algn="t" rotWithShape="0">
               <a:srgbClr val="000000">
-                <a:alpha val="35000"/>
+                <a:alpha val="60000"/>
               </a:srgbClr>
             </a:outerShdw>
           </a:effectLst>
         </a:effectStyle>
         <a:effectStyle>
           <a:effectLst>
-            <a:outerShdw blurRad="40000" dist="23000" dir="5400000" rotWithShape="0">
+            <a:outerShdw blurRad="50800" dist="38100" dir="14700000" algn="t" rotWithShape="0">
               <a:srgbClr val="000000">
-                <a:alpha val="35000"/>
+                <a:alpha val="60000"/>
               </a:srgbClr>
             </a:outerShdw>
           </a:effectLst>
           <a:scene3d>
-            <a:camera prst="orthographicFront">
+            <a:camera prst="orthographicFront" fov="0">
               <a:rot lat="0" lon="0" rev="0"/>
             </a:camera>
-            <a:lightRig rig="threePt" dir="t">
-              <a:rot lat="0" lon="0" rev="1200000"/>
+            <a:lightRig rig="contrasting" dir="t">
+              <a:rot lat="0" lon="0" rev="3600000"/>
             </a:lightRig>
           </a:scene3d>
-          <a:sp3d>
-            <a:bevelT w="63500" h="25400"/>
+          <a:sp3d prstMaterial="plastic">
+            <a:bevelT w="127000" h="38200" prst="relaxedInset"/>
+            <a:contourClr>
+              <a:schemeClr val="phClr"/>
+            </a:contourClr>
           </a:sp3d>
         </a:effectStyle>
       </a:effectStyleLst>
@@ -6675,47 +7037,40 @@
           <a:gsLst>
             <a:gs pos="0">
               <a:schemeClr val="phClr">
-                <a:tint val="40000"/>
-                <a:satMod val="350000"/>
+                <a:shade val="48000"/>
+                <a:satMod val="230000"/>
               </a:schemeClr>
             </a:gs>
-            <a:gs pos="40000">
+            <a:gs pos="60000">
               <a:schemeClr val="phClr">
-                <a:tint val="45000"/>
-                <a:shade val="99000"/>
-                <a:satMod val="350000"/>
+                <a:shade val="92000"/>
+                <a:satMod val="230000"/>
               </a:schemeClr>
             </a:gs>
             <a:gs pos="100000">
               <a:schemeClr val="phClr">
-                <a:shade val="20000"/>
-                <a:satMod val="255000"/>
+                <a:tint val="85000"/>
+                <a:satMod val="400000"/>
               </a:schemeClr>
             </a:gs>
           </a:gsLst>
-          <a:path path="circle">
-            <a:fillToRect l="50000" t="-80000" r="50000" b="180000"/>
-          </a:path>
+          <a:lin ang="5400000" scaled="0"/>
         </a:gradFill>
-        <a:gradFill rotWithShape="1">
-          <a:gsLst>
-            <a:gs pos="0">
+        <a:blipFill>
+          <a:blip xmlns:r="http://schemas.openxmlformats.org/officeDocument/2006/relationships" r:embed="rId1">
+            <a:duotone>
               <a:schemeClr val="phClr">
-                <a:tint val="80000"/>
-                <a:satMod val="300000"/>
+                <a:shade val="1200"/>
+                <a:satMod val="150000"/>
               </a:schemeClr>
-            </a:gs>
-            <a:gs pos="100000">
               <a:schemeClr val="phClr">
-                <a:shade val="30000"/>
-                <a:satMod val="200000"/>
+                <a:tint val="90000"/>
+                <a:satMod val="150000"/>
               </a:schemeClr>
-            </a:gs>
-          </a:gsLst>
-          <a:path path="circle">
-            <a:fillToRect l="50000" t="50000" r="50000" b="50000"/>
-          </a:path>
-        </a:gradFill>
+            </a:duotone>
+          </a:blip>
+          <a:tile tx="0" ty="0" sx="70000" sy="70000" flip="none" algn="tl"/>
+        </a:blipFill>
       </a:bgFillStyleLst>
     </a:fmtScheme>
   </a:themeElements>
